--- a/papers/data-intensive-bio/Presentation/dare_saga.pptx
+++ b/papers/data-intensive-bio/Presentation/dare_saga.pptx
@@ -5,19 +5,20 @@
     <p:sldMasterId id="2147483648" r:id="rId1"/>
   </p:sldMasterIdLst>
   <p:notesMasterIdLst>
-    <p:notesMasterId r:id="rId12"/>
+    <p:notesMasterId r:id="rId13"/>
   </p:notesMasterIdLst>
   <p:sldIdLst>
     <p:sldId id="256" r:id="rId2"/>
-    <p:sldId id="262" r:id="rId3"/>
-    <p:sldId id="261" r:id="rId4"/>
-    <p:sldId id="264" r:id="rId5"/>
+    <p:sldId id="269" r:id="rId3"/>
+    <p:sldId id="262" r:id="rId4"/>
+    <p:sldId id="261" r:id="rId5"/>
     <p:sldId id="267" r:id="rId6"/>
     <p:sldId id="268" r:id="rId7"/>
-    <p:sldId id="258" r:id="rId8"/>
-    <p:sldId id="259" r:id="rId9"/>
-    <p:sldId id="266" r:id="rId10"/>
-    <p:sldId id="260" r:id="rId11"/>
+    <p:sldId id="270" r:id="rId8"/>
+    <p:sldId id="258" r:id="rId9"/>
+    <p:sldId id="259" r:id="rId10"/>
+    <p:sldId id="264" r:id="rId11"/>
+    <p:sldId id="260" r:id="rId12"/>
   </p:sldIdLst>
   <p:sldSz cx="9144000" cy="6858000" type="screen4x3"/>
   <p:notesSz cx="6858000" cy="9144000"/>
@@ -201,7 +202,7 @@
           <a:p>
             <a:fld id="{E644205A-AF26-EC4E-8562-143F5F805227}" type="datetimeFigureOut">
               <a:rPr lang="en-US" smtClean="0"/>
-              <a:t>10/18/11</a:t>
+              <a:t>10/19/11</a:t>
             </a:fld>
             <a:endParaRPr lang="en-US"/>
           </a:p>
@@ -553,7 +554,7 @@
             <a:fld id="{8FC6E2D0-3DA8-0A4F-9A90-3E1A8900A569}" type="slidenum">
               <a:rPr lang="en-US" smtClean="0"/>
               <a:pPr/>
-              <a:t>7</a:t>
+              <a:t>8</a:t>
             </a:fld>
             <a:endParaRPr lang="en-US" dirty="0"/>
           </a:p>
@@ -748,7 +749,7 @@
           <a:p>
             <a:fld id="{88CD3CAE-85D5-EF41-8154-1DEE4C4DD4B2}" type="datetimeFigureOut">
               <a:rPr lang="en-US" smtClean="0"/>
-              <a:t>10/18/11</a:t>
+              <a:t>10/19/11</a:t>
             </a:fld>
             <a:endParaRPr lang="en-US"/>
           </a:p>
@@ -918,7 +919,7 @@
           <a:p>
             <a:fld id="{88CD3CAE-85D5-EF41-8154-1DEE4C4DD4B2}" type="datetimeFigureOut">
               <a:rPr lang="en-US" smtClean="0"/>
-              <a:t>10/18/11</a:t>
+              <a:t>10/19/11</a:t>
             </a:fld>
             <a:endParaRPr lang="en-US"/>
           </a:p>
@@ -1098,7 +1099,7 @@
           <a:p>
             <a:fld id="{88CD3CAE-85D5-EF41-8154-1DEE4C4DD4B2}" type="datetimeFigureOut">
               <a:rPr lang="en-US" smtClean="0"/>
-              <a:t>10/18/11</a:t>
+              <a:t>10/19/11</a:t>
             </a:fld>
             <a:endParaRPr lang="en-US"/>
           </a:p>
@@ -1268,7 +1269,7 @@
           <a:p>
             <a:fld id="{88CD3CAE-85D5-EF41-8154-1DEE4C4DD4B2}" type="datetimeFigureOut">
               <a:rPr lang="en-US" smtClean="0"/>
-              <a:t>10/18/11</a:t>
+              <a:t>10/19/11</a:t>
             </a:fld>
             <a:endParaRPr lang="en-US"/>
           </a:p>
@@ -1514,7 +1515,7 @@
           <a:p>
             <a:fld id="{88CD3CAE-85D5-EF41-8154-1DEE4C4DD4B2}" type="datetimeFigureOut">
               <a:rPr lang="en-US" smtClean="0"/>
-              <a:t>10/18/11</a:t>
+              <a:t>10/19/11</a:t>
             </a:fld>
             <a:endParaRPr lang="en-US"/>
           </a:p>
@@ -1802,7 +1803,7 @@
           <a:p>
             <a:fld id="{88CD3CAE-85D5-EF41-8154-1DEE4C4DD4B2}" type="datetimeFigureOut">
               <a:rPr lang="en-US" smtClean="0"/>
-              <a:t>10/18/11</a:t>
+              <a:t>10/19/11</a:t>
             </a:fld>
             <a:endParaRPr lang="en-US"/>
           </a:p>
@@ -2224,7 +2225,7 @@
           <a:p>
             <a:fld id="{88CD3CAE-85D5-EF41-8154-1DEE4C4DD4B2}" type="datetimeFigureOut">
               <a:rPr lang="en-US" smtClean="0"/>
-              <a:t>10/18/11</a:t>
+              <a:t>10/19/11</a:t>
             </a:fld>
             <a:endParaRPr lang="en-US"/>
           </a:p>
@@ -2342,7 +2343,7 @@
           <a:p>
             <a:fld id="{88CD3CAE-85D5-EF41-8154-1DEE4C4DD4B2}" type="datetimeFigureOut">
               <a:rPr lang="en-US" smtClean="0"/>
-              <a:t>10/18/11</a:t>
+              <a:t>10/19/11</a:t>
             </a:fld>
             <a:endParaRPr lang="en-US"/>
           </a:p>
@@ -2437,7 +2438,7 @@
           <a:p>
             <a:fld id="{88CD3CAE-85D5-EF41-8154-1DEE4C4DD4B2}" type="datetimeFigureOut">
               <a:rPr lang="en-US" smtClean="0"/>
-              <a:t>10/18/11</a:t>
+              <a:t>10/19/11</a:t>
             </a:fld>
             <a:endParaRPr lang="en-US"/>
           </a:p>
@@ -2714,7 +2715,7 @@
           <a:p>
             <a:fld id="{88CD3CAE-85D5-EF41-8154-1DEE4C4DD4B2}" type="datetimeFigureOut">
               <a:rPr lang="en-US" smtClean="0"/>
-              <a:t>10/18/11</a:t>
+              <a:t>10/19/11</a:t>
             </a:fld>
             <a:endParaRPr lang="en-US"/>
           </a:p>
@@ -2967,7 +2968,7 @@
           <a:p>
             <a:fld id="{88CD3CAE-85D5-EF41-8154-1DEE4C4DD4B2}" type="datetimeFigureOut">
               <a:rPr lang="en-US" smtClean="0"/>
-              <a:t>10/18/11</a:t>
+              <a:t>10/19/11</a:t>
             </a:fld>
             <a:endParaRPr lang="en-US"/>
           </a:p>
@@ -3180,7 +3181,7 @@
           <a:p>
             <a:fld id="{88CD3CAE-85D5-EF41-8154-1DEE4C4DD4B2}" type="datetimeFigureOut">
               <a:rPr lang="en-US" smtClean="0"/>
-              <a:t>10/18/11</a:t>
+              <a:t>10/19/11</a:t>
             </a:fld>
             <a:endParaRPr lang="en-US"/>
           </a:p>
@@ -3565,7 +3566,12 @@
             <p:ph type="ctrTitle"/>
           </p:nvPr>
         </p:nvSpPr>
-        <p:spPr/>
+        <p:spPr>
+          <a:xfrm>
+            <a:off x="685800" y="885825"/>
+            <a:ext cx="7772400" cy="2314575"/>
+          </a:xfrm>
+        </p:spPr>
         <p:txBody>
           <a:bodyPr>
             <a:normAutofit/>
@@ -3669,6 +3675,227 @@
       </p:grpSpPr>
       <p:sp>
         <p:nvSpPr>
+          <p:cNvPr id="15362" name="Title 1"/>
+          <p:cNvSpPr>
+            <a:spLocks noGrp="1"/>
+          </p:cNvSpPr>
+          <p:nvPr>
+            <p:ph type="title"/>
+          </p:nvPr>
+        </p:nvSpPr>
+        <p:spPr/>
+        <p:txBody>
+          <a:bodyPr/>
+          <a:lstStyle/>
+          <a:p>
+            <a:r>
+              <a:rPr lang="en-US" smtClean="0"/>
+              <a:t>Overview</a:t>
+            </a:r>
+            <a:endParaRPr lang="en-US" dirty="0" smtClean="0"/>
+          </a:p>
+        </p:txBody>
+      </p:sp>
+      <p:sp>
+        <p:nvSpPr>
+          <p:cNvPr id="15363" name="Content Placeholder 2"/>
+          <p:cNvSpPr>
+            <a:spLocks noGrp="1"/>
+          </p:cNvSpPr>
+          <p:nvPr>
+            <p:ph idx="1"/>
+          </p:nvPr>
+        </p:nvSpPr>
+        <p:spPr>
+          <a:xfrm>
+            <a:off x="923047" y="1529880"/>
+            <a:ext cx="7966954" cy="4608884"/>
+          </a:xfrm>
+        </p:spPr>
+        <p:txBody>
+          <a:bodyPr>
+            <a:noAutofit/>
+          </a:bodyPr>
+          <a:lstStyle/>
+          <a:p>
+            <a:r>
+              <a:rPr lang="en-US" sz="1700" dirty="0" smtClean="0"/>
+              <a:t>DARE-based Gateways for Life Science Applications</a:t>
+            </a:r>
+          </a:p>
+          <a:p>
+            <a:pPr lvl="1"/>
+            <a:r>
+              <a:rPr lang="en-US" sz="1700" dirty="0" smtClean="0"/>
+              <a:t>Importance of Life Science </a:t>
+            </a:r>
+            <a:r>
+              <a:rPr lang="en-US" sz="1700" dirty="0" smtClean="0">
+                <a:sym typeface="Wingdings"/>
+              </a:rPr>
+              <a:t>&lt; == &gt; Role of Gateways</a:t>
+            </a:r>
+            <a:r>
+              <a:rPr lang="en-US" sz="1700" dirty="0" smtClean="0"/>
+              <a:t>  </a:t>
+            </a:r>
+          </a:p>
+          <a:p>
+            <a:pPr lvl="1"/>
+            <a:r>
+              <a:rPr lang="en-US" sz="1700" dirty="0" smtClean="0"/>
+              <a:t>Different computational characteristics</a:t>
+            </a:r>
+          </a:p>
+          <a:p>
+            <a:r>
+              <a:rPr lang="en-US" sz="1900" dirty="0" smtClean="0"/>
+              <a:t>DARE for HT-HPC and NGS</a:t>
+            </a:r>
+          </a:p>
+          <a:p>
+            <a:pPr lvl="1"/>
+            <a:r>
+              <a:rPr lang="en-US" sz="1700" dirty="0" smtClean="0"/>
+              <a:t>Architecture, Performance and Scalability</a:t>
+            </a:r>
+          </a:p>
+          <a:p>
+            <a:r>
+              <a:rPr lang="en-US" sz="1700" dirty="0" smtClean="0"/>
+              <a:t>DARE based Gateway for NGS Analytics</a:t>
+            </a:r>
+          </a:p>
+          <a:p>
+            <a:pPr lvl="1"/>
+            <a:r>
+              <a:rPr lang="en-US" sz="1700" dirty="0" smtClean="0"/>
+              <a:t>Perform alignment for “real” NGS problems on production DCI</a:t>
+            </a:r>
+          </a:p>
+          <a:p>
+            <a:pPr lvl="1"/>
+            <a:r>
+              <a:rPr lang="en-US" sz="1700" dirty="0" smtClean="0"/>
+              <a:t>Empirical understanding of using prod DCI for DI applications</a:t>
+            </a:r>
+          </a:p>
+          <a:p>
+            <a:r>
+              <a:rPr lang="en-US" sz="1700" dirty="0" smtClean="0"/>
+              <a:t>BFAST computational characterization</a:t>
+            </a:r>
+          </a:p>
+          <a:p>
+            <a:pPr lvl="1"/>
+            <a:r>
+              <a:rPr lang="en-US" sz="1700" dirty="0" smtClean="0"/>
+              <a:t>Tradeoffs: Com. </a:t>
+            </a:r>
+            <a:r>
+              <a:rPr lang="en-US" sz="1700" dirty="0" err="1" smtClean="0"/>
+              <a:t>vs</a:t>
+            </a:r>
+            <a:r>
+              <a:rPr lang="en-US" sz="1700" dirty="0" smtClean="0"/>
+              <a:t> </a:t>
+            </a:r>
+            <a:r>
+              <a:rPr lang="en-US" sz="1700" dirty="0" err="1" smtClean="0"/>
+              <a:t>Mem</a:t>
+            </a:r>
+            <a:r>
+              <a:rPr lang="en-US" sz="1700" dirty="0" smtClean="0"/>
+              <a:t>. </a:t>
+            </a:r>
+            <a:r>
+              <a:rPr lang="en-US" sz="1700" dirty="0" err="1" smtClean="0"/>
+              <a:t>vs</a:t>
+            </a:r>
+            <a:r>
+              <a:rPr lang="en-US" sz="1700" dirty="0" smtClean="0"/>
+              <a:t> I/O </a:t>
+            </a:r>
+            <a:r>
+              <a:rPr lang="en-US" sz="1700" dirty="0" err="1" smtClean="0"/>
+              <a:t>vs</a:t>
+            </a:r>
+            <a:r>
+              <a:rPr lang="en-US" sz="1700" dirty="0" smtClean="0"/>
+              <a:t> </a:t>
+            </a:r>
+            <a:r>
+              <a:rPr lang="en-US" sz="1700" dirty="0" err="1" smtClean="0"/>
+              <a:t>DoD</a:t>
+            </a:r>
+            <a:endParaRPr lang="en-US" sz="1700" dirty="0" smtClean="0"/>
+          </a:p>
+          <a:p>
+            <a:r>
+              <a:rPr lang="en-US" sz="1700" dirty="0" smtClean="0"/>
+              <a:t>Towards Production DCI for NGS Analytics</a:t>
+            </a:r>
+          </a:p>
+          <a:p>
+            <a:pPr lvl="1"/>
+            <a:r>
+              <a:rPr lang="en-US" sz="1700" dirty="0" smtClean="0"/>
+              <a:t>DARE-based Gateway: Lessons and </a:t>
+            </a:r>
+            <a:r>
+              <a:rPr lang="en-US" sz="1700" dirty="0" smtClean="0"/>
+              <a:t>Experience</a:t>
+            </a:r>
+            <a:endParaRPr lang="en-US" sz="1700" dirty="0" smtClean="0"/>
+          </a:p>
+          <a:p>
+            <a:pPr lvl="1"/>
+            <a:endParaRPr lang="en-US" sz="1700" dirty="0" smtClean="0"/>
+          </a:p>
+          <a:p>
+            <a:endParaRPr lang="en-US" sz="1700" dirty="0" smtClean="0"/>
+          </a:p>
+        </p:txBody>
+      </p:sp>
+    </p:spTree>
+    <p:extLst>
+      <p:ext uri="{BB962C8B-B14F-4D97-AF65-F5344CB8AC3E}">
+        <p14:creationId xmlns:p14="http://schemas.microsoft.com/office/powerpoint/2010/main" val="3561498945"/>
+      </p:ext>
+    </p:extLst>
+  </p:cSld>
+  <p:clrMapOvr>
+    <a:masterClrMapping/>
+  </p:clrMapOvr>
+  <p:timing>
+    <p:tnLst>
+      <p:par>
+        <p:cTn xmlns:p14="http://schemas.microsoft.com/office/powerpoint/2010/main" id="1" dur="indefinite" restart="never" nodeType="tmRoot"/>
+      </p:par>
+    </p:tnLst>
+  </p:timing>
+</p:sld>
+</file>
+
+<file path=ppt/slides/slide11.xml><?xml version="1.0" encoding="utf-8"?>
+<p:sld xmlns:a="http://schemas.openxmlformats.org/drawingml/2006/main" xmlns:r="http://schemas.openxmlformats.org/officeDocument/2006/relationships" xmlns:p="http://schemas.openxmlformats.org/presentationml/2006/main">
+  <p:cSld>
+    <p:spTree>
+      <p:nvGrpSpPr>
+        <p:cNvPr id="1" name=""/>
+        <p:cNvGrpSpPr/>
+        <p:nvPr/>
+      </p:nvGrpSpPr>
+      <p:grpSpPr>
+        <a:xfrm>
+          <a:off x="0" y="0"/>
+          <a:ext cx="0" cy="0"/>
+          <a:chOff x="0" y="0"/>
+          <a:chExt cx="0" cy="0"/>
+        </a:xfrm>
+      </p:grpSpPr>
+      <p:sp>
+        <p:nvSpPr>
           <p:cNvPr id="2" name="Title 1"/>
           <p:cNvSpPr>
             <a:spLocks noGrp="1"/>
@@ -3709,7 +3936,11 @@
           <a:p>
             <a:r>
               <a:rPr lang="en-US" dirty="0" smtClean="0"/>
-              <a:t>LS Applications – compute and data intensive present broad range of challenges at scale</a:t>
+              <a:t>Life Science </a:t>
+            </a:r>
+            <a:r>
+              <a:rPr lang="en-US" dirty="0" smtClean="0"/>
+              <a:t>Applications – compute and data intensive present broad range of challenges at scale</a:t>
             </a:r>
           </a:p>
           <a:p>
@@ -3820,7 +4051,7 @@
           <a:p>
             <a:r>
               <a:rPr lang="en-US" dirty="0" smtClean="0"/>
-              <a:t>What is DARE?</a:t>
+              <a:t>Contents</a:t>
             </a:r>
             <a:endParaRPr lang="en-US" dirty="0"/>
           </a:p>
@@ -3843,49 +4074,34 @@
           <a:p>
             <a:r>
               <a:rPr lang="en-US" dirty="0" smtClean="0"/>
-              <a:t>A framework to support Distributed Scientific Applications</a:t>
+              <a:t>Introduction to DARE</a:t>
             </a:r>
           </a:p>
           <a:p>
             <a:r>
               <a:rPr lang="en-US" dirty="0" smtClean="0"/>
-              <a:t>Why?</a:t>
-            </a:r>
-          </a:p>
-          <a:p>
-            <a:pPr lvl="1"/>
+              <a:t>Example using DARE</a:t>
+            </a:r>
+          </a:p>
+          <a:p>
             <a:r>
               <a:rPr lang="en-US" dirty="0" smtClean="0"/>
-              <a:t>Co-ordinate Compute and Data</a:t>
-            </a:r>
-          </a:p>
-          <a:p>
-            <a:pPr lvl="1"/>
+              <a:t>DARE Based Gateways</a:t>
+            </a:r>
+          </a:p>
+          <a:p>
             <a:r>
               <a:rPr lang="en-US" dirty="0" smtClean="0"/>
-              <a:t>Support for Pipelines/Workflows</a:t>
-            </a:r>
-          </a:p>
-          <a:p>
-            <a:pPr lvl="1"/>
-            <a:r>
-              <a:rPr lang="en-US" dirty="0" smtClean="0"/>
-              <a:t>Using the resource database</a:t>
-            </a:r>
-          </a:p>
-          <a:p>
-            <a:pPr lvl="1"/>
-            <a:r>
-              <a:rPr lang="en-US" dirty="0" smtClean="0"/>
-              <a:t>Build dynamic applications / workflows</a:t>
-            </a:r>
+              <a:t>DARE-NGS</a:t>
+            </a:r>
+            <a:endParaRPr lang="en-US" dirty="0"/>
           </a:p>
         </p:txBody>
       </p:sp>
     </p:spTree>
     <p:extLst>
       <p:ext uri="{BB962C8B-B14F-4D97-AF65-F5344CB8AC3E}">
-        <p14:creationId xmlns:p14="http://schemas.microsoft.com/office/powerpoint/2010/main" val="1401030162"/>
+        <p14:creationId xmlns:p14="http://schemas.microsoft.com/office/powerpoint/2010/main" val="3247901053"/>
       </p:ext>
     </p:extLst>
   </p:cSld>
@@ -3929,7 +4145,7 @@
           <a:p>
             <a:r>
               <a:rPr lang="en-US" dirty="0" smtClean="0"/>
-              <a:t>What is DARE ?</a:t>
+              <a:t>What is DARE?</a:t>
             </a:r>
             <a:endParaRPr lang="en-US" dirty="0"/>
           </a:p>
@@ -3952,61 +4168,63 @@
           <a:p>
             <a:r>
               <a:rPr lang="en-US" dirty="0" smtClean="0"/>
-              <a:t>Components of DARE</a:t>
+              <a:t>A framework to support Distributed Scientific Applications</a:t>
+            </a:r>
+          </a:p>
+          <a:p>
+            <a:r>
+              <a:rPr lang="en-US" dirty="0" smtClean="0"/>
+              <a:t>Why?</a:t>
             </a:r>
           </a:p>
           <a:p>
             <a:pPr lvl="1"/>
             <a:r>
               <a:rPr lang="en-US" dirty="0" smtClean="0"/>
-              <a:t>Compute</a:t>
+              <a:t>Coordinate </a:t>
+            </a:r>
+            <a:r>
+              <a:rPr lang="en-US" dirty="0" smtClean="0"/>
+              <a:t>Compute and Data</a:t>
             </a:r>
           </a:p>
           <a:p>
             <a:pPr lvl="1"/>
             <a:r>
               <a:rPr lang="en-US" dirty="0" smtClean="0"/>
-              <a:t>DATA</a:t>
-            </a:r>
+              <a:t>Using </a:t>
+            </a:r>
+            <a:r>
+              <a:rPr lang="en-US" dirty="0" smtClean="0"/>
+              <a:t>the resource </a:t>
+            </a:r>
+            <a:r>
+              <a:rPr lang="en-US" dirty="0" smtClean="0"/>
+              <a:t>information</a:t>
+            </a:r>
+            <a:endParaRPr lang="en-US" dirty="0" smtClean="0"/>
           </a:p>
           <a:p>
             <a:pPr lvl="1"/>
             <a:r>
               <a:rPr lang="en-US" dirty="0" smtClean="0"/>
-              <a:t>Configuration File parser/Writer/Validator (Data Dictionary)</a:t>
+              <a:t>Build dynamic applications / </a:t>
+            </a:r>
+            <a:r>
+              <a:rPr lang="en-US" dirty="0" smtClean="0"/>
+              <a:t>workflows</a:t>
             </a:r>
           </a:p>
           <a:p>
             <a:pPr lvl="1"/>
-            <a:r>
-              <a:rPr lang="en-US" dirty="0"/>
-              <a:t>Update Status </a:t>
-            </a:r>
-            <a:r>
-              <a:rPr lang="en-US" dirty="0" smtClean="0"/>
-              <a:t>to Database(Web DB)</a:t>
-            </a:r>
-          </a:p>
-          <a:p>
-            <a:pPr lvl="1"/>
-            <a:r>
-              <a:rPr lang="en-US" dirty="0" smtClean="0"/>
-              <a:t>Manager</a:t>
-            </a:r>
-            <a:endParaRPr lang="en-US" dirty="0"/>
-          </a:p>
-          <a:p>
-            <a:pPr marL="457200" lvl="1" indent="0">
-              <a:buNone/>
-            </a:pPr>
-            <a:endParaRPr lang="en-US" dirty="0"/>
+            <a:endParaRPr lang="en-US" dirty="0" smtClean="0"/>
           </a:p>
         </p:txBody>
       </p:sp>
     </p:spTree>
     <p:extLst>
       <p:ext uri="{BB962C8B-B14F-4D97-AF65-F5344CB8AC3E}">
-        <p14:creationId xmlns:p14="http://schemas.microsoft.com/office/powerpoint/2010/main" val="3553787091"/>
+        <p14:creationId xmlns:p14="http://schemas.microsoft.com/office/powerpoint/2010/main" val="1401030162"/>
       </p:ext>
     </p:extLst>
   </p:cSld>
@@ -4035,7 +4253,7 @@
       </p:grpSpPr>
       <p:sp>
         <p:nvSpPr>
-          <p:cNvPr id="15362" name="Title 1"/>
+          <p:cNvPr id="2" name="Title 1"/>
           <p:cNvSpPr>
             <a:spLocks noGrp="1"/>
           </p:cNvSpPr>
@@ -4049,191 +4267,97 @@
           <a:lstStyle/>
           <a:p>
             <a:r>
-              <a:rPr lang="en-US" smtClean="0"/>
-              <a:t>Overview</a:t>
+              <a:rPr lang="en-US" dirty="0" smtClean="0"/>
+              <a:t>What is in DARE ?</a:t>
+            </a:r>
+            <a:endParaRPr lang="en-US" dirty="0"/>
+          </a:p>
+        </p:txBody>
+      </p:sp>
+      <p:sp>
+        <p:nvSpPr>
+          <p:cNvPr id="3" name="Content Placeholder 2"/>
+          <p:cNvSpPr>
+            <a:spLocks noGrp="1"/>
+          </p:cNvSpPr>
+          <p:nvPr>
+            <p:ph idx="1"/>
+          </p:nvPr>
+        </p:nvSpPr>
+        <p:spPr/>
+        <p:txBody>
+          <a:bodyPr/>
+          <a:lstStyle/>
+          <a:p>
+            <a:r>
+              <a:rPr lang="en-US" dirty="0" smtClean="0"/>
+              <a:t>Components of DARE</a:t>
+            </a:r>
+          </a:p>
+          <a:p>
+            <a:pPr lvl="1"/>
+            <a:r>
+              <a:rPr lang="en-US" dirty="0" smtClean="0"/>
+              <a:t>Compute Engine</a:t>
             </a:r>
             <a:endParaRPr lang="en-US" dirty="0" smtClean="0"/>
           </a:p>
-        </p:txBody>
-      </p:sp>
-      <p:sp>
-        <p:nvSpPr>
-          <p:cNvPr id="15363" name="Content Placeholder 2"/>
-          <p:cNvSpPr>
-            <a:spLocks noGrp="1"/>
-          </p:cNvSpPr>
-          <p:nvPr>
-            <p:ph idx="1"/>
-          </p:nvPr>
-        </p:nvSpPr>
-        <p:spPr>
-          <a:xfrm>
-            <a:off x="923047" y="1529880"/>
-            <a:ext cx="7966954" cy="4608884"/>
-          </a:xfrm>
-        </p:spPr>
-        <p:txBody>
-          <a:bodyPr>
-            <a:noAutofit/>
-          </a:bodyPr>
-          <a:lstStyle/>
-          <a:p>
-            <a:r>
-              <a:rPr lang="en-US" sz="1700" dirty="0" smtClean="0"/>
-              <a:t>DARE-based Gateways for Life Science Applications</a:t>
-            </a:r>
-          </a:p>
           <a:p>
             <a:pPr lvl="1"/>
             <a:r>
-              <a:rPr lang="en-US" sz="1700" dirty="0" smtClean="0"/>
-              <a:t>Importance of Life Science </a:t>
-            </a:r>
-            <a:r>
-              <a:rPr lang="en-US" sz="1700" dirty="0" smtClean="0">
-                <a:sym typeface="Wingdings"/>
-              </a:rPr>
-              <a:t>&lt; == &gt; Role of Gateways</a:t>
-            </a:r>
-            <a:r>
-              <a:rPr lang="en-US" sz="1700" dirty="0" smtClean="0"/>
-              <a:t>  </a:t>
-            </a:r>
+              <a:rPr lang="en-US" dirty="0" smtClean="0"/>
+              <a:t>Data </a:t>
+            </a:r>
+            <a:r>
+              <a:rPr lang="en-US" smtClean="0"/>
+              <a:t>Movement Engine</a:t>
+            </a:r>
+            <a:endParaRPr lang="en-US" dirty="0" smtClean="0"/>
           </a:p>
           <a:p>
             <a:pPr lvl="1"/>
             <a:r>
-              <a:rPr lang="en-US" sz="1700" dirty="0" smtClean="0"/>
-              <a:t>Different computational characteristics</a:t>
-            </a:r>
-          </a:p>
-          <a:p>
-            <a:r>
-              <a:rPr lang="en-US" sz="1900" dirty="0" smtClean="0"/>
-              <a:t>DARE for HT-HPC and NGS</a:t>
+              <a:rPr lang="en-US" dirty="0" smtClean="0"/>
+              <a:t>Configuration File parser/Writer/Validator (Data Dictionary)</a:t>
             </a:r>
           </a:p>
           <a:p>
             <a:pPr lvl="1"/>
             <a:r>
-              <a:rPr lang="en-US" sz="1700" dirty="0" smtClean="0"/>
-              <a:t>Architecture, Performance and Scalability</a:t>
-            </a:r>
-          </a:p>
-          <a:p>
-            <a:r>
-              <a:rPr lang="en-US" sz="1700" dirty="0" smtClean="0"/>
-              <a:t>DARE based Gateway for NGS Analytics</a:t>
+              <a:rPr lang="en-US" dirty="0"/>
+              <a:t>Update Status </a:t>
+            </a:r>
+            <a:r>
+              <a:rPr lang="en-US" dirty="0" smtClean="0"/>
+              <a:t>to Database(Web DB)</a:t>
             </a:r>
           </a:p>
           <a:p>
             <a:pPr lvl="1"/>
             <a:r>
-              <a:rPr lang="en-US" sz="1700" dirty="0" smtClean="0"/>
-              <a:t>Perform alignment for “real” NGS problems on production DCI</a:t>
-            </a:r>
-          </a:p>
-          <a:p>
-            <a:pPr lvl="1"/>
-            <a:r>
-              <a:rPr lang="en-US" sz="1700" dirty="0" smtClean="0"/>
-              <a:t>Empirical understanding of using prod DCI for DI applications</a:t>
-            </a:r>
-          </a:p>
-          <a:p>
-            <a:r>
-              <a:rPr lang="en-US" sz="1700" dirty="0" smtClean="0"/>
-              <a:t>BFAST computational characterization</a:t>
-            </a:r>
-          </a:p>
-          <a:p>
-            <a:pPr lvl="1"/>
-            <a:r>
-              <a:rPr lang="en-US" sz="1700" dirty="0" smtClean="0"/>
-              <a:t>Tradeoffs: Com. </a:t>
-            </a:r>
-            <a:r>
-              <a:rPr lang="en-US" sz="1700" dirty="0" err="1" smtClean="0"/>
-              <a:t>vs</a:t>
-            </a:r>
-            <a:r>
-              <a:rPr lang="en-US" sz="1700" dirty="0" smtClean="0"/>
-              <a:t> </a:t>
-            </a:r>
-            <a:r>
-              <a:rPr lang="en-US" sz="1700" dirty="0" err="1" smtClean="0"/>
-              <a:t>Mem</a:t>
-            </a:r>
-            <a:r>
-              <a:rPr lang="en-US" sz="1700" dirty="0" smtClean="0"/>
-              <a:t>. </a:t>
-            </a:r>
-            <a:r>
-              <a:rPr lang="en-US" sz="1700" dirty="0" err="1" smtClean="0"/>
-              <a:t>vs</a:t>
-            </a:r>
-            <a:r>
-              <a:rPr lang="en-US" sz="1700" dirty="0" smtClean="0"/>
-              <a:t> I/O </a:t>
-            </a:r>
-            <a:r>
-              <a:rPr lang="en-US" sz="1700" dirty="0" err="1" smtClean="0"/>
-              <a:t>vs</a:t>
-            </a:r>
-            <a:r>
-              <a:rPr lang="en-US" sz="1700" dirty="0" smtClean="0"/>
-              <a:t> </a:t>
-            </a:r>
-            <a:r>
-              <a:rPr lang="en-US" sz="1700" dirty="0" err="1" smtClean="0"/>
-              <a:t>DoD</a:t>
-            </a:r>
-            <a:endParaRPr lang="en-US" sz="1700" dirty="0" smtClean="0"/>
-          </a:p>
-          <a:p>
-            <a:r>
-              <a:rPr lang="en-US" sz="1700" dirty="0" smtClean="0"/>
-              <a:t>Towards Production DCI for NGS Analytics</a:t>
-            </a:r>
-          </a:p>
-          <a:p>
-            <a:pPr lvl="1"/>
-            <a:r>
-              <a:rPr lang="en-US" sz="1700" dirty="0" smtClean="0"/>
-              <a:t>DARE-based Gateway: Lessons and </a:t>
-            </a:r>
-            <a:r>
-              <a:rPr lang="en-US" sz="1700" dirty="0" err="1" smtClean="0"/>
-              <a:t>Experienc</a:t>
-            </a:r>
-            <a:endParaRPr lang="en-US" sz="1700" dirty="0" smtClean="0"/>
-          </a:p>
-          <a:p>
-            <a:pPr lvl="1"/>
-            <a:endParaRPr lang="en-US" sz="1700" dirty="0" smtClean="0"/>
-          </a:p>
-          <a:p>
-            <a:endParaRPr lang="en-US" sz="1700" dirty="0" smtClean="0"/>
+              <a:rPr lang="en-US" dirty="0" smtClean="0"/>
+              <a:t>Manager</a:t>
+            </a:r>
+            <a:endParaRPr lang="en-US" dirty="0"/>
+          </a:p>
+          <a:p>
+            <a:pPr marL="457200" lvl="1" indent="0">
+              <a:buNone/>
+            </a:pPr>
+            <a:endParaRPr lang="en-US" dirty="0"/>
           </a:p>
         </p:txBody>
       </p:sp>
     </p:spTree>
     <p:extLst>
       <p:ext uri="{BB962C8B-B14F-4D97-AF65-F5344CB8AC3E}">
-        <p14:creationId xmlns:p14="http://schemas.microsoft.com/office/powerpoint/2010/main" val="3561498945"/>
+        <p14:creationId xmlns:p14="http://schemas.microsoft.com/office/powerpoint/2010/main" val="3553787091"/>
       </p:ext>
     </p:extLst>
   </p:cSld>
   <p:clrMapOvr>
     <a:masterClrMapping/>
   </p:clrMapOvr>
-  <p:timing>
-    <p:tnLst>
-      <p:par>
-        <p:cTn xmlns:p14="http://schemas.microsoft.com/office/powerpoint/2010/main" id="1" dur="indefinite" restart="never" nodeType="tmRoot"/>
-      </p:par>
-    </p:tnLst>
-  </p:timing>
 </p:sld>
 </file>
 
@@ -4270,14 +4394,46 @@
         </p:blipFill>
         <p:spPr>
           <a:xfrm>
-            <a:off x="1143000" y="355600"/>
-            <a:ext cx="6858000" cy="6146800"/>
+            <a:off x="1143000" y="1053778"/>
+            <a:ext cx="6858000" cy="5448622"/>
           </a:xfrm>
           <a:prstGeom prst="rect">
             <a:avLst/>
           </a:prstGeom>
         </p:spPr>
       </p:pic>
+      <p:sp>
+        <p:nvSpPr>
+          <p:cNvPr id="8" name="Title 1"/>
+          <p:cNvSpPr>
+            <a:spLocks noGrp="1"/>
+          </p:cNvSpPr>
+          <p:nvPr>
+            <p:ph type="title"/>
+          </p:nvPr>
+        </p:nvSpPr>
+        <p:spPr>
+          <a:xfrm>
+            <a:off x="457199" y="274638"/>
+            <a:ext cx="8567271" cy="779140"/>
+          </a:xfrm>
+        </p:spPr>
+        <p:txBody>
+          <a:bodyPr/>
+          <a:lstStyle/>
+          <a:p>
+            <a:r>
+              <a:rPr lang="en-US" dirty="0" smtClean="0"/>
+              <a:t>DARE </a:t>
+            </a:r>
+            <a:r>
+              <a:rPr lang="en-US" dirty="0" smtClean="0"/>
+              <a:t>Architecture</a:t>
+            </a:r>
+            <a:endParaRPr lang="en-US" dirty="0"/>
+          </a:p>
+        </p:txBody>
+      </p:sp>
     </p:spTree>
     <p:extLst>
       <p:ext uri="{BB962C8B-B14F-4D97-AF65-F5344CB8AC3E}">
@@ -4308,25 +4464,6 @@
           <a:chExt cx="0" cy="0"/>
         </a:xfrm>
       </p:grpSpPr>
-      <p:sp>
-        <p:nvSpPr>
-          <p:cNvPr id="2" name="Title 1"/>
-          <p:cNvSpPr>
-            <a:spLocks noGrp="1"/>
-          </p:cNvSpPr>
-          <p:nvPr>
-            <p:ph type="title"/>
-          </p:nvPr>
-        </p:nvSpPr>
-        <p:spPr/>
-        <p:txBody>
-          <a:bodyPr/>
-          <a:lstStyle/>
-          <a:p>
-            <a:endParaRPr lang="en-US" dirty="0"/>
-          </a:p>
-        </p:txBody>
-      </p:sp>
       <p:pic>
         <p:nvPicPr>
           <p:cNvPr id="4" name="Picture 3"/>
@@ -4343,7 +4480,7 @@
         </p:blipFill>
         <p:spPr>
           <a:xfrm>
-            <a:off x="174220" y="1638300"/>
+            <a:off x="299424" y="1235595"/>
             <a:ext cx="8725047" cy="4481718"/>
           </a:xfrm>
           <a:prstGeom prst="rect">
@@ -4351,6 +4488,38 @@
           </a:prstGeom>
         </p:spPr>
       </p:pic>
+      <p:sp>
+        <p:nvSpPr>
+          <p:cNvPr id="3" name="Title 1"/>
+          <p:cNvSpPr>
+            <a:spLocks noGrp="1"/>
+          </p:cNvSpPr>
+          <p:nvPr>
+            <p:ph type="title"/>
+          </p:nvPr>
+        </p:nvSpPr>
+        <p:spPr>
+          <a:xfrm>
+            <a:off x="457199" y="274638"/>
+            <a:ext cx="8567271" cy="779140"/>
+          </a:xfrm>
+        </p:spPr>
+        <p:txBody>
+          <a:bodyPr/>
+          <a:lstStyle/>
+          <a:p>
+            <a:r>
+              <a:rPr lang="en-US" dirty="0" smtClean="0"/>
+              <a:t>DARE </a:t>
+            </a:r>
+            <a:r>
+              <a:rPr lang="en-US" dirty="0" smtClean="0"/>
+              <a:t>UML</a:t>
+            </a:r>
+            <a:endParaRPr lang="en-US" dirty="0"/>
+          </a:p>
+        </p:txBody>
+      </p:sp>
     </p:spTree>
     <p:extLst>
       <p:ext uri="{BB962C8B-B14F-4D97-AF65-F5344CB8AC3E}">
@@ -4383,32 +4552,7 @@
       </p:grpSpPr>
       <p:sp>
         <p:nvSpPr>
-          <p:cNvPr id="2" name="Title 1"/>
-          <p:cNvSpPr>
-            <a:spLocks noGrp="1"/>
-          </p:cNvSpPr>
-          <p:nvPr>
-            <p:ph type="title"/>
-          </p:nvPr>
-        </p:nvSpPr>
-        <p:spPr/>
-        <p:txBody>
-          <a:bodyPr>
-            <a:normAutofit/>
-          </a:bodyPr>
-          <a:lstStyle/>
-          <a:p>
-            <a:r>
-              <a:rPr lang="en-US" sz="2400" dirty="0" smtClean="0"/>
-              <a:t>DARE-based Science Gateways</a:t>
-            </a:r>
-            <a:endParaRPr lang="en-US" sz="2400" dirty="0"/>
-          </a:p>
-        </p:txBody>
-      </p:sp>
-      <p:sp>
-        <p:nvSpPr>
-          <p:cNvPr id="8" name="Content Placeholder 7"/>
+          <p:cNvPr id="3" name="Content Placeholder 2"/>
           <p:cNvSpPr>
             <a:spLocks noGrp="1"/>
           </p:cNvSpPr>
@@ -4418,8 +4562,8 @@
         </p:nvSpPr>
         <p:spPr>
           <a:xfrm>
-            <a:off x="190500" y="1621268"/>
-            <a:ext cx="3729555" cy="4703332"/>
+            <a:off x="300747" y="1450974"/>
+            <a:ext cx="4055353" cy="4835526"/>
           </a:xfrm>
         </p:spPr>
         <p:txBody>
@@ -4430,430 +4574,6 @@
           <a:p>
             <a:r>
               <a:rPr lang="en-US" sz="1700" dirty="0" smtClean="0"/>
-              <a:t>Three levels: </a:t>
-            </a:r>
-          </a:p>
-          <a:p>
-            <a:pPr lvl="1"/>
-            <a:r>
-              <a:rPr lang="en-US" sz="1700" dirty="0" smtClean="0"/>
-              <a:t>Access/Application Layer</a:t>
-            </a:r>
-          </a:p>
-          <a:p>
-            <a:pPr lvl="1"/>
-            <a:r>
-              <a:rPr lang="en-US" sz="1700" dirty="0" smtClean="0"/>
-              <a:t>Services &amp; MW Layer</a:t>
-            </a:r>
-          </a:p>
-          <a:p>
-            <a:pPr lvl="1"/>
-            <a:r>
-              <a:rPr lang="en-US" sz="1700" dirty="0" smtClean="0"/>
-              <a:t>Resource Layer</a:t>
-            </a:r>
-          </a:p>
-          <a:p>
-            <a:r>
-              <a:rPr lang="en-US" sz="1700" dirty="0" smtClean="0"/>
-              <a:t>Abstractions for Dynamic and Adaptive Execution</a:t>
-            </a:r>
-          </a:p>
-          <a:p>
-            <a:pPr lvl="1"/>
-            <a:r>
-              <a:rPr lang="en-US" sz="1700" dirty="0" smtClean="0"/>
-              <a:t>Integrated compute and data</a:t>
-            </a:r>
-          </a:p>
-          <a:p>
-            <a:r>
-              <a:rPr lang="en-US" sz="1700" dirty="0" smtClean="0"/>
-              <a:t>Interoperable across DCI</a:t>
-            </a:r>
-          </a:p>
-          <a:p>
-            <a:r>
-              <a:rPr lang="en-US" sz="1700" dirty="0" smtClean="0"/>
-              <a:t>Extensible:  frameworks, abstractions and features</a:t>
-            </a:r>
-          </a:p>
-        </p:txBody>
-      </p:sp>
-      <p:pic>
-        <p:nvPicPr>
-          <p:cNvPr id="5" name="Picture 4" descr="DAREOutline.png"/>
-          <p:cNvPicPr>
-            <a:picLocks noChangeAspect="1"/>
-          </p:cNvPicPr>
-          <p:nvPr/>
-        </p:nvPicPr>
-        <p:blipFill>
-          <a:blip r:embed="rId3"/>
-          <a:stretch>
-            <a:fillRect/>
-          </a:stretch>
-        </p:blipFill>
-        <p:spPr>
-          <a:xfrm>
-            <a:off x="3462855" y="1595869"/>
-            <a:ext cx="5223945" cy="4411232"/>
-          </a:xfrm>
-          <a:prstGeom prst="rect">
-            <a:avLst/>
-          </a:prstGeom>
-        </p:spPr>
-      </p:pic>
-    </p:spTree>
-    <p:extLst>
-      <p:ext uri="{BB962C8B-B14F-4D97-AF65-F5344CB8AC3E}">
-        <p14:creationId xmlns:p14="http://schemas.microsoft.com/office/powerpoint/2010/main" val="3927389938"/>
-      </p:ext>
-    </p:extLst>
-  </p:cSld>
-  <p:clrMapOvr>
-    <a:masterClrMapping/>
-  </p:clrMapOvr>
-  <p:timing>
-    <p:tnLst>
-      <p:par>
-        <p:cTn xmlns:p14="http://schemas.microsoft.com/office/powerpoint/2010/main" id="1" dur="indefinite" restart="never" nodeType="tmRoot"/>
-      </p:par>
-    </p:tnLst>
-  </p:timing>
-</p:sld>
-</file>
-
-<file path=ppt/slides/slide8.xml><?xml version="1.0" encoding="utf-8"?>
-<p:sld xmlns:a="http://schemas.openxmlformats.org/drawingml/2006/main" xmlns:r="http://schemas.openxmlformats.org/officeDocument/2006/relationships" xmlns:p="http://schemas.openxmlformats.org/presentationml/2006/main">
-  <p:cSld>
-    <p:spTree>
-      <p:nvGrpSpPr>
-        <p:cNvPr id="1" name=""/>
-        <p:cNvGrpSpPr/>
-        <p:nvPr/>
-      </p:nvGrpSpPr>
-      <p:grpSpPr>
-        <a:xfrm>
-          <a:off x="0" y="0"/>
-          <a:ext cx="0" cy="0"/>
-          <a:chOff x="0" y="0"/>
-          <a:chExt cx="0" cy="0"/>
-        </a:xfrm>
-      </p:grpSpPr>
-      <p:pic>
-        <p:nvPicPr>
-          <p:cNvPr id="10" name="Picture 9" descr="DAREOutline.png"/>
-          <p:cNvPicPr>
-            <a:picLocks noChangeAspect="1"/>
-          </p:cNvPicPr>
-          <p:nvPr/>
-        </p:nvPicPr>
-        <p:blipFill>
-          <a:blip r:embed="rId2"/>
-          <a:stretch>
-            <a:fillRect/>
-          </a:stretch>
-        </p:blipFill>
-        <p:spPr>
-          <a:xfrm>
-            <a:off x="5504622" y="1928392"/>
-            <a:ext cx="3464667" cy="2925653"/>
-          </a:xfrm>
-          <a:prstGeom prst="rect">
-            <a:avLst/>
-          </a:prstGeom>
-        </p:spPr>
-      </p:pic>
-      <p:sp>
-        <p:nvSpPr>
-          <p:cNvPr id="2" name="Title 1"/>
-          <p:cNvSpPr>
-            <a:spLocks noGrp="1"/>
-          </p:cNvSpPr>
-          <p:nvPr>
-            <p:ph type="title"/>
-          </p:nvPr>
-        </p:nvSpPr>
-        <p:spPr/>
-        <p:txBody>
-          <a:bodyPr>
-            <a:normAutofit/>
-          </a:bodyPr>
-          <a:lstStyle/>
-          <a:p>
-            <a:r>
-              <a:rPr lang="en-US" sz="2400" dirty="0" smtClean="0"/>
-              <a:t>NGS Analytics as a Service: </a:t>
-            </a:r>
-            <a:br>
-              <a:rPr lang="en-US" sz="2400" dirty="0" smtClean="0"/>
-            </a:br>
-            <a:r>
-              <a:rPr lang="en-US" sz="2400" dirty="0" smtClean="0"/>
-              <a:t>DARE-based Gateway on XD</a:t>
-            </a:r>
-            <a:endParaRPr lang="en-US" sz="2400" dirty="0"/>
-          </a:p>
-        </p:txBody>
-      </p:sp>
-      <p:sp>
-        <p:nvSpPr>
-          <p:cNvPr id="12" name="Content Placeholder 11"/>
-          <p:cNvSpPr>
-            <a:spLocks noGrp="1"/>
-          </p:cNvSpPr>
-          <p:nvPr>
-            <p:ph idx="1"/>
-          </p:nvPr>
-        </p:nvSpPr>
-        <p:spPr>
-          <a:xfrm>
-            <a:off x="300748" y="1263180"/>
-            <a:ext cx="5203874" cy="5277320"/>
-          </a:xfrm>
-        </p:spPr>
-        <p:txBody>
-          <a:bodyPr>
-            <a:normAutofit fontScale="85000" lnSpcReduction="20000"/>
-          </a:bodyPr>
-          <a:lstStyle/>
-          <a:p>
-            <a:r>
-              <a:rPr lang="en-US" dirty="0" smtClean="0"/>
-              <a:t>Some NGS specific challenges</a:t>
-            </a:r>
-          </a:p>
-          <a:p>
-            <a:pPr lvl="1"/>
-            <a:r>
-              <a:rPr lang="en-US" dirty="0" smtClean="0"/>
-              <a:t>Efficient Algorithm/tool/code selection</a:t>
-            </a:r>
-          </a:p>
-          <a:p>
-            <a:pPr lvl="2"/>
-            <a:r>
-              <a:rPr lang="en-US" dirty="0" smtClean="0"/>
-              <a:t>Hosting pre-installed  VM</a:t>
-            </a:r>
-          </a:p>
-          <a:p>
-            <a:pPr lvl="1"/>
-            <a:r>
-              <a:rPr lang="en-US" dirty="0" smtClean="0"/>
-              <a:t>Efficient task scheduling and placement</a:t>
-            </a:r>
-          </a:p>
-          <a:p>
-            <a:pPr lvl="1"/>
-            <a:r>
-              <a:rPr lang="en-US" dirty="0" smtClean="0"/>
-              <a:t>Efficient Distributed data management</a:t>
-            </a:r>
-          </a:p>
-          <a:p>
-            <a:pPr lvl="1"/>
-            <a:r>
-              <a:rPr lang="en-US" dirty="0" smtClean="0"/>
-              <a:t>Efficient Data transfer/scheduling</a:t>
-            </a:r>
-          </a:p>
-          <a:p>
-            <a:pPr lvl="2"/>
-            <a:r>
-              <a:rPr lang="en-US" dirty="0" smtClean="0"/>
-              <a:t>Transfer of Ref. genome index files:</a:t>
-            </a:r>
-          </a:p>
-          <a:p>
-            <a:pPr lvl="3"/>
-            <a:r>
-              <a:rPr lang="en-US" dirty="0" smtClean="0"/>
-              <a:t> </a:t>
-            </a:r>
-            <a:r>
-              <a:rPr lang="en-US" dirty="0" err="1" smtClean="0"/>
-              <a:t>O(hours</a:t>
-            </a:r>
-            <a:r>
-              <a:rPr lang="en-US" dirty="0" smtClean="0"/>
-              <a:t>) 130 GB, </a:t>
-            </a:r>
-          </a:p>
-          <a:p>
-            <a:pPr lvl="2"/>
-            <a:r>
-              <a:rPr lang="en-US" dirty="0" smtClean="0"/>
-              <a:t>Transfer of Short read files: </a:t>
-            </a:r>
-          </a:p>
-          <a:p>
-            <a:pPr lvl="3"/>
-            <a:r>
-              <a:rPr lang="en-US" dirty="0" smtClean="0"/>
-              <a:t> </a:t>
-            </a:r>
-            <a:r>
-              <a:rPr lang="en-US" dirty="0" err="1" smtClean="0"/>
-              <a:t>O(mins</a:t>
-            </a:r>
-            <a:r>
-              <a:rPr lang="en-US" dirty="0" smtClean="0"/>
-              <a:t>) [L to QB] 9 GB</a:t>
-            </a:r>
-          </a:p>
-          <a:p>
-            <a:pPr lvl="1"/>
-            <a:r>
-              <a:rPr lang="en-US" dirty="0" smtClean="0"/>
-              <a:t>Determine optimal point -- tradeoff </a:t>
-            </a:r>
-          </a:p>
-          <a:p>
-            <a:pPr>
-              <a:buNone/>
-            </a:pPr>
-            <a:endParaRPr lang="en-US" dirty="0"/>
-          </a:p>
-        </p:txBody>
-      </p:sp>
-      <p:sp>
-        <p:nvSpPr>
-          <p:cNvPr id="13" name="Rectangle 12"/>
-          <p:cNvSpPr/>
-          <p:nvPr/>
-        </p:nvSpPr>
-        <p:spPr>
-          <a:xfrm>
-            <a:off x="5092699" y="1358900"/>
-            <a:ext cx="4318001" cy="338554"/>
-          </a:xfrm>
-          <a:prstGeom prst="rect">
-            <a:avLst/>
-          </a:prstGeom>
-        </p:spPr>
-        <p:txBody>
-          <a:bodyPr wrap="square">
-            <a:spAutoFit/>
-          </a:bodyPr>
-          <a:lstStyle/>
-          <a:p>
-            <a:r>
-              <a:rPr lang="en-US" sz="1600" dirty="0" smtClean="0">
-                <a:solidFill>
-                  <a:srgbClr val="800000"/>
-                </a:solidFill>
-              </a:rPr>
-              <a:t>http://</a:t>
-            </a:r>
-            <a:r>
-              <a:rPr lang="en-US" sz="1600" dirty="0" err="1" smtClean="0">
-                <a:solidFill>
-                  <a:srgbClr val="800000"/>
-                </a:solidFill>
-              </a:rPr>
-              <a:t>dare.cct.lsu.edu/gateways/ngs</a:t>
-            </a:r>
-            <a:endParaRPr lang="en-US" sz="1600" dirty="0">
-              <a:solidFill>
-                <a:srgbClr val="800000"/>
-              </a:solidFill>
-            </a:endParaRPr>
-          </a:p>
-        </p:txBody>
-      </p:sp>
-    </p:spTree>
-    <p:extLst>
-      <p:ext uri="{BB962C8B-B14F-4D97-AF65-F5344CB8AC3E}">
-        <p14:creationId xmlns:p14="http://schemas.microsoft.com/office/powerpoint/2010/main" val="3812328938"/>
-      </p:ext>
-    </p:extLst>
-  </p:cSld>
-  <p:clrMapOvr>
-    <a:masterClrMapping/>
-  </p:clrMapOvr>
-  <p:timing>
-    <p:tnLst>
-      <p:par>
-        <p:cTn xmlns:p14="http://schemas.microsoft.com/office/powerpoint/2010/main" id="1" dur="indefinite" restart="never" nodeType="tmRoot"/>
-      </p:par>
-    </p:tnLst>
-  </p:timing>
-</p:sld>
-</file>
-
-<file path=ppt/slides/slide9.xml><?xml version="1.0" encoding="utf-8"?>
-<p:sld xmlns:a="http://schemas.openxmlformats.org/drawingml/2006/main" xmlns:r="http://schemas.openxmlformats.org/officeDocument/2006/relationships" xmlns:p="http://schemas.openxmlformats.org/presentationml/2006/main">
-  <p:cSld>
-    <p:spTree>
-      <p:nvGrpSpPr>
-        <p:cNvPr id="1" name=""/>
-        <p:cNvGrpSpPr/>
-        <p:nvPr/>
-      </p:nvGrpSpPr>
-      <p:grpSpPr>
-        <a:xfrm>
-          <a:off x="0" y="0"/>
-          <a:ext cx="0" cy="0"/>
-          <a:chOff x="0" y="0"/>
-          <a:chExt cx="0" cy="0"/>
-        </a:xfrm>
-      </p:grpSpPr>
-      <p:sp>
-        <p:nvSpPr>
-          <p:cNvPr id="2" name="Title 1"/>
-          <p:cNvSpPr>
-            <a:spLocks noGrp="1"/>
-          </p:cNvSpPr>
-          <p:nvPr>
-            <p:ph type="title"/>
-          </p:nvPr>
-        </p:nvSpPr>
-        <p:spPr/>
-        <p:txBody>
-          <a:bodyPr>
-            <a:normAutofit/>
-          </a:bodyPr>
-          <a:lstStyle/>
-          <a:p>
-            <a:r>
-              <a:rPr lang="en-US" sz="2400" dirty="0" smtClean="0">
-                <a:solidFill>
-                  <a:prstClr val="white"/>
-                </a:solidFill>
-              </a:rPr>
-              <a:t>BFAST: A prototype for NGS Analytics</a:t>
-            </a:r>
-            <a:endParaRPr lang="en-US" dirty="0"/>
-          </a:p>
-        </p:txBody>
-      </p:sp>
-      <p:sp>
-        <p:nvSpPr>
-          <p:cNvPr id="3" name="Content Placeholder 2"/>
-          <p:cNvSpPr>
-            <a:spLocks noGrp="1"/>
-          </p:cNvSpPr>
-          <p:nvPr>
-            <p:ph idx="1"/>
-          </p:nvPr>
-        </p:nvSpPr>
-        <p:spPr>
-          <a:xfrm>
-            <a:off x="300747" y="1450974"/>
-            <a:ext cx="8182853" cy="4479925"/>
-          </a:xfrm>
-        </p:spPr>
-        <p:txBody>
-          <a:bodyPr>
-            <a:noAutofit/>
-          </a:bodyPr>
-          <a:lstStyle/>
-          <a:p>
-            <a:r>
-              <a:rPr lang="en-US" sz="1700" dirty="0" smtClean="0"/>
               <a:t>Most software is associated with specific sequencing instruments</a:t>
             </a:r>
           </a:p>
@@ -4874,33 +4594,42 @@
             <a:pPr lvl="1"/>
             <a:r>
               <a:rPr lang="en-US" sz="1700" dirty="0" smtClean="0"/>
-              <a:t>Short read  data</a:t>
-            </a:r>
+              <a:t>Short read  </a:t>
+            </a:r>
+            <a:r>
+              <a:rPr lang="en-US" sz="1700" dirty="0" smtClean="0"/>
+              <a:t>data(Dynamic)</a:t>
+            </a:r>
+            <a:endParaRPr lang="en-US" sz="1700" dirty="0" smtClean="0"/>
           </a:p>
           <a:p>
             <a:pPr lvl="1"/>
             <a:r>
               <a:rPr lang="en-US" sz="1700" dirty="0" smtClean="0"/>
-              <a:t>Reference Index data</a:t>
-            </a:r>
-          </a:p>
-          <a:p>
+              <a:t>Reference Index </a:t>
+            </a:r>
             <a:r>
               <a:rPr lang="en-US" sz="1700" dirty="0" smtClean="0"/>
-              <a:t>Classify most alignment software into categories 	based upon based upon indexing property</a:t>
-            </a:r>
-          </a:p>
-          <a:p>
-            <a:pPr lvl="1"/>
+              <a:t>data(Static)</a:t>
+            </a:r>
+            <a:endParaRPr lang="en-US" sz="1700" dirty="0" smtClean="0"/>
+          </a:p>
+          <a:p>
             <a:r>
               <a:rPr lang="en-US" sz="1700" dirty="0" smtClean="0"/>
-              <a:t>Hash-based and Tree-based</a:t>
-            </a:r>
-          </a:p>
-          <a:p>
+              <a:t>Relative </a:t>
+            </a:r>
             <a:r>
               <a:rPr lang="en-US" sz="1700" dirty="0" smtClean="0"/>
-              <a:t>Relative to other alignments programs, 					BFAST has:		</a:t>
+              <a:t>to other alignments programs, </a:t>
+            </a:r>
+            <a:r>
+              <a:rPr lang="en-US" sz="1700" dirty="0" smtClean="0"/>
+              <a:t>BFAST </a:t>
+            </a:r>
+            <a:r>
+              <a:rPr lang="en-US" sz="1700" dirty="0" smtClean="0"/>
+              <a:t>has:		</a:t>
             </a:r>
           </a:p>
           <a:p>
@@ -4914,38 +4643,19 @@
             <a:pPr lvl="1"/>
             <a:r>
               <a:rPr lang="en-US" sz="1700" dirty="0" smtClean="0"/>
-              <a:t>large memory and disk requirements</a:t>
-            </a:r>
-          </a:p>
-          <a:p>
+              <a:t>large memory and disk </a:t>
+            </a:r>
+            <a:r>
+              <a:rPr lang="en-US" sz="1700" dirty="0" smtClean="0"/>
+              <a:t>requirements</a:t>
+            </a:r>
             <a:endParaRPr lang="en-US" sz="1700" dirty="0" smtClean="0"/>
           </a:p>
-        </p:txBody>
-      </p:sp>
-      <p:pic>
-        <p:nvPicPr>
-          <p:cNvPr id="13" name="Picture 12" descr="ngs-sw-comp.png"/>
-          <p:cNvPicPr>
-            <a:picLocks noChangeAspect="1"/>
-          </p:cNvPicPr>
-          <p:nvPr/>
-        </p:nvPicPr>
-        <p:blipFill>
-          <a:blip r:embed="rId2"/>
-          <a:stretch>
-            <a:fillRect/>
-          </a:stretch>
-        </p:blipFill>
-        <p:spPr>
-          <a:xfrm>
-            <a:off x="4927600" y="4645585"/>
-            <a:ext cx="4114800" cy="2047315"/>
-          </a:xfrm>
-          <a:prstGeom prst="rect">
-            <a:avLst/>
-          </a:prstGeom>
-        </p:spPr>
-      </p:pic>
+          <a:p>
+            <a:endParaRPr lang="en-US" sz="1700" dirty="0" smtClean="0"/>
+          </a:p>
+        </p:txBody>
+      </p:sp>
       <p:pic>
         <p:nvPicPr>
           <p:cNvPr id="6" name="Picture 5" descr="workflow.png"/>
@@ -4955,7 +4665,7 @@
           <p:nvPr/>
         </p:nvPicPr>
         <p:blipFill>
-          <a:blip r:embed="rId3">
+          <a:blip r:embed="rId2">
             <a:extLst>
               <a:ext uri="{28A0092B-C50C-407E-A947-70E740481C1C}">
                 <a14:useLocalDpi xmlns:a14="http://schemas.microsoft.com/office/drawing/2010/main"/>
@@ -4968,8 +4678,8 @@
         </p:blipFill>
         <p:spPr>
           <a:xfrm>
-            <a:off x="5992679" y="1866900"/>
-            <a:ext cx="2846521" cy="2476500"/>
+            <a:off x="4633359" y="1574800"/>
+            <a:ext cx="4510641" cy="3924300"/>
           </a:xfrm>
           <a:prstGeom prst="rect">
             <a:avLst/>
@@ -4993,10 +4703,33 @@
           </a:fontRef>
         </p:style>
       </p:pic>
+      <p:sp>
+        <p:nvSpPr>
+          <p:cNvPr id="4" name="Title 3"/>
+          <p:cNvSpPr>
+            <a:spLocks noGrp="1"/>
+          </p:cNvSpPr>
+          <p:nvPr>
+            <p:ph type="title"/>
+          </p:nvPr>
+        </p:nvSpPr>
+        <p:spPr/>
+        <p:txBody>
+          <a:bodyPr/>
+          <a:lstStyle/>
+          <a:p>
+            <a:r>
+              <a:rPr lang="en-US" dirty="0" smtClean="0"/>
+              <a:t>BFAST Using DARE</a:t>
+            </a:r>
+            <a:endParaRPr lang="en-US" dirty="0"/>
+          </a:p>
+        </p:txBody>
+      </p:sp>
     </p:spTree>
     <p:extLst>
       <p:ext uri="{BB962C8B-B14F-4D97-AF65-F5344CB8AC3E}">
-        <p14:creationId xmlns:p14="http://schemas.microsoft.com/office/powerpoint/2010/main" val="240523842"/>
+        <p14:creationId xmlns:p14="http://schemas.microsoft.com/office/powerpoint/2010/main" val="2331190039"/>
       </p:ext>
     </p:extLst>
   </p:cSld>
@@ -5124,6 +4857,372 @@
             </p:seq>
           </p:childTnLst>
         </p:cTn>
+      </p:par>
+    </p:tnLst>
+  </p:timing>
+</p:sld>
+</file>
+
+<file path=ppt/slides/slide8.xml><?xml version="1.0" encoding="utf-8"?>
+<p:sld xmlns:a="http://schemas.openxmlformats.org/drawingml/2006/main" xmlns:r="http://schemas.openxmlformats.org/officeDocument/2006/relationships" xmlns:p="http://schemas.openxmlformats.org/presentationml/2006/main">
+  <p:cSld>
+    <p:spTree>
+      <p:nvGrpSpPr>
+        <p:cNvPr id="1" name=""/>
+        <p:cNvGrpSpPr/>
+        <p:nvPr/>
+      </p:nvGrpSpPr>
+      <p:grpSpPr>
+        <a:xfrm>
+          <a:off x="0" y="0"/>
+          <a:ext cx="0" cy="0"/>
+          <a:chOff x="0" y="0"/>
+          <a:chExt cx="0" cy="0"/>
+        </a:xfrm>
+      </p:grpSpPr>
+      <p:sp>
+        <p:nvSpPr>
+          <p:cNvPr id="2" name="Title 1"/>
+          <p:cNvSpPr>
+            <a:spLocks noGrp="1"/>
+          </p:cNvSpPr>
+          <p:nvPr>
+            <p:ph type="title"/>
+          </p:nvPr>
+        </p:nvSpPr>
+        <p:spPr/>
+        <p:txBody>
+          <a:bodyPr>
+            <a:normAutofit/>
+          </a:bodyPr>
+          <a:lstStyle/>
+          <a:p>
+            <a:r>
+              <a:rPr lang="en-US" sz="2400" dirty="0" smtClean="0"/>
+              <a:t>DARE-based Science Gateways</a:t>
+            </a:r>
+            <a:endParaRPr lang="en-US" sz="2400" dirty="0"/>
+          </a:p>
+        </p:txBody>
+      </p:sp>
+      <p:sp>
+        <p:nvSpPr>
+          <p:cNvPr id="8" name="Content Placeholder 7"/>
+          <p:cNvSpPr>
+            <a:spLocks noGrp="1"/>
+          </p:cNvSpPr>
+          <p:nvPr>
+            <p:ph idx="1"/>
+          </p:nvPr>
+        </p:nvSpPr>
+        <p:spPr>
+          <a:xfrm>
+            <a:off x="152401" y="1621268"/>
+            <a:ext cx="3289299" cy="4703332"/>
+          </a:xfrm>
+        </p:spPr>
+        <p:txBody>
+          <a:bodyPr>
+            <a:noAutofit/>
+          </a:bodyPr>
+          <a:lstStyle/>
+          <a:p>
+            <a:r>
+              <a:rPr lang="en-US" sz="1700" dirty="0" smtClean="0"/>
+              <a:t>Three levels: </a:t>
+            </a:r>
+          </a:p>
+          <a:p>
+            <a:pPr lvl="1"/>
+            <a:r>
+              <a:rPr lang="en-US" sz="1700" dirty="0" smtClean="0"/>
+              <a:t>Access/Application </a:t>
+            </a:r>
+            <a:r>
+              <a:rPr lang="en-US" sz="1700" dirty="0" smtClean="0"/>
+              <a:t>Layer(L1,L2)</a:t>
+            </a:r>
+            <a:endParaRPr lang="en-US" sz="1700" dirty="0" smtClean="0"/>
+          </a:p>
+          <a:p>
+            <a:pPr lvl="1"/>
+            <a:r>
+              <a:rPr lang="en-US" sz="1700" dirty="0" smtClean="0"/>
+              <a:t>Services &amp; MW </a:t>
+            </a:r>
+            <a:r>
+              <a:rPr lang="en-US" sz="1700" dirty="0" smtClean="0"/>
+              <a:t>Layer(L3)</a:t>
+            </a:r>
+            <a:endParaRPr lang="en-US" sz="1700" dirty="0" smtClean="0"/>
+          </a:p>
+          <a:p>
+            <a:pPr lvl="1"/>
+            <a:r>
+              <a:rPr lang="en-US" sz="1700" dirty="0" smtClean="0"/>
+              <a:t>Resource </a:t>
+            </a:r>
+            <a:r>
+              <a:rPr lang="en-US" sz="1700" dirty="0" smtClean="0"/>
+              <a:t>Layer(L4)</a:t>
+            </a:r>
+            <a:endParaRPr lang="en-US" sz="1700" dirty="0" smtClean="0"/>
+          </a:p>
+          <a:p>
+            <a:r>
+              <a:rPr lang="en-US" sz="1700" dirty="0" smtClean="0"/>
+              <a:t>Abstractions for Dynamic and Adaptive Execution</a:t>
+            </a:r>
+          </a:p>
+          <a:p>
+            <a:pPr lvl="1"/>
+            <a:r>
+              <a:rPr lang="en-US" sz="1700" dirty="0" smtClean="0"/>
+              <a:t>Integrated compute and data</a:t>
+            </a:r>
+          </a:p>
+          <a:p>
+            <a:r>
+              <a:rPr lang="en-US" sz="1700" dirty="0" smtClean="0"/>
+              <a:t>Interoperable across DCI</a:t>
+            </a:r>
+          </a:p>
+          <a:p>
+            <a:r>
+              <a:rPr lang="en-US" sz="1700" dirty="0" smtClean="0"/>
+              <a:t>Extensible:  frameworks, abstractions and features</a:t>
+            </a:r>
+          </a:p>
+        </p:txBody>
+      </p:sp>
+      <p:pic>
+        <p:nvPicPr>
+          <p:cNvPr id="4" name="Picture 3"/>
+          <p:cNvPicPr>
+            <a:picLocks noChangeAspect="1"/>
+          </p:cNvPicPr>
+          <p:nvPr/>
+        </p:nvPicPr>
+        <p:blipFill>
+          <a:blip r:embed="rId3"/>
+          <a:stretch>
+            <a:fillRect/>
+          </a:stretch>
+        </p:blipFill>
+        <p:spPr>
+          <a:xfrm>
+            <a:off x="3441700" y="1211729"/>
+            <a:ext cx="5587999" cy="5443071"/>
+          </a:xfrm>
+          <a:prstGeom prst="rect">
+            <a:avLst/>
+          </a:prstGeom>
+        </p:spPr>
+      </p:pic>
+    </p:spTree>
+    <p:extLst>
+      <p:ext uri="{BB962C8B-B14F-4D97-AF65-F5344CB8AC3E}">
+        <p14:creationId xmlns:p14="http://schemas.microsoft.com/office/powerpoint/2010/main" val="3927389938"/>
+      </p:ext>
+    </p:extLst>
+  </p:cSld>
+  <p:clrMapOvr>
+    <a:masterClrMapping/>
+  </p:clrMapOvr>
+  <p:timing>
+    <p:tnLst>
+      <p:par>
+        <p:cTn xmlns:p14="http://schemas.microsoft.com/office/powerpoint/2010/main" id="1" dur="indefinite" restart="never" nodeType="tmRoot"/>
+      </p:par>
+    </p:tnLst>
+  </p:timing>
+</p:sld>
+</file>
+
+<file path=ppt/slides/slide9.xml><?xml version="1.0" encoding="utf-8"?>
+<p:sld xmlns:a="http://schemas.openxmlformats.org/drawingml/2006/main" xmlns:r="http://schemas.openxmlformats.org/officeDocument/2006/relationships" xmlns:p="http://schemas.openxmlformats.org/presentationml/2006/main">
+  <p:cSld>
+    <p:spTree>
+      <p:nvGrpSpPr>
+        <p:cNvPr id="1" name=""/>
+        <p:cNvGrpSpPr/>
+        <p:nvPr/>
+      </p:nvGrpSpPr>
+      <p:grpSpPr>
+        <a:xfrm>
+          <a:off x="0" y="0"/>
+          <a:ext cx="0" cy="0"/>
+          <a:chOff x="0" y="0"/>
+          <a:chExt cx="0" cy="0"/>
+        </a:xfrm>
+      </p:grpSpPr>
+      <p:sp>
+        <p:nvSpPr>
+          <p:cNvPr id="2" name="Title 1"/>
+          <p:cNvSpPr>
+            <a:spLocks noGrp="1"/>
+          </p:cNvSpPr>
+          <p:nvPr>
+            <p:ph type="title"/>
+          </p:nvPr>
+        </p:nvSpPr>
+        <p:spPr/>
+        <p:txBody>
+          <a:bodyPr>
+            <a:normAutofit/>
+          </a:bodyPr>
+          <a:lstStyle/>
+          <a:p>
+            <a:r>
+              <a:rPr lang="en-US" sz="2400" dirty="0" smtClean="0"/>
+              <a:t>NGS Analytics as a Service: </a:t>
+            </a:r>
+            <a:br>
+              <a:rPr lang="en-US" sz="2400" dirty="0" smtClean="0"/>
+            </a:br>
+            <a:r>
+              <a:rPr lang="en-US" sz="2400" dirty="0" smtClean="0"/>
+              <a:t>DARE-based Gateway on XD</a:t>
+            </a:r>
+            <a:endParaRPr lang="en-US" sz="2400" dirty="0"/>
+          </a:p>
+        </p:txBody>
+      </p:sp>
+      <p:sp>
+        <p:nvSpPr>
+          <p:cNvPr id="12" name="Content Placeholder 11"/>
+          <p:cNvSpPr>
+            <a:spLocks noGrp="1"/>
+          </p:cNvSpPr>
+          <p:nvPr>
+            <p:ph idx="1"/>
+          </p:nvPr>
+        </p:nvSpPr>
+        <p:spPr>
+          <a:xfrm>
+            <a:off x="300748" y="1263180"/>
+            <a:ext cx="8081252" cy="5277320"/>
+          </a:xfrm>
+        </p:spPr>
+        <p:txBody>
+          <a:bodyPr>
+            <a:normAutofit/>
+          </a:bodyPr>
+          <a:lstStyle/>
+          <a:p>
+            <a:r>
+              <a:rPr lang="en-US" dirty="0" smtClean="0"/>
+              <a:t>Some NGS specific challenges</a:t>
+            </a:r>
+          </a:p>
+          <a:p>
+            <a:pPr lvl="1"/>
+            <a:r>
+              <a:rPr lang="en-US" dirty="0" smtClean="0"/>
+              <a:t>Efficient Algorithm/tool/code selection</a:t>
+            </a:r>
+          </a:p>
+          <a:p>
+            <a:pPr lvl="2"/>
+            <a:r>
+              <a:rPr lang="en-US" dirty="0" smtClean="0"/>
+              <a:t>Hosting pre-installed  VM</a:t>
+            </a:r>
+          </a:p>
+          <a:p>
+            <a:pPr lvl="1"/>
+            <a:r>
+              <a:rPr lang="en-US" dirty="0" smtClean="0"/>
+              <a:t>Efficient task scheduling and placement</a:t>
+            </a:r>
+          </a:p>
+          <a:p>
+            <a:pPr lvl="1"/>
+            <a:r>
+              <a:rPr lang="en-US" dirty="0" smtClean="0"/>
+              <a:t>Efficient Distributed data management</a:t>
+            </a:r>
+          </a:p>
+          <a:p>
+            <a:pPr lvl="1"/>
+            <a:r>
+              <a:rPr lang="en-US" dirty="0" smtClean="0"/>
+              <a:t>Efficient Data transfer/scheduling</a:t>
+            </a:r>
+          </a:p>
+          <a:p>
+            <a:pPr lvl="2"/>
+            <a:r>
+              <a:rPr lang="en-US" dirty="0" smtClean="0"/>
+              <a:t>Transfer of Ref. genome index files:</a:t>
+            </a:r>
+          </a:p>
+          <a:p>
+            <a:pPr lvl="3"/>
+            <a:r>
+              <a:rPr lang="en-US" dirty="0" smtClean="0"/>
+              <a:t> </a:t>
+            </a:r>
+            <a:r>
+              <a:rPr lang="en-US" dirty="0" err="1" smtClean="0"/>
+              <a:t>O(hours</a:t>
+            </a:r>
+            <a:r>
+              <a:rPr lang="en-US" dirty="0" smtClean="0"/>
+              <a:t>) 130 GB, </a:t>
+            </a:r>
+          </a:p>
+          <a:p>
+            <a:pPr lvl="2"/>
+            <a:r>
+              <a:rPr lang="en-US" dirty="0" smtClean="0"/>
+              <a:t>Transfer of Short read files: </a:t>
+            </a:r>
+          </a:p>
+          <a:p>
+            <a:pPr lvl="3"/>
+            <a:r>
+              <a:rPr lang="en-US" dirty="0" smtClean="0"/>
+              <a:t> </a:t>
+            </a:r>
+            <a:r>
+              <a:rPr lang="en-US" dirty="0" err="1" smtClean="0"/>
+              <a:t>O(mins</a:t>
+            </a:r>
+            <a:r>
+              <a:rPr lang="en-US" dirty="0" smtClean="0"/>
+              <a:t>) [L to QB] 9 GB</a:t>
+            </a:r>
+          </a:p>
+          <a:p>
+            <a:pPr lvl="1"/>
+            <a:r>
+              <a:rPr lang="en-US" dirty="0" smtClean="0"/>
+              <a:t>Determine optimal point -- tradeoff </a:t>
+            </a:r>
+          </a:p>
+          <a:p>
+            <a:pPr>
+              <a:buNone/>
+            </a:pPr>
+            <a:endParaRPr lang="en-US" dirty="0"/>
+          </a:p>
+        </p:txBody>
+      </p:sp>
+    </p:spTree>
+    <p:extLst>
+      <p:ext uri="{BB962C8B-B14F-4D97-AF65-F5344CB8AC3E}">
+        <p14:creationId xmlns:p14="http://schemas.microsoft.com/office/powerpoint/2010/main" val="3812328938"/>
+      </p:ext>
+    </p:extLst>
+  </p:cSld>
+  <p:clrMapOvr>
+    <a:masterClrMapping/>
+  </p:clrMapOvr>
+  <p:timing>
+    <p:tnLst>
+      <p:par>
+        <p:cTn xmlns:p14="http://schemas.microsoft.com/office/powerpoint/2010/main" id="1" dur="indefinite" restart="never" nodeType="tmRoot"/>
       </p:par>
     </p:tnLst>
   </p:timing>

--- a/papers/data-intensive-bio/Presentation/dare_saga.pptx
+++ b/papers/data-intensive-bio/Presentation/dare_saga.pptx
@@ -5,20 +5,26 @@
     <p:sldMasterId id="2147483648" r:id="rId1"/>
   </p:sldMasterIdLst>
   <p:notesMasterIdLst>
-    <p:notesMasterId r:id="rId13"/>
+    <p:notesMasterId r:id="rId19"/>
   </p:notesMasterIdLst>
   <p:sldIdLst>
     <p:sldId id="256" r:id="rId2"/>
     <p:sldId id="269" r:id="rId3"/>
     <p:sldId id="262" r:id="rId4"/>
-    <p:sldId id="261" r:id="rId5"/>
-    <p:sldId id="267" r:id="rId6"/>
-    <p:sldId id="268" r:id="rId7"/>
-    <p:sldId id="270" r:id="rId8"/>
-    <p:sldId id="258" r:id="rId9"/>
-    <p:sldId id="259" r:id="rId10"/>
-    <p:sldId id="264" r:id="rId11"/>
-    <p:sldId id="260" r:id="rId12"/>
+    <p:sldId id="271" r:id="rId5"/>
+    <p:sldId id="261" r:id="rId6"/>
+    <p:sldId id="267" r:id="rId7"/>
+    <p:sldId id="268" r:id="rId8"/>
+    <p:sldId id="275" r:id="rId9"/>
+    <p:sldId id="277" r:id="rId10"/>
+    <p:sldId id="270" r:id="rId11"/>
+    <p:sldId id="274" r:id="rId12"/>
+    <p:sldId id="272" r:id="rId13"/>
+    <p:sldId id="273" r:id="rId14"/>
+    <p:sldId id="276" r:id="rId15"/>
+    <p:sldId id="258" r:id="rId16"/>
+    <p:sldId id="259" r:id="rId17"/>
+    <p:sldId id="260" r:id="rId18"/>
   </p:sldIdLst>
   <p:sldSz cx="9144000" cy="6858000" type="screen4x3"/>
   <p:notesSz cx="6858000" cy="9144000"/>
@@ -202,7 +208,7 @@
           <a:p>
             <a:fld id="{E644205A-AF26-EC4E-8562-143F5F805227}" type="datetimeFigureOut">
               <a:rPr lang="en-US" smtClean="0"/>
-              <a:t>10/19/11</a:t>
+              <a:t>10/20/11</a:t>
             </a:fld>
             <a:endParaRPr lang="en-US"/>
           </a:p>
@@ -554,7 +560,7 @@
             <a:fld id="{8FC6E2D0-3DA8-0A4F-9A90-3E1A8900A569}" type="slidenum">
               <a:rPr lang="en-US" smtClean="0"/>
               <a:pPr/>
-              <a:t>8</a:t>
+              <a:t>15</a:t>
             </a:fld>
             <a:endParaRPr lang="en-US" dirty="0"/>
           </a:p>
@@ -749,7 +755,7 @@
           <a:p>
             <a:fld id="{88CD3CAE-85D5-EF41-8154-1DEE4C4DD4B2}" type="datetimeFigureOut">
               <a:rPr lang="en-US" smtClean="0"/>
-              <a:t>10/19/11</a:t>
+              <a:t>10/20/11</a:t>
             </a:fld>
             <a:endParaRPr lang="en-US"/>
           </a:p>
@@ -919,7 +925,7 @@
           <a:p>
             <a:fld id="{88CD3CAE-85D5-EF41-8154-1DEE4C4DD4B2}" type="datetimeFigureOut">
               <a:rPr lang="en-US" smtClean="0"/>
-              <a:t>10/19/11</a:t>
+              <a:t>10/20/11</a:t>
             </a:fld>
             <a:endParaRPr lang="en-US"/>
           </a:p>
@@ -1099,7 +1105,7 @@
           <a:p>
             <a:fld id="{88CD3CAE-85D5-EF41-8154-1DEE4C4DD4B2}" type="datetimeFigureOut">
               <a:rPr lang="en-US" smtClean="0"/>
-              <a:t>10/19/11</a:t>
+              <a:t>10/20/11</a:t>
             </a:fld>
             <a:endParaRPr lang="en-US"/>
           </a:p>
@@ -1269,7 +1275,7 @@
           <a:p>
             <a:fld id="{88CD3CAE-85D5-EF41-8154-1DEE4C4DD4B2}" type="datetimeFigureOut">
               <a:rPr lang="en-US" smtClean="0"/>
-              <a:t>10/19/11</a:t>
+              <a:t>10/20/11</a:t>
             </a:fld>
             <a:endParaRPr lang="en-US"/>
           </a:p>
@@ -1515,7 +1521,7 @@
           <a:p>
             <a:fld id="{88CD3CAE-85D5-EF41-8154-1DEE4C4DD4B2}" type="datetimeFigureOut">
               <a:rPr lang="en-US" smtClean="0"/>
-              <a:t>10/19/11</a:t>
+              <a:t>10/20/11</a:t>
             </a:fld>
             <a:endParaRPr lang="en-US"/>
           </a:p>
@@ -1803,7 +1809,7 @@
           <a:p>
             <a:fld id="{88CD3CAE-85D5-EF41-8154-1DEE4C4DD4B2}" type="datetimeFigureOut">
               <a:rPr lang="en-US" smtClean="0"/>
-              <a:t>10/19/11</a:t>
+              <a:t>10/20/11</a:t>
             </a:fld>
             <a:endParaRPr lang="en-US"/>
           </a:p>
@@ -2225,7 +2231,7 @@
           <a:p>
             <a:fld id="{88CD3CAE-85D5-EF41-8154-1DEE4C4DD4B2}" type="datetimeFigureOut">
               <a:rPr lang="en-US" smtClean="0"/>
-              <a:t>10/19/11</a:t>
+              <a:t>10/20/11</a:t>
             </a:fld>
             <a:endParaRPr lang="en-US"/>
           </a:p>
@@ -2343,7 +2349,7 @@
           <a:p>
             <a:fld id="{88CD3CAE-85D5-EF41-8154-1DEE4C4DD4B2}" type="datetimeFigureOut">
               <a:rPr lang="en-US" smtClean="0"/>
-              <a:t>10/19/11</a:t>
+              <a:t>10/20/11</a:t>
             </a:fld>
             <a:endParaRPr lang="en-US"/>
           </a:p>
@@ -2438,7 +2444,7 @@
           <a:p>
             <a:fld id="{88CD3CAE-85D5-EF41-8154-1DEE4C4DD4B2}" type="datetimeFigureOut">
               <a:rPr lang="en-US" smtClean="0"/>
-              <a:t>10/19/11</a:t>
+              <a:t>10/20/11</a:t>
             </a:fld>
             <a:endParaRPr lang="en-US"/>
           </a:p>
@@ -2715,7 +2721,7 @@
           <a:p>
             <a:fld id="{88CD3CAE-85D5-EF41-8154-1DEE4C4DD4B2}" type="datetimeFigureOut">
               <a:rPr lang="en-US" smtClean="0"/>
-              <a:t>10/19/11</a:t>
+              <a:t>10/20/11</a:t>
             </a:fld>
             <a:endParaRPr lang="en-US"/>
           </a:p>
@@ -2968,7 +2974,7 @@
           <a:p>
             <a:fld id="{88CD3CAE-85D5-EF41-8154-1DEE4C4DD4B2}" type="datetimeFigureOut">
               <a:rPr lang="en-US" smtClean="0"/>
-              <a:t>10/19/11</a:t>
+              <a:t>10/20/11</a:t>
             </a:fld>
             <a:endParaRPr lang="en-US"/>
           </a:p>
@@ -3181,7 +3187,7 @@
           <a:p>
             <a:fld id="{88CD3CAE-85D5-EF41-8154-1DEE4C4DD4B2}" type="datetimeFigureOut">
               <a:rPr lang="en-US" smtClean="0"/>
-              <a:t>10/19/11</a:t>
+              <a:t>10/20/11</a:t>
             </a:fld>
             <a:endParaRPr lang="en-US"/>
           </a:p>
@@ -3675,30 +3681,7 @@
       </p:grpSpPr>
       <p:sp>
         <p:nvSpPr>
-          <p:cNvPr id="15362" name="Title 1"/>
-          <p:cNvSpPr>
-            <a:spLocks noGrp="1"/>
-          </p:cNvSpPr>
-          <p:nvPr>
-            <p:ph type="title"/>
-          </p:nvPr>
-        </p:nvSpPr>
-        <p:spPr/>
-        <p:txBody>
-          <a:bodyPr/>
-          <a:lstStyle/>
-          <a:p>
-            <a:r>
-              <a:rPr lang="en-US" smtClean="0"/>
-              <a:t>Overview</a:t>
-            </a:r>
-            <a:endParaRPr lang="en-US" dirty="0" smtClean="0"/>
-          </a:p>
-        </p:txBody>
-      </p:sp>
-      <p:sp>
-        <p:nvSpPr>
-          <p:cNvPr id="15363" name="Content Placeholder 2"/>
+          <p:cNvPr id="3" name="Content Placeholder 2"/>
           <p:cNvSpPr>
             <a:spLocks noGrp="1"/>
           </p:cNvSpPr>
@@ -3708,159 +3691,246 @@
         </p:nvSpPr>
         <p:spPr>
           <a:xfrm>
-            <a:off x="923047" y="1529880"/>
-            <a:ext cx="7966954" cy="4608884"/>
+            <a:off x="300747" y="1450974"/>
+            <a:ext cx="8589253" cy="4835526"/>
           </a:xfrm>
         </p:spPr>
         <p:txBody>
           <a:bodyPr>
-            <a:noAutofit/>
+            <a:normAutofit fontScale="62500" lnSpcReduction="20000"/>
           </a:bodyPr>
           <a:lstStyle/>
           <a:p>
             <a:r>
-              <a:rPr lang="en-US" sz="1700" dirty="0" smtClean="0"/>
-              <a:t>DARE-based Gateways for Life Science Applications</a:t>
-            </a:r>
+              <a:rPr lang="en-US" dirty="0"/>
+              <a:t>Two Stages in </a:t>
+            </a:r>
+            <a:r>
+              <a:rPr lang="en-US" dirty="0" err="1" smtClean="0"/>
+              <a:t>ChIP-Seq</a:t>
+            </a:r>
+            <a:endParaRPr lang="en-US" dirty="0"/>
           </a:p>
           <a:p>
             <a:pPr lvl="1"/>
             <a:r>
-              <a:rPr lang="en-US" sz="1700" dirty="0" smtClean="0"/>
-              <a:t>Importance of Life Science </a:t>
-            </a:r>
-            <a:r>
-              <a:rPr lang="en-US" sz="1700" dirty="0" smtClean="0">
-                <a:sym typeface="Wingdings"/>
-              </a:rPr>
-              <a:t>&lt; == &gt; Role of Gateways</a:t>
-            </a:r>
-            <a:r>
-              <a:rPr lang="en-US" sz="1700" dirty="0" smtClean="0"/>
-              <a:t>  </a:t>
+              <a:rPr lang="en-US" dirty="0"/>
+              <a:t>Mapping and Peak </a:t>
+            </a:r>
+            <a:r>
+              <a:rPr lang="en-US" dirty="0" smtClean="0"/>
+              <a:t>Calling</a:t>
+            </a:r>
+            <a:endParaRPr lang="en-US" sz="2800" dirty="0"/>
+          </a:p>
+          <a:p>
+            <a:r>
+              <a:rPr lang="en-US" dirty="0" smtClean="0"/>
+              <a:t>Input data</a:t>
             </a:r>
           </a:p>
           <a:p>
             <a:pPr lvl="1"/>
             <a:r>
-              <a:rPr lang="en-US" sz="1700" dirty="0" smtClean="0"/>
-              <a:t>Different computational characteristics</a:t>
-            </a:r>
-          </a:p>
-          <a:p>
-            <a:r>
-              <a:rPr lang="en-US" sz="1900" dirty="0" smtClean="0"/>
-              <a:t>DARE for HT-HPC and NGS</a:t>
+              <a:rPr lang="en-US" dirty="0" smtClean="0"/>
+              <a:t>Reference Genome index files</a:t>
             </a:r>
           </a:p>
           <a:p>
             <a:pPr lvl="1"/>
             <a:r>
-              <a:rPr lang="en-US" sz="1700" dirty="0" smtClean="0"/>
-              <a:t>Architecture, Performance and Scalability</a:t>
-            </a:r>
-          </a:p>
-          <a:p>
-            <a:r>
-              <a:rPr lang="en-US" sz="1700" dirty="0" smtClean="0"/>
-              <a:t>DARE based Gateway for NGS Analytics</a:t>
+              <a:rPr lang="en-US" dirty="0" smtClean="0"/>
+              <a:t>Control and Treat Short Read data(</a:t>
+            </a:r>
+            <a:r>
+              <a:rPr lang="en-US" dirty="0" err="1" smtClean="0"/>
+              <a:t>Fastq</a:t>
+            </a:r>
+            <a:r>
+              <a:rPr lang="en-US" dirty="0" smtClean="0"/>
+              <a:t>)</a:t>
+            </a:r>
+          </a:p>
+          <a:p>
+            <a:r>
+              <a:rPr lang="en-US" dirty="0" smtClean="0"/>
+              <a:t>Tools</a:t>
             </a:r>
           </a:p>
           <a:p>
             <a:pPr lvl="1"/>
             <a:r>
-              <a:rPr lang="en-US" sz="1700" dirty="0" smtClean="0"/>
-              <a:t>Perform alignment for “real” NGS problems on production DCI</a:t>
+              <a:rPr lang="en-US" dirty="0" smtClean="0"/>
+              <a:t>BWA, BFAST, </a:t>
+            </a:r>
+            <a:r>
+              <a:rPr lang="en-US" dirty="0"/>
+              <a:t>BOWTIE and others </a:t>
+            </a:r>
+            <a:r>
+              <a:rPr lang="en-US" dirty="0" smtClean="0"/>
+              <a:t>(Mapping)</a:t>
             </a:r>
           </a:p>
           <a:p>
             <a:pPr lvl="1"/>
             <a:r>
-              <a:rPr lang="en-US" sz="1700" dirty="0" smtClean="0"/>
-              <a:t>Empirical understanding of using prod DCI for DI applications</a:t>
-            </a:r>
-          </a:p>
-          <a:p>
-            <a:r>
-              <a:rPr lang="en-US" sz="1700" dirty="0" smtClean="0"/>
-              <a:t>BFAST computational characterization</a:t>
+              <a:rPr lang="en-US" dirty="0" smtClean="0"/>
+              <a:t>SAMTOOLS </a:t>
             </a:r>
           </a:p>
           <a:p>
             <a:pPr lvl="1"/>
             <a:r>
-              <a:rPr lang="en-US" sz="1700" dirty="0" smtClean="0"/>
-              <a:t>Tradeoffs: Com. </a:t>
-            </a:r>
-            <a:r>
-              <a:rPr lang="en-US" sz="1700" dirty="0" err="1" smtClean="0"/>
-              <a:t>vs</a:t>
-            </a:r>
-            <a:r>
-              <a:rPr lang="en-US" sz="1700" dirty="0" smtClean="0"/>
-              <a:t> </a:t>
-            </a:r>
-            <a:r>
-              <a:rPr lang="en-US" sz="1700" dirty="0" err="1" smtClean="0"/>
-              <a:t>Mem</a:t>
-            </a:r>
-            <a:r>
-              <a:rPr lang="en-US" sz="1700" dirty="0" smtClean="0"/>
-              <a:t>. </a:t>
-            </a:r>
-            <a:r>
-              <a:rPr lang="en-US" sz="1700" dirty="0" err="1" smtClean="0"/>
-              <a:t>vs</a:t>
-            </a:r>
-            <a:r>
-              <a:rPr lang="en-US" sz="1700" dirty="0" smtClean="0"/>
-              <a:t> I/O </a:t>
-            </a:r>
-            <a:r>
-              <a:rPr lang="en-US" sz="1700" dirty="0" err="1" smtClean="0"/>
-              <a:t>vs</a:t>
-            </a:r>
-            <a:r>
-              <a:rPr lang="en-US" sz="1700" dirty="0" smtClean="0"/>
-              <a:t> </a:t>
-            </a:r>
-            <a:r>
-              <a:rPr lang="en-US" sz="1700" dirty="0" err="1" smtClean="0"/>
-              <a:t>DoD</a:t>
-            </a:r>
-            <a:endParaRPr lang="en-US" sz="1700" dirty="0" smtClean="0"/>
-          </a:p>
-          <a:p>
-            <a:r>
-              <a:rPr lang="en-US" sz="1700" dirty="0" smtClean="0"/>
-              <a:t>Towards Production DCI for NGS Analytics</a:t>
+              <a:rPr lang="en-US" dirty="0" smtClean="0"/>
+              <a:t>MACS and others (Peak calling)</a:t>
+            </a:r>
+          </a:p>
+          <a:p>
+            <a:r>
+              <a:rPr lang="en-US" dirty="0" smtClean="0"/>
+              <a:t>Output data</a:t>
             </a:r>
           </a:p>
           <a:p>
             <a:pPr lvl="1"/>
             <a:r>
-              <a:rPr lang="en-US" sz="1700" dirty="0" smtClean="0"/>
-              <a:t>DARE-based Gateway: Lessons and </a:t>
-            </a:r>
-            <a:r>
-              <a:rPr lang="en-US" sz="1700" dirty="0" smtClean="0"/>
-              <a:t>Experience</a:t>
-            </a:r>
-            <a:endParaRPr lang="en-US" sz="1700" dirty="0" smtClean="0"/>
+              <a:rPr lang="en-US" dirty="0" smtClean="0"/>
+              <a:t>SAM files (.</a:t>
+            </a:r>
+            <a:r>
+              <a:rPr lang="en-US" dirty="0" err="1" smtClean="0"/>
+              <a:t>sam</a:t>
+            </a:r>
+            <a:r>
+              <a:rPr lang="en-US" dirty="0" smtClean="0"/>
+              <a:t>) with mapping tool</a:t>
+            </a:r>
           </a:p>
           <a:p>
             <a:pPr lvl="1"/>
-            <a:endParaRPr lang="en-US" sz="1700" dirty="0" smtClean="0"/>
-          </a:p>
-          <a:p>
-            <a:endParaRPr lang="en-US" sz="1700" dirty="0" smtClean="0"/>
-          </a:p>
-        </p:txBody>
-      </p:sp>
+            <a:r>
+              <a:rPr lang="en-US" dirty="0" smtClean="0"/>
+              <a:t>BED files (.bed, Excel, wig..) with Peak calling</a:t>
+            </a:r>
+          </a:p>
+          <a:p>
+            <a:r>
+              <a:rPr lang="en-US" dirty="0" smtClean="0"/>
+              <a:t>Different Steps</a:t>
+            </a:r>
+          </a:p>
+          <a:p>
+            <a:pPr lvl="1"/>
+            <a:r>
+              <a:rPr lang="en-US" dirty="0" smtClean="0"/>
+              <a:t>Number of steps to generate .</a:t>
+            </a:r>
+            <a:r>
+              <a:rPr lang="en-US" dirty="0" err="1" smtClean="0"/>
+              <a:t>sam</a:t>
+            </a:r>
+            <a:r>
+              <a:rPr lang="en-US" dirty="0" smtClean="0"/>
+              <a:t> varies with Mapping tool (Bfast-3,BWA-2, BOWTIE-1 )</a:t>
+            </a:r>
+          </a:p>
+          <a:p>
+            <a:pPr lvl="1"/>
+            <a:r>
+              <a:rPr lang="en-US" dirty="0" smtClean="0"/>
+              <a:t>SAM files needs to sorted and converted into .BAM files using </a:t>
+            </a:r>
+            <a:r>
+              <a:rPr lang="en-US" dirty="0" err="1"/>
+              <a:t>s</a:t>
+            </a:r>
+            <a:r>
+              <a:rPr lang="en-US" dirty="0" err="1" smtClean="0"/>
+              <a:t>amtools</a:t>
+            </a:r>
+            <a:r>
+              <a:rPr lang="en-US" dirty="0" smtClean="0"/>
+              <a:t> (3)</a:t>
+            </a:r>
+          </a:p>
+          <a:p>
+            <a:pPr lvl="1"/>
+            <a:r>
+              <a:rPr lang="en-US" dirty="0" smtClean="0"/>
+              <a:t>BAM will be taken as the input to MACS (1) </a:t>
+            </a:r>
+            <a:endParaRPr lang="en-US" dirty="0"/>
+          </a:p>
+          <a:p>
+            <a:pPr marL="457200" lvl="1" indent="0">
+              <a:buNone/>
+            </a:pPr>
+            <a:endParaRPr lang="en-US" sz="2400" dirty="0"/>
+          </a:p>
+          <a:p>
+            <a:pPr marL="457200" lvl="1" indent="0">
+              <a:buNone/>
+            </a:pPr>
+            <a:endParaRPr lang="en-US" sz="2400" dirty="0" smtClean="0"/>
+          </a:p>
+        </p:txBody>
+      </p:sp>
+      <p:sp>
+        <p:nvSpPr>
+          <p:cNvPr id="4" name="Title 3"/>
+          <p:cNvSpPr>
+            <a:spLocks noGrp="1"/>
+          </p:cNvSpPr>
+          <p:nvPr>
+            <p:ph type="title"/>
+          </p:nvPr>
+        </p:nvSpPr>
+        <p:spPr/>
+        <p:txBody>
+          <a:bodyPr/>
+          <a:lstStyle/>
+          <a:p>
+            <a:r>
+              <a:rPr lang="en-US" dirty="0" err="1" smtClean="0"/>
+              <a:t>ChIP-Seq</a:t>
+            </a:r>
+            <a:r>
+              <a:rPr lang="en-US" dirty="0" smtClean="0"/>
+              <a:t>(Type II Service)</a:t>
+            </a:r>
+            <a:endParaRPr lang="en-US" dirty="0"/>
+          </a:p>
+        </p:txBody>
+      </p:sp>
+      <p:pic>
+        <p:nvPicPr>
+          <p:cNvPr id="2" name="Picture 1"/>
+          <p:cNvPicPr>
+            <a:picLocks noChangeAspect="1"/>
+          </p:cNvPicPr>
+          <p:nvPr/>
+        </p:nvPicPr>
+        <p:blipFill>
+          <a:blip r:embed="rId2"/>
+          <a:stretch>
+            <a:fillRect/>
+          </a:stretch>
+        </p:blipFill>
+        <p:spPr>
+          <a:xfrm>
+            <a:off x="5812118" y="1741305"/>
+            <a:ext cx="2540000" cy="1917700"/>
+          </a:xfrm>
+          <a:prstGeom prst="rect">
+            <a:avLst/>
+          </a:prstGeom>
+        </p:spPr>
+      </p:pic>
     </p:spTree>
     <p:extLst>
       <p:ext uri="{BB962C8B-B14F-4D97-AF65-F5344CB8AC3E}">
-        <p14:creationId xmlns:p14="http://schemas.microsoft.com/office/powerpoint/2010/main" val="3561498945"/>
+        <p14:creationId xmlns:p14="http://schemas.microsoft.com/office/powerpoint/2010/main" val="2331190039"/>
       </p:ext>
     </p:extLst>
   </p:cSld>
@@ -3910,8 +3980,20 @@
           <a:lstStyle/>
           <a:p>
             <a:r>
-              <a:rPr lang="en-US" dirty="0" smtClean="0"/>
-              <a:t>Conclusions</a:t>
+              <a:rPr lang="en-US" dirty="0" err="1" smtClean="0"/>
+              <a:t>ChIP</a:t>
+            </a:r>
+            <a:r>
+              <a:rPr lang="en-US" dirty="0" err="1"/>
+              <a:t>-</a:t>
+            </a:r>
+            <a:r>
+              <a:rPr lang="en-US" dirty="0" err="1" smtClean="0"/>
+              <a:t>Seq</a:t>
+            </a:r>
+            <a:r>
+              <a:rPr lang="en-US" dirty="0" smtClean="0"/>
+              <a:t> Using DARE</a:t>
             </a:r>
             <a:endParaRPr lang="en-US" dirty="0"/>
           </a:p>
@@ -3929,67 +4011,55 @@
         </p:nvSpPr>
         <p:spPr/>
         <p:txBody>
-          <a:bodyPr>
-            <a:normAutofit fontScale="85000" lnSpcReduction="10000"/>
-          </a:bodyPr>
-          <a:lstStyle/>
-          <a:p>
-            <a:r>
-              <a:rPr lang="en-US" dirty="0" smtClean="0"/>
-              <a:t>Life Science </a:t>
-            </a:r>
-            <a:r>
-              <a:rPr lang="en-US" dirty="0" smtClean="0"/>
-              <a:t>Applications – compute and data intensive present broad range of challenges at scale</a:t>
+          <a:bodyPr/>
+          <a:lstStyle/>
+          <a:p>
+            <a:r>
+              <a:rPr lang="en-US" dirty="0" smtClean="0"/>
+              <a:t> Steps with DARE</a:t>
             </a:r>
           </a:p>
           <a:p>
             <a:pPr lvl="1"/>
             <a:r>
               <a:rPr lang="en-US" dirty="0" smtClean="0"/>
-              <a:t>Have characterized BFAST as an example of alignment that can be used in  production DCI  </a:t>
+              <a:t>Transfer Index files and fragmented </a:t>
+            </a:r>
+            <a:r>
+              <a:rPr lang="en-US" dirty="0" err="1" smtClean="0"/>
+              <a:t>fastq</a:t>
+            </a:r>
+            <a:r>
+              <a:rPr lang="en-US" dirty="0" smtClean="0"/>
+              <a:t> files for the chosen tool to the resources used. </a:t>
             </a:r>
           </a:p>
           <a:p>
             <a:pPr lvl="1"/>
             <a:r>
               <a:rPr lang="en-US" dirty="0" smtClean="0"/>
-              <a:t>What are the CI challenges of NGS Analytics?</a:t>
-            </a:r>
-          </a:p>
-          <a:p>
-            <a:pPr lvl="2"/>
-            <a:r>
-              <a:rPr lang="en-US" dirty="0" smtClean="0"/>
-              <a:t>Exploring HTC, HPC-grids and Clouds</a:t>
-            </a:r>
-          </a:p>
-          <a:p>
-            <a:r>
-              <a:rPr lang="en-US" dirty="0" smtClean="0"/>
-              <a:t>DARE-based Gateway</a:t>
+              <a:t>Start performing Work Units(Tasks)</a:t>
             </a:r>
           </a:p>
           <a:p>
             <a:pPr lvl="1"/>
             <a:r>
               <a:rPr lang="en-US" dirty="0" smtClean="0"/>
-              <a:t>Extensions to abstractions for dynamic execution and data</a:t>
+              <a:t>Transfer the output BED/XLS back to the Server</a:t>
+            </a:r>
+          </a:p>
+          <a:p>
+            <a:pPr marL="457200" lvl="1" indent="0">
+              <a:buNone/>
+            </a:pPr>
+            <a:r>
+              <a:rPr lang="en-US" dirty="0" smtClean="0"/>
+              <a:t> </a:t>
             </a:r>
           </a:p>
           <a:p>
             <a:pPr lvl="1"/>
-            <a:r>
-              <a:rPr lang="en-US" dirty="0" smtClean="0"/>
-              <a:t>Need for community provided solution on XD and other production DCI</a:t>
-            </a:r>
-          </a:p>
-          <a:p>
-            <a:pPr lvl="1"/>
-            <a:r>
-              <a:rPr lang="en-US" dirty="0" smtClean="0"/>
-              <a:t>Challenges remain in the scalable provisioning</a:t>
-            </a:r>
+            <a:endParaRPr lang="en-US" dirty="0"/>
           </a:p>
           <a:p>
             <a:pPr lvl="1"/>
@@ -4000,24 +4070,17 @@
     </p:spTree>
     <p:extLst>
       <p:ext uri="{BB962C8B-B14F-4D97-AF65-F5344CB8AC3E}">
-        <p14:creationId xmlns:p14="http://schemas.microsoft.com/office/powerpoint/2010/main" val="2013374583"/>
+        <p14:creationId xmlns:p14="http://schemas.microsoft.com/office/powerpoint/2010/main" val="3317663855"/>
       </p:ext>
     </p:extLst>
   </p:cSld>
   <p:clrMapOvr>
     <a:masterClrMapping/>
   </p:clrMapOvr>
-  <p:timing>
-    <p:tnLst>
-      <p:par>
-        <p:cTn xmlns:p14="http://schemas.microsoft.com/office/powerpoint/2010/main" id="1" dur="indefinite" restart="never" nodeType="tmRoot"/>
-      </p:par>
-    </p:tnLst>
-  </p:timing>
 </p:sld>
 </file>
 
-<file path=ppt/slides/slide2.xml><?xml version="1.0" encoding="utf-8"?>
+<file path=ppt/slides/slide12.xml><?xml version="1.0" encoding="utf-8"?>
 <p:sld xmlns:a="http://schemas.openxmlformats.org/drawingml/2006/main" xmlns:r="http://schemas.openxmlformats.org/officeDocument/2006/relationships" xmlns:p="http://schemas.openxmlformats.org/presentationml/2006/main">
   <p:cSld>
     <p:spTree>
@@ -4051,7 +4114,7 @@
           <a:p>
             <a:r>
               <a:rPr lang="en-US" dirty="0" smtClean="0"/>
-              <a:t>Contents</a:t>
+              <a:t>Demo</a:t>
             </a:r>
             <a:endParaRPr lang="en-US" dirty="0"/>
           </a:p>
@@ -4069,39 +4132,121 @@
         </p:nvSpPr>
         <p:spPr/>
         <p:txBody>
-          <a:bodyPr/>
-          <a:lstStyle/>
-          <a:p>
-            <a:r>
-              <a:rPr lang="en-US" dirty="0" smtClean="0"/>
-              <a:t>Introduction to DARE</a:t>
-            </a:r>
-          </a:p>
-          <a:p>
-            <a:r>
-              <a:rPr lang="en-US" dirty="0" smtClean="0"/>
-              <a:t>Example using DARE</a:t>
-            </a:r>
-          </a:p>
-          <a:p>
-            <a:r>
-              <a:rPr lang="en-US" dirty="0" smtClean="0"/>
-              <a:t>DARE Based Gateways</a:t>
-            </a:r>
-          </a:p>
-          <a:p>
-            <a:r>
-              <a:rPr lang="en-US" dirty="0" smtClean="0"/>
-              <a:t>DARE-NGS</a:t>
+          <a:bodyPr>
+            <a:normAutofit/>
+          </a:bodyPr>
+          <a:lstStyle/>
+          <a:p>
+            <a:r>
+              <a:rPr lang="en-US" dirty="0"/>
+              <a:t>Go </a:t>
+            </a:r>
+            <a:r>
+              <a:rPr lang="en-US" dirty="0" smtClean="0"/>
+              <a:t>to</a:t>
             </a:r>
             <a:endParaRPr lang="en-US" dirty="0"/>
+          </a:p>
+          <a:p>
+            <a:pPr lvl="1"/>
+            <a:r>
+              <a:rPr lang="en-US" sz="1800" dirty="0">
+                <a:hlinkClick r:id="rId2"/>
+              </a:rPr>
+              <a:t>http://dare.cct.lsu.edu/gateways/ngs/users/</a:t>
+            </a:r>
+            <a:r>
+              <a:rPr lang="en-US" sz="1800" dirty="0" smtClean="0">
+                <a:hlinkClick r:id="rId2"/>
+              </a:rPr>
+              <a:t>login</a:t>
+            </a:r>
+            <a:endParaRPr lang="en-US" sz="1800" dirty="0" smtClean="0"/>
+          </a:p>
+          <a:p>
+            <a:pPr marL="457200" lvl="1" indent="0">
+              <a:buNone/>
+            </a:pPr>
+            <a:endParaRPr lang="en-US" sz="1800" dirty="0"/>
+          </a:p>
+          <a:p>
+            <a:r>
+              <a:rPr lang="en-US" dirty="0" smtClean="0"/>
+              <a:t>Login</a:t>
+            </a:r>
+            <a:endParaRPr lang="en-US" dirty="0"/>
+          </a:p>
+          <a:p>
+            <a:pPr lvl="1"/>
+            <a:r>
+              <a:rPr lang="en-US" sz="1800" dirty="0"/>
+              <a:t>Email = “</a:t>
+            </a:r>
+            <a:r>
+              <a:rPr lang="en-US" sz="1800" dirty="0" err="1"/>
+              <a:t>test@test.com</a:t>
+            </a:r>
+            <a:r>
+              <a:rPr lang="en-US" sz="1800" dirty="0"/>
+              <a:t>”, Password= “demo” (without quotes</a:t>
+            </a:r>
+            <a:r>
+              <a:rPr lang="en-US" sz="1800" dirty="0" smtClean="0"/>
+              <a:t>)</a:t>
+            </a:r>
+            <a:endParaRPr lang="en-US" sz="1800" dirty="0"/>
+          </a:p>
+          <a:p>
+            <a:r>
+              <a:rPr lang="en-US" dirty="0"/>
+              <a:t>Go </a:t>
+            </a:r>
+            <a:r>
+              <a:rPr lang="en-US" dirty="0" smtClean="0"/>
+              <a:t>to</a:t>
+            </a:r>
+            <a:endParaRPr lang="en-US" dirty="0"/>
+          </a:p>
+          <a:p>
+            <a:pPr lvl="1"/>
+            <a:r>
+              <a:rPr lang="en-US" sz="1800" dirty="0">
+                <a:hlinkClick r:id="rId3"/>
+              </a:rPr>
+              <a:t>http://dare.cct.lsu.edu/gateways/ngs/ngs/</a:t>
+            </a:r>
+            <a:r>
+              <a:rPr lang="en-US" sz="1800" dirty="0" smtClean="0">
+                <a:hlinkClick r:id="rId3"/>
+              </a:rPr>
+              <a:t>chipseq_form</a:t>
+            </a:r>
+            <a:endParaRPr lang="en-US" sz="1800" dirty="0" smtClean="0"/>
+          </a:p>
+          <a:p>
+            <a:pPr marL="457200" lvl="1" indent="0">
+              <a:buNone/>
+            </a:pPr>
+            <a:endParaRPr lang="en-US" sz="1800" dirty="0"/>
+          </a:p>
+          <a:p>
+            <a:pPr marL="0" indent="0">
+              <a:buNone/>
+            </a:pPr>
+            <a:endParaRPr lang="en-US" dirty="0"/>
+          </a:p>
+          <a:p>
+            <a:pPr marL="0" indent="0">
+              <a:buNone/>
+            </a:pPr>
+            <a:endParaRPr lang="en-US" dirty="0" smtClean="0"/>
           </a:p>
         </p:txBody>
       </p:sp>
     </p:spTree>
     <p:extLst>
       <p:ext uri="{BB962C8B-B14F-4D97-AF65-F5344CB8AC3E}">
-        <p14:creationId xmlns:p14="http://schemas.microsoft.com/office/powerpoint/2010/main" val="3247901053"/>
+        <p14:creationId xmlns:p14="http://schemas.microsoft.com/office/powerpoint/2010/main" val="4003407106"/>
       </p:ext>
     </p:extLst>
   </p:cSld>
@@ -4111,7 +4256,7 @@
 </p:sld>
 </file>
 
-<file path=ppt/slides/slide3.xml><?xml version="1.0" encoding="utf-8"?>
+<file path=ppt/slides/slide13.xml><?xml version="1.0" encoding="utf-8"?>
 <p:sld xmlns:a="http://schemas.openxmlformats.org/drawingml/2006/main" xmlns:r="http://schemas.openxmlformats.org/officeDocument/2006/relationships" xmlns:p="http://schemas.openxmlformats.org/presentationml/2006/main">
   <p:cSld>
     <p:spTree>
@@ -4145,7 +4290,7 @@
           <a:p>
             <a:r>
               <a:rPr lang="en-US" dirty="0" smtClean="0"/>
-              <a:t>What is DARE?</a:t>
+              <a:t>Demo Cont..</a:t>
             </a:r>
             <a:endParaRPr lang="en-US" dirty="0"/>
           </a:p>
@@ -4161,70 +4306,174 @@
             <p:ph idx="1"/>
           </p:nvPr>
         </p:nvSpPr>
-        <p:spPr/>
-        <p:txBody>
-          <a:bodyPr/>
-          <a:lstStyle/>
-          <a:p>
-            <a:r>
-              <a:rPr lang="en-US" dirty="0" smtClean="0"/>
-              <a:t>A framework to support Distributed Scientific Applications</a:t>
-            </a:r>
-          </a:p>
-          <a:p>
-            <a:r>
-              <a:rPr lang="en-US" dirty="0" smtClean="0"/>
-              <a:t>Why?</a:t>
+        <p:spPr>
+          <a:xfrm>
+            <a:off x="457200" y="1417638"/>
+            <a:ext cx="8229600" cy="4708525"/>
+          </a:xfrm>
+        </p:spPr>
+        <p:txBody>
+          <a:bodyPr>
+            <a:normAutofit fontScale="92500" lnSpcReduction="20000"/>
+          </a:bodyPr>
+          <a:lstStyle/>
+          <a:p>
+            <a:r>
+              <a:rPr lang="en-US" dirty="0"/>
+              <a:t>Fill the form</a:t>
+            </a:r>
+          </a:p>
+          <a:p>
+            <a:pPr marL="914400" lvl="1" indent="-514350"/>
+            <a:r>
+              <a:rPr lang="en-US" sz="1800" dirty="0"/>
+              <a:t>Description = </a:t>
+            </a:r>
+            <a:r>
+              <a:rPr lang="en-US" sz="1800" dirty="0" smtClean="0"/>
+              <a:t>demo</a:t>
+            </a:r>
+          </a:p>
+          <a:p>
+            <a:pPr marL="914400" lvl="1" indent="-514350"/>
+            <a:r>
+              <a:rPr lang="en-US" sz="1800" dirty="0"/>
+              <a:t>CHOOSE REFERENCE </a:t>
+            </a:r>
+            <a:r>
+              <a:rPr lang="en-US" sz="1800" dirty="0" smtClean="0"/>
+              <a:t>GENOME = “Mouse(mm9)”(Drop Down)</a:t>
+            </a:r>
+          </a:p>
+          <a:p>
+            <a:pPr marL="914400" lvl="1" indent="-514350"/>
+            <a:r>
+              <a:rPr lang="en-US" sz="1800" dirty="0"/>
+              <a:t>CHOOSE MAPPING </a:t>
+            </a:r>
+            <a:r>
+              <a:rPr lang="en-US" sz="1800" dirty="0" smtClean="0"/>
+              <a:t>TOOL=‘’BWA” or “Bowtie”</a:t>
+            </a:r>
+          </a:p>
+          <a:p>
+            <a:pPr marL="914400" lvl="1" indent="-514350"/>
+            <a:r>
+              <a:rPr lang="en-US" sz="1800" dirty="0"/>
+              <a:t>COLOR </a:t>
+            </a:r>
+            <a:r>
+              <a:rPr lang="en-US" sz="1800" dirty="0" smtClean="0"/>
+              <a:t>SPACE= “Yes”</a:t>
+            </a:r>
+          </a:p>
+          <a:p>
+            <a:pPr marL="914400" lvl="1" indent="-514350"/>
+            <a:r>
+              <a:rPr lang="en-US" sz="1800" dirty="0"/>
+              <a:t>CHOOSE PEAK CALLING </a:t>
+            </a:r>
+            <a:r>
+              <a:rPr lang="en-US" sz="1800" dirty="0" smtClean="0"/>
+              <a:t>TOOL  = “MACS”</a:t>
+            </a:r>
+          </a:p>
+          <a:p>
+            <a:pPr marL="914400" lvl="1" indent="-514350"/>
+            <a:r>
+              <a:rPr lang="en-US" sz="1800" dirty="0"/>
+              <a:t>CHOOSE CONTROL DATA FOR </a:t>
+            </a:r>
+            <a:r>
+              <a:rPr lang="en-US" sz="1800" dirty="0" smtClean="0"/>
+              <a:t>INPUT= “</a:t>
+            </a:r>
+            <a:r>
+              <a:rPr lang="en-US" sz="1800" dirty="0" err="1" smtClean="0"/>
+              <a:t>control.fastq</a:t>
+            </a:r>
+            <a:r>
+              <a:rPr lang="en-US" sz="1800" dirty="0" smtClean="0"/>
+              <a:t>”</a:t>
+            </a:r>
+          </a:p>
+          <a:p>
+            <a:pPr marL="914400" lvl="1" indent="-514350"/>
+            <a:r>
+              <a:rPr lang="en-US" sz="1800" dirty="0"/>
+              <a:t>CHOOSE TREAT DATA FOR </a:t>
+            </a:r>
+            <a:r>
+              <a:rPr lang="en-US" sz="1800" dirty="0" smtClean="0"/>
+              <a:t>INPUT= “</a:t>
+            </a:r>
+            <a:r>
+              <a:rPr lang="en-US" sz="1800" dirty="0" err="1" smtClean="0"/>
+              <a:t>treat.fastq</a:t>
+            </a:r>
+            <a:r>
+              <a:rPr lang="en-US" sz="1800" dirty="0" smtClean="0"/>
+              <a:t>”</a:t>
+            </a:r>
+          </a:p>
+          <a:p>
+            <a:pPr marL="914400" lvl="1" indent="-514350"/>
+            <a:r>
+              <a:rPr lang="en-US" sz="1800" dirty="0"/>
+              <a:t>EXPECTED COMPUTATION </a:t>
+            </a:r>
+            <a:r>
+              <a:rPr lang="en-US" sz="1800" dirty="0" smtClean="0"/>
+              <a:t>LOAD = “small”</a:t>
+            </a:r>
+          </a:p>
+          <a:p>
+            <a:r>
+              <a:rPr lang="en-US" dirty="0" smtClean="0"/>
+              <a:t>Hit Submit</a:t>
+            </a:r>
+          </a:p>
+          <a:p>
+            <a:r>
+              <a:rPr lang="en-US" dirty="0" smtClean="0"/>
+              <a:t>Press OK in the Popup box</a:t>
+            </a:r>
+          </a:p>
+          <a:p>
+            <a:r>
+              <a:rPr lang="en-US" dirty="0" smtClean="0"/>
+              <a:t>It will take you to the Job Table View</a:t>
             </a:r>
           </a:p>
           <a:p>
             <a:pPr lvl="1"/>
             <a:r>
-              <a:rPr lang="en-US" dirty="0" smtClean="0"/>
-              <a:t>Coordinate </a:t>
-            </a:r>
-            <a:r>
-              <a:rPr lang="en-US" dirty="0" smtClean="0"/>
-              <a:t>Compute and Data</a:t>
-            </a:r>
+              <a:rPr lang="en-US" dirty="0" smtClean="0">
+                <a:hlinkClick r:id="rId2"/>
+              </a:rPr>
+              <a:t>http</a:t>
+            </a:r>
+            <a:r>
+              <a:rPr lang="en-US" dirty="0">
+                <a:hlinkClick r:id="rId2"/>
+              </a:rPr>
+              <a:t>://dare.cct.lsu.edu/gateways/ngs/ngs/job_table_view</a:t>
+            </a:r>
+            <a:endParaRPr lang="en-US" dirty="0"/>
           </a:p>
           <a:p>
             <a:pPr lvl="1"/>
-            <a:r>
-              <a:rPr lang="en-US" dirty="0" smtClean="0"/>
-              <a:t>Using </a:t>
-            </a:r>
-            <a:r>
-              <a:rPr lang="en-US" dirty="0" smtClean="0"/>
-              <a:t>the resource </a:t>
-            </a:r>
-            <a:r>
-              <a:rPr lang="en-US" dirty="0" smtClean="0"/>
-              <a:t>information</a:t>
-            </a:r>
-            <a:endParaRPr lang="en-US" dirty="0" smtClean="0"/>
-          </a:p>
-          <a:p>
-            <a:pPr lvl="1"/>
-            <a:r>
-              <a:rPr lang="en-US" dirty="0" smtClean="0"/>
-              <a:t>Build dynamic applications / </a:t>
-            </a:r>
-            <a:r>
-              <a:rPr lang="en-US" dirty="0" smtClean="0"/>
-              <a:t>workflows</a:t>
-            </a:r>
-          </a:p>
-          <a:p>
-            <a:pPr lvl="1"/>
-            <a:endParaRPr lang="en-US" dirty="0" smtClean="0"/>
+            <a:endParaRPr lang="en-US" dirty="0"/>
+          </a:p>
+          <a:p>
+            <a:endParaRPr lang="en-US" dirty="0"/>
           </a:p>
         </p:txBody>
       </p:sp>
     </p:spTree>
     <p:extLst>
       <p:ext uri="{BB962C8B-B14F-4D97-AF65-F5344CB8AC3E}">
-        <p14:creationId xmlns:p14="http://schemas.microsoft.com/office/powerpoint/2010/main" val="1401030162"/>
+        <p14:creationId xmlns:p14="http://schemas.microsoft.com/office/powerpoint/2010/main" val="1031686876"/>
       </p:ext>
     </p:extLst>
   </p:cSld>
@@ -4234,7 +4483,7 @@
 </p:sld>
 </file>
 
-<file path=ppt/slides/slide4.xml><?xml version="1.0" encoding="utf-8"?>
+<file path=ppt/slides/slide14.xml><?xml version="1.0" encoding="utf-8"?>
 <p:sld xmlns:a="http://schemas.openxmlformats.org/drawingml/2006/main" xmlns:r="http://schemas.openxmlformats.org/officeDocument/2006/relationships" xmlns:p="http://schemas.openxmlformats.org/presentationml/2006/main">
   <p:cSld>
     <p:spTree>
@@ -4268,7 +4517,7 @@
           <a:p>
             <a:r>
               <a:rPr lang="en-US" dirty="0" smtClean="0"/>
-              <a:t>What is in DARE ?</a:t>
+              <a:t>DARE with Gateways</a:t>
             </a:r>
             <a:endParaRPr lang="en-US" dirty="0"/>
           </a:p>
@@ -4289,61 +4538,42 @@
           <a:bodyPr/>
           <a:lstStyle/>
           <a:p>
-            <a:r>
-              <a:rPr lang="en-US" dirty="0" smtClean="0"/>
-              <a:t>Components of DARE</a:t>
-            </a:r>
+            <a:pPr marL="0" indent="0">
+              <a:buNone/>
+            </a:pPr>
+            <a:r>
+              <a:rPr lang="en-US" dirty="0" smtClean="0"/>
+              <a:t>Components</a:t>
+            </a:r>
+            <a:endParaRPr lang="en-US" dirty="0" smtClean="0"/>
           </a:p>
           <a:p>
             <a:pPr lvl="1"/>
             <a:r>
               <a:rPr lang="en-US" dirty="0" smtClean="0"/>
-              <a:t>Compute Engine</a:t>
-            </a:r>
-            <a:endParaRPr lang="en-US" dirty="0" smtClean="0"/>
+              <a:t>Pylons as the web server</a:t>
+            </a:r>
           </a:p>
           <a:p>
             <a:pPr lvl="1"/>
             <a:r>
               <a:rPr lang="en-US" dirty="0" smtClean="0"/>
-              <a:t>Data </a:t>
-            </a:r>
-            <a:r>
-              <a:rPr lang="en-US" smtClean="0"/>
-              <a:t>Movement Engine</a:t>
-            </a:r>
-            <a:endParaRPr lang="en-US" dirty="0" smtClean="0"/>
+              <a:t>Database for user info and Jobs info</a:t>
+            </a:r>
           </a:p>
           <a:p>
             <a:pPr lvl="1"/>
             <a:r>
               <a:rPr lang="en-US" dirty="0" smtClean="0"/>
-              <a:t>Configuration File parser/Writer/Validator (Data Dictionary)</a:t>
+              <a:t>A Job Monitoring thread</a:t>
             </a:r>
           </a:p>
           <a:p>
             <a:pPr lvl="1"/>
             <a:r>
-              <a:rPr lang="en-US" dirty="0"/>
-              <a:t>Update Status </a:t>
-            </a:r>
-            <a:r>
-              <a:rPr lang="en-US" dirty="0" smtClean="0"/>
-              <a:t>to Database(Web DB)</a:t>
-            </a:r>
-          </a:p>
-          <a:p>
-            <a:pPr lvl="1"/>
-            <a:r>
-              <a:rPr lang="en-US" dirty="0" smtClean="0"/>
-              <a:t>Manager</a:t>
-            </a:r>
-            <a:endParaRPr lang="en-US" dirty="0"/>
-          </a:p>
-          <a:p>
-            <a:pPr marL="457200" lvl="1" indent="0">
-              <a:buNone/>
-            </a:pPr>
+              <a:rPr lang="en-US" dirty="0" smtClean="0"/>
+              <a:t>Application specific DARE</a:t>
+            </a:r>
             <a:endParaRPr lang="en-US" dirty="0"/>
           </a:p>
         </p:txBody>
@@ -4351,7 +4581,7 @@
     </p:spTree>
     <p:extLst>
       <p:ext uri="{BB962C8B-B14F-4D97-AF65-F5344CB8AC3E}">
-        <p14:creationId xmlns:p14="http://schemas.microsoft.com/office/powerpoint/2010/main" val="3553787091"/>
+        <p14:creationId xmlns:p14="http://schemas.microsoft.com/office/powerpoint/2010/main" val="1484428708"/>
       </p:ext>
     </p:extLst>
   </p:cSld>
@@ -4361,7 +4591,7 @@
 </p:sld>
 </file>
 
-<file path=ppt/slides/slide5.xml><?xml version="1.0" encoding="utf-8"?>
+<file path=ppt/slides/slide15.xml><?xml version="1.0" encoding="utf-8"?>
 <p:sld xmlns:a="http://schemas.openxmlformats.org/drawingml/2006/main" xmlns:r="http://schemas.openxmlformats.org/officeDocument/2006/relationships" xmlns:p="http://schemas.openxmlformats.org/presentationml/2006/main">
   <p:cSld>
     <p:spTree>
@@ -4378,508 +4608,6 @@
           <a:chExt cx="0" cy="0"/>
         </a:xfrm>
       </p:grpSpPr>
-      <p:pic>
-        <p:nvPicPr>
-          <p:cNvPr id="6" name="Picture 5"/>
-          <p:cNvPicPr>
-            <a:picLocks noChangeAspect="1"/>
-          </p:cNvPicPr>
-          <p:nvPr/>
-        </p:nvPicPr>
-        <p:blipFill>
-          <a:blip r:embed="rId2"/>
-          <a:stretch>
-            <a:fillRect/>
-          </a:stretch>
-        </p:blipFill>
-        <p:spPr>
-          <a:xfrm>
-            <a:off x="1143000" y="1053778"/>
-            <a:ext cx="6858000" cy="5448622"/>
-          </a:xfrm>
-          <a:prstGeom prst="rect">
-            <a:avLst/>
-          </a:prstGeom>
-        </p:spPr>
-      </p:pic>
-      <p:sp>
-        <p:nvSpPr>
-          <p:cNvPr id="8" name="Title 1"/>
-          <p:cNvSpPr>
-            <a:spLocks noGrp="1"/>
-          </p:cNvSpPr>
-          <p:nvPr>
-            <p:ph type="title"/>
-          </p:nvPr>
-        </p:nvSpPr>
-        <p:spPr>
-          <a:xfrm>
-            <a:off x="457199" y="274638"/>
-            <a:ext cx="8567271" cy="779140"/>
-          </a:xfrm>
-        </p:spPr>
-        <p:txBody>
-          <a:bodyPr/>
-          <a:lstStyle/>
-          <a:p>
-            <a:r>
-              <a:rPr lang="en-US" dirty="0" smtClean="0"/>
-              <a:t>DARE </a:t>
-            </a:r>
-            <a:r>
-              <a:rPr lang="en-US" dirty="0" smtClean="0"/>
-              <a:t>Architecture</a:t>
-            </a:r>
-            <a:endParaRPr lang="en-US" dirty="0"/>
-          </a:p>
-        </p:txBody>
-      </p:sp>
-    </p:spTree>
-    <p:extLst>
-      <p:ext uri="{BB962C8B-B14F-4D97-AF65-F5344CB8AC3E}">
-        <p14:creationId xmlns:p14="http://schemas.microsoft.com/office/powerpoint/2010/main" val="2837673819"/>
-      </p:ext>
-    </p:extLst>
-  </p:cSld>
-  <p:clrMapOvr>
-    <a:masterClrMapping/>
-  </p:clrMapOvr>
-</p:sld>
-</file>
-
-<file path=ppt/slides/slide6.xml><?xml version="1.0" encoding="utf-8"?>
-<p:sld xmlns:a="http://schemas.openxmlformats.org/drawingml/2006/main" xmlns:r="http://schemas.openxmlformats.org/officeDocument/2006/relationships" xmlns:p="http://schemas.openxmlformats.org/presentationml/2006/main">
-  <p:cSld>
-    <p:spTree>
-      <p:nvGrpSpPr>
-        <p:cNvPr id="1" name=""/>
-        <p:cNvGrpSpPr/>
-        <p:nvPr/>
-      </p:nvGrpSpPr>
-      <p:grpSpPr>
-        <a:xfrm>
-          <a:off x="0" y="0"/>
-          <a:ext cx="0" cy="0"/>
-          <a:chOff x="0" y="0"/>
-          <a:chExt cx="0" cy="0"/>
-        </a:xfrm>
-      </p:grpSpPr>
-      <p:pic>
-        <p:nvPicPr>
-          <p:cNvPr id="4" name="Picture 3"/>
-          <p:cNvPicPr>
-            <a:picLocks noChangeAspect="1"/>
-          </p:cNvPicPr>
-          <p:nvPr/>
-        </p:nvPicPr>
-        <p:blipFill>
-          <a:blip r:embed="rId2"/>
-          <a:stretch>
-            <a:fillRect/>
-          </a:stretch>
-        </p:blipFill>
-        <p:spPr>
-          <a:xfrm>
-            <a:off x="299424" y="1235595"/>
-            <a:ext cx="8725047" cy="4481718"/>
-          </a:xfrm>
-          <a:prstGeom prst="rect">
-            <a:avLst/>
-          </a:prstGeom>
-        </p:spPr>
-      </p:pic>
-      <p:sp>
-        <p:nvSpPr>
-          <p:cNvPr id="3" name="Title 1"/>
-          <p:cNvSpPr>
-            <a:spLocks noGrp="1"/>
-          </p:cNvSpPr>
-          <p:nvPr>
-            <p:ph type="title"/>
-          </p:nvPr>
-        </p:nvSpPr>
-        <p:spPr>
-          <a:xfrm>
-            <a:off x="457199" y="274638"/>
-            <a:ext cx="8567271" cy="779140"/>
-          </a:xfrm>
-        </p:spPr>
-        <p:txBody>
-          <a:bodyPr/>
-          <a:lstStyle/>
-          <a:p>
-            <a:r>
-              <a:rPr lang="en-US" dirty="0" smtClean="0"/>
-              <a:t>DARE </a:t>
-            </a:r>
-            <a:r>
-              <a:rPr lang="en-US" dirty="0" smtClean="0"/>
-              <a:t>UML</a:t>
-            </a:r>
-            <a:endParaRPr lang="en-US" dirty="0"/>
-          </a:p>
-        </p:txBody>
-      </p:sp>
-    </p:spTree>
-    <p:extLst>
-      <p:ext uri="{BB962C8B-B14F-4D97-AF65-F5344CB8AC3E}">
-        <p14:creationId xmlns:p14="http://schemas.microsoft.com/office/powerpoint/2010/main" val="618364089"/>
-      </p:ext>
-    </p:extLst>
-  </p:cSld>
-  <p:clrMapOvr>
-    <a:masterClrMapping/>
-  </p:clrMapOvr>
-</p:sld>
-</file>
-
-<file path=ppt/slides/slide7.xml><?xml version="1.0" encoding="utf-8"?>
-<p:sld xmlns:a="http://schemas.openxmlformats.org/drawingml/2006/main" xmlns:r="http://schemas.openxmlformats.org/officeDocument/2006/relationships" xmlns:p="http://schemas.openxmlformats.org/presentationml/2006/main">
-  <p:cSld>
-    <p:spTree>
-      <p:nvGrpSpPr>
-        <p:cNvPr id="1" name=""/>
-        <p:cNvGrpSpPr/>
-        <p:nvPr/>
-      </p:nvGrpSpPr>
-      <p:grpSpPr>
-        <a:xfrm>
-          <a:off x="0" y="0"/>
-          <a:ext cx="0" cy="0"/>
-          <a:chOff x="0" y="0"/>
-          <a:chExt cx="0" cy="0"/>
-        </a:xfrm>
-      </p:grpSpPr>
-      <p:sp>
-        <p:nvSpPr>
-          <p:cNvPr id="3" name="Content Placeholder 2"/>
-          <p:cNvSpPr>
-            <a:spLocks noGrp="1"/>
-          </p:cNvSpPr>
-          <p:nvPr>
-            <p:ph idx="1"/>
-          </p:nvPr>
-        </p:nvSpPr>
-        <p:spPr>
-          <a:xfrm>
-            <a:off x="300747" y="1450974"/>
-            <a:ext cx="4055353" cy="4835526"/>
-          </a:xfrm>
-        </p:spPr>
-        <p:txBody>
-          <a:bodyPr>
-            <a:noAutofit/>
-          </a:bodyPr>
-          <a:lstStyle/>
-          <a:p>
-            <a:r>
-              <a:rPr lang="en-US" sz="1700" dirty="0" smtClean="0"/>
-              <a:t>Most software is associated with specific sequencing instruments</a:t>
-            </a:r>
-          </a:p>
-          <a:p>
-            <a:pPr lvl="1"/>
-            <a:r>
-              <a:rPr lang="en-US" sz="1700" dirty="0" smtClean="0"/>
-              <a:t>Multi-stage, but focus on alignment/mapping</a:t>
-            </a:r>
-          </a:p>
-          <a:p>
-            <a:r>
-              <a:rPr lang="en-US" sz="1700" dirty="0" smtClean="0"/>
-              <a:t>Data types:</a:t>
-            </a:r>
-          </a:p>
-          <a:p>
-            <a:pPr lvl="1"/>
-            <a:r>
-              <a:rPr lang="en-US" sz="1700" dirty="0" smtClean="0"/>
-              <a:t>Short read  </a:t>
-            </a:r>
-            <a:r>
-              <a:rPr lang="en-US" sz="1700" dirty="0" smtClean="0"/>
-              <a:t>data(Dynamic)</a:t>
-            </a:r>
-            <a:endParaRPr lang="en-US" sz="1700" dirty="0" smtClean="0"/>
-          </a:p>
-          <a:p>
-            <a:pPr lvl="1"/>
-            <a:r>
-              <a:rPr lang="en-US" sz="1700" dirty="0" smtClean="0"/>
-              <a:t>Reference Index </a:t>
-            </a:r>
-            <a:r>
-              <a:rPr lang="en-US" sz="1700" dirty="0" smtClean="0"/>
-              <a:t>data(Static)</a:t>
-            </a:r>
-            <a:endParaRPr lang="en-US" sz="1700" dirty="0" smtClean="0"/>
-          </a:p>
-          <a:p>
-            <a:r>
-              <a:rPr lang="en-US" sz="1700" dirty="0" smtClean="0"/>
-              <a:t>Relative </a:t>
-            </a:r>
-            <a:r>
-              <a:rPr lang="en-US" sz="1700" dirty="0" smtClean="0"/>
-              <a:t>to other alignments programs, </a:t>
-            </a:r>
-            <a:r>
-              <a:rPr lang="en-US" sz="1700" dirty="0" smtClean="0"/>
-              <a:t>BFAST </a:t>
-            </a:r>
-            <a:r>
-              <a:rPr lang="en-US" sz="1700" dirty="0" smtClean="0"/>
-              <a:t>has:		</a:t>
-            </a:r>
-          </a:p>
-          <a:p>
-            <a:pPr lvl="1"/>
-            <a:r>
-              <a:rPr lang="en-US" sz="1700" dirty="0" smtClean="0"/>
-              <a:t>higher sensitivity</a:t>
-            </a:r>
-          </a:p>
-          <a:p>
-            <a:pPr lvl="1"/>
-            <a:r>
-              <a:rPr lang="en-US" sz="1700" dirty="0" smtClean="0"/>
-              <a:t>large memory and disk </a:t>
-            </a:r>
-            <a:r>
-              <a:rPr lang="en-US" sz="1700" dirty="0" smtClean="0"/>
-              <a:t>requirements</a:t>
-            </a:r>
-            <a:endParaRPr lang="en-US" sz="1700" dirty="0" smtClean="0"/>
-          </a:p>
-          <a:p>
-            <a:endParaRPr lang="en-US" sz="1700" dirty="0" smtClean="0"/>
-          </a:p>
-        </p:txBody>
-      </p:sp>
-      <p:pic>
-        <p:nvPicPr>
-          <p:cNvPr id="6" name="Picture 5" descr="workflow.png"/>
-          <p:cNvPicPr>
-            <a:picLocks noChangeAspect="1"/>
-          </p:cNvPicPr>
-          <p:nvPr/>
-        </p:nvPicPr>
-        <p:blipFill>
-          <a:blip r:embed="rId2">
-            <a:extLst>
-              <a:ext uri="{28A0092B-C50C-407E-A947-70E740481C1C}">
-                <a14:useLocalDpi xmlns:a14="http://schemas.microsoft.com/office/drawing/2010/main"/>
-              </a:ext>
-            </a:extLst>
-          </a:blip>
-          <a:stretch>
-            <a:fillRect/>
-          </a:stretch>
-        </p:blipFill>
-        <p:spPr>
-          <a:xfrm>
-            <a:off x="4633359" y="1574800"/>
-            <a:ext cx="4510641" cy="3924300"/>
-          </a:xfrm>
-          <a:prstGeom prst="rect">
-            <a:avLst/>
-          </a:prstGeom>
-          <a:ln/>
-        </p:spPr>
-        <p:style>
-          <a:lnRef idx="2">
-            <a:schemeClr val="accent2">
-              <a:shade val="50000"/>
-            </a:schemeClr>
-          </a:lnRef>
-          <a:fillRef idx="1">
-            <a:schemeClr val="accent2"/>
-          </a:fillRef>
-          <a:effectRef idx="0">
-            <a:schemeClr val="accent2"/>
-          </a:effectRef>
-          <a:fontRef idx="minor">
-            <a:schemeClr val="lt1"/>
-          </a:fontRef>
-        </p:style>
-      </p:pic>
-      <p:sp>
-        <p:nvSpPr>
-          <p:cNvPr id="4" name="Title 3"/>
-          <p:cNvSpPr>
-            <a:spLocks noGrp="1"/>
-          </p:cNvSpPr>
-          <p:nvPr>
-            <p:ph type="title"/>
-          </p:nvPr>
-        </p:nvSpPr>
-        <p:spPr/>
-        <p:txBody>
-          <a:bodyPr/>
-          <a:lstStyle/>
-          <a:p>
-            <a:r>
-              <a:rPr lang="en-US" dirty="0" smtClean="0"/>
-              <a:t>BFAST Using DARE</a:t>
-            </a:r>
-            <a:endParaRPr lang="en-US" dirty="0"/>
-          </a:p>
-        </p:txBody>
-      </p:sp>
-    </p:spTree>
-    <p:extLst>
-      <p:ext uri="{BB962C8B-B14F-4D97-AF65-F5344CB8AC3E}">
-        <p14:creationId xmlns:p14="http://schemas.microsoft.com/office/powerpoint/2010/main" val="2331190039"/>
-      </p:ext>
-    </p:extLst>
-  </p:cSld>
-  <p:clrMapOvr>
-    <a:masterClrMapping/>
-  </p:clrMapOvr>
-  <p:timing>
-    <p:tnLst>
-      <p:par>
-        <p:cTn xmlns:p14="http://schemas.microsoft.com/office/powerpoint/2010/main" id="1" dur="indefinite" restart="never" nodeType="tmRoot">
-          <p:childTnLst>
-            <p:seq concurrent="1" nextAc="seek">
-              <p:cTn id="2" dur="indefinite" nodeType="mainSeq">
-                <p:childTnLst>
-                  <p:par>
-                    <p:cTn id="3" fill="hold">
-                      <p:stCondLst>
-                        <p:cond delay="indefinite"/>
-                        <p:cond evt="onBegin" delay="0">
-                          <p:tn val="2"/>
-                        </p:cond>
-                      </p:stCondLst>
-                      <p:childTnLst>
-                        <p:par>
-                          <p:cTn id="4" fill="hold">
-                            <p:stCondLst>
-                              <p:cond delay="0"/>
-                            </p:stCondLst>
-                            <p:childTnLst>
-                              <p:par>
-                                <p:cTn id="5" presetID="2" presetClass="entr" presetSubtype="4" fill="hold" nodeType="withEffect">
-                                  <p:stCondLst>
-                                    <p:cond delay="0"/>
-                                  </p:stCondLst>
-                                  <p:childTnLst>
-                                    <p:set>
-                                      <p:cBhvr>
-                                        <p:cTn id="6" dur="1" fill="hold">
-                                          <p:stCondLst>
-                                            <p:cond delay="0"/>
-                                          </p:stCondLst>
-                                        </p:cTn>
-                                        <p:tgtEl>
-                                          <p:spTgt spid="6"/>
-                                        </p:tgtEl>
-                                        <p:attrNameLst>
-                                          <p:attrName>style.visibility</p:attrName>
-                                        </p:attrNameLst>
-                                      </p:cBhvr>
-                                      <p:to>
-                                        <p:strVal val="visible"/>
-                                      </p:to>
-                                    </p:set>
-                                    <p:anim calcmode="lin" valueType="num">
-                                      <p:cBhvr additive="base">
-                                        <p:cTn id="7" dur="500" fill="hold"/>
-                                        <p:tgtEl>
-                                          <p:spTgt spid="6"/>
-                                        </p:tgtEl>
-                                        <p:attrNameLst>
-                                          <p:attrName>ppt_x</p:attrName>
-                                        </p:attrNameLst>
-                                      </p:cBhvr>
-                                      <p:tavLst>
-                                        <p:tav tm="0">
-                                          <p:val>
-                                            <p:strVal val="#ppt_x"/>
-                                          </p:val>
-                                        </p:tav>
-                                        <p:tav tm="100000">
-                                          <p:val>
-                                            <p:strVal val="#ppt_x"/>
-                                          </p:val>
-                                        </p:tav>
-                                      </p:tavLst>
-                                    </p:anim>
-                                    <p:anim calcmode="lin" valueType="num">
-                                      <p:cBhvr additive="base">
-                                        <p:cTn id="8" dur="500" fill="hold"/>
-                                        <p:tgtEl>
-                                          <p:spTgt spid="6"/>
-                                        </p:tgtEl>
-                                        <p:attrNameLst>
-                                          <p:attrName>ppt_y</p:attrName>
-                                        </p:attrNameLst>
-                                      </p:cBhvr>
-                                      <p:tavLst>
-                                        <p:tav tm="0">
-                                          <p:val>
-                                            <p:strVal val="1+#ppt_h/2"/>
-                                          </p:val>
-                                        </p:tav>
-                                        <p:tav tm="100000">
-                                          <p:val>
-                                            <p:strVal val="#ppt_y"/>
-                                          </p:val>
-                                        </p:tav>
-                                      </p:tavLst>
-                                    </p:anim>
-                                  </p:childTnLst>
-                                </p:cTn>
-                              </p:par>
-                            </p:childTnLst>
-                          </p:cTn>
-                        </p:par>
-                      </p:childTnLst>
-                    </p:cTn>
-                  </p:par>
-                </p:childTnLst>
-              </p:cTn>
-              <p:prevCondLst>
-                <p:cond evt="onPrev" delay="0">
-                  <p:tgtEl>
-                    <p:sldTgt/>
-                  </p:tgtEl>
-                </p:cond>
-              </p:prevCondLst>
-              <p:nextCondLst>
-                <p:cond evt="onNext" delay="0">
-                  <p:tgtEl>
-                    <p:sldTgt/>
-                  </p:tgtEl>
-                </p:cond>
-              </p:nextCondLst>
-            </p:seq>
-          </p:childTnLst>
-        </p:cTn>
-      </p:par>
-    </p:tnLst>
-  </p:timing>
-</p:sld>
-</file>
-
-<file path=ppt/slides/slide8.xml><?xml version="1.0" encoding="utf-8"?>
-<p:sld xmlns:a="http://schemas.openxmlformats.org/drawingml/2006/main" xmlns:r="http://schemas.openxmlformats.org/officeDocument/2006/relationships" xmlns:p="http://schemas.openxmlformats.org/presentationml/2006/main">
-  <p:cSld>
-    <p:spTree>
-      <p:nvGrpSpPr>
-        <p:cNvPr id="1" name=""/>
-        <p:cNvGrpSpPr/>
-        <p:nvPr/>
-      </p:nvGrpSpPr>
-      <p:grpSpPr>
-        <a:xfrm>
-          <a:off x="0" y="0"/>
-          <a:ext cx="0" cy="0"/>
-          <a:chOff x="0" y="0"/>
-          <a:chExt cx="0" cy="0"/>
-        </a:xfrm>
-      </p:grpSpPr>
       <p:sp>
         <p:nvSpPr>
           <p:cNvPr id="2" name="Title 1"/>
@@ -4936,37 +4664,22 @@
             <a:pPr lvl="1"/>
             <a:r>
               <a:rPr lang="en-US" sz="1700" dirty="0" smtClean="0"/>
-              <a:t>Access/Application </a:t>
-            </a:r>
+              <a:t>Access/Application Layer(L1,L2)</a:t>
+            </a:r>
+          </a:p>
+          <a:p>
+            <a:pPr lvl="1"/>
             <a:r>
               <a:rPr lang="en-US" sz="1700" dirty="0" smtClean="0"/>
-              <a:t>Layer(L1,L2)</a:t>
-            </a:r>
-            <a:endParaRPr lang="en-US" sz="1700" dirty="0" smtClean="0"/>
+              <a:t>Services &amp; MW Layer(L3)</a:t>
+            </a:r>
           </a:p>
           <a:p>
             <a:pPr lvl="1"/>
             <a:r>
               <a:rPr lang="en-US" sz="1700" dirty="0" smtClean="0"/>
-              <a:t>Services &amp; MW </a:t>
-            </a:r>
-            <a:r>
-              <a:rPr lang="en-US" sz="1700" dirty="0" smtClean="0"/>
-              <a:t>Layer(L3)</a:t>
-            </a:r>
-            <a:endParaRPr lang="en-US" sz="1700" dirty="0" smtClean="0"/>
-          </a:p>
-          <a:p>
-            <a:pPr lvl="1"/>
-            <a:r>
-              <a:rPr lang="en-US" sz="1700" dirty="0" smtClean="0"/>
-              <a:t>Resource </a:t>
-            </a:r>
-            <a:r>
-              <a:rPr lang="en-US" sz="1700" dirty="0" smtClean="0"/>
-              <a:t>Layer(L4)</a:t>
-            </a:r>
-            <a:endParaRPr lang="en-US" sz="1700" dirty="0" smtClean="0"/>
+              <a:t>Resource Layer(L4)</a:t>
+            </a:r>
           </a:p>
           <a:p>
             <a:r>
@@ -5039,6 +4752,1041 @@
 </p:sld>
 </file>
 
+<file path=ppt/slides/slide16.xml><?xml version="1.0" encoding="utf-8"?>
+<p:sld xmlns:a="http://schemas.openxmlformats.org/drawingml/2006/main" xmlns:r="http://schemas.openxmlformats.org/officeDocument/2006/relationships" xmlns:p="http://schemas.openxmlformats.org/presentationml/2006/main">
+  <p:cSld>
+    <p:spTree>
+      <p:nvGrpSpPr>
+        <p:cNvPr id="1" name=""/>
+        <p:cNvGrpSpPr/>
+        <p:nvPr/>
+      </p:nvGrpSpPr>
+      <p:grpSpPr>
+        <a:xfrm>
+          <a:off x="0" y="0"/>
+          <a:ext cx="0" cy="0"/>
+          <a:chOff x="0" y="0"/>
+          <a:chExt cx="0" cy="0"/>
+        </a:xfrm>
+      </p:grpSpPr>
+      <p:sp>
+        <p:nvSpPr>
+          <p:cNvPr id="2" name="Title 1"/>
+          <p:cNvSpPr>
+            <a:spLocks noGrp="1"/>
+          </p:cNvSpPr>
+          <p:nvPr>
+            <p:ph type="title"/>
+          </p:nvPr>
+        </p:nvSpPr>
+        <p:spPr/>
+        <p:txBody>
+          <a:bodyPr>
+            <a:normAutofit/>
+          </a:bodyPr>
+          <a:lstStyle/>
+          <a:p>
+            <a:r>
+              <a:rPr lang="en-US" sz="2400" dirty="0" smtClean="0"/>
+              <a:t>NGS Analytics as a Service: </a:t>
+            </a:r>
+            <a:br>
+              <a:rPr lang="en-US" sz="2400" dirty="0" smtClean="0"/>
+            </a:br>
+            <a:endParaRPr lang="en-US" sz="2400" dirty="0"/>
+          </a:p>
+        </p:txBody>
+      </p:sp>
+      <p:sp>
+        <p:nvSpPr>
+          <p:cNvPr id="12" name="Content Placeholder 11"/>
+          <p:cNvSpPr>
+            <a:spLocks noGrp="1"/>
+          </p:cNvSpPr>
+          <p:nvPr>
+            <p:ph idx="1"/>
+          </p:nvPr>
+        </p:nvSpPr>
+        <p:spPr>
+          <a:xfrm>
+            <a:off x="300748" y="1263180"/>
+            <a:ext cx="8081252" cy="5277320"/>
+          </a:xfrm>
+        </p:spPr>
+        <p:txBody>
+          <a:bodyPr>
+            <a:normAutofit/>
+          </a:bodyPr>
+          <a:lstStyle/>
+          <a:p>
+            <a:pPr marL="0" indent="0">
+              <a:buNone/>
+            </a:pPr>
+            <a:r>
+              <a:rPr lang="en-US" dirty="0" smtClean="0"/>
+              <a:t>Some NGS specific challenges</a:t>
+            </a:r>
+          </a:p>
+          <a:p>
+            <a:pPr lvl="1"/>
+            <a:r>
+              <a:rPr lang="en-US" dirty="0" smtClean="0"/>
+              <a:t>Efficient Algorithm/tool/code selection</a:t>
+            </a:r>
+          </a:p>
+          <a:p>
+            <a:pPr lvl="1"/>
+            <a:r>
+              <a:rPr lang="en-US" dirty="0" smtClean="0"/>
+              <a:t>Efficient task scheduling and placement</a:t>
+            </a:r>
+          </a:p>
+          <a:p>
+            <a:pPr lvl="1"/>
+            <a:r>
+              <a:rPr lang="en-US" dirty="0" smtClean="0"/>
+              <a:t>Efficient Data transfer/scheduling</a:t>
+            </a:r>
+          </a:p>
+          <a:p>
+            <a:pPr lvl="2"/>
+            <a:r>
+              <a:rPr lang="en-US" dirty="0" smtClean="0"/>
+              <a:t>Transfer of Ref. genome index files:</a:t>
+            </a:r>
+          </a:p>
+          <a:p>
+            <a:pPr lvl="3"/>
+            <a:r>
+              <a:rPr lang="en-US" dirty="0" smtClean="0"/>
+              <a:t> O(hours) 130 GB(BFAST), </a:t>
+            </a:r>
+          </a:p>
+          <a:p>
+            <a:pPr lvl="2"/>
+            <a:r>
+              <a:rPr lang="en-US" dirty="0" smtClean="0"/>
+              <a:t>Transfer of Short read files: </a:t>
+            </a:r>
+          </a:p>
+          <a:p>
+            <a:pPr lvl="3"/>
+            <a:r>
+              <a:rPr lang="en-US" dirty="0" smtClean="0"/>
+              <a:t> O(</a:t>
+            </a:r>
+            <a:r>
+              <a:rPr lang="en-US" dirty="0" err="1" smtClean="0"/>
+              <a:t>mins</a:t>
+            </a:r>
+            <a:r>
+              <a:rPr lang="en-US" dirty="0" smtClean="0"/>
+              <a:t>) [L to QB] 10 GB</a:t>
+            </a:r>
+          </a:p>
+          <a:p>
+            <a:pPr>
+              <a:buNone/>
+            </a:pPr>
+            <a:endParaRPr lang="en-US" dirty="0"/>
+          </a:p>
+        </p:txBody>
+      </p:sp>
+    </p:spTree>
+    <p:extLst>
+      <p:ext uri="{BB962C8B-B14F-4D97-AF65-F5344CB8AC3E}">
+        <p14:creationId xmlns:p14="http://schemas.microsoft.com/office/powerpoint/2010/main" val="3812328938"/>
+      </p:ext>
+    </p:extLst>
+  </p:cSld>
+  <p:clrMapOvr>
+    <a:masterClrMapping/>
+  </p:clrMapOvr>
+  <p:timing>
+    <p:tnLst>
+      <p:par>
+        <p:cTn xmlns:p14="http://schemas.microsoft.com/office/powerpoint/2010/main" id="1" dur="indefinite" restart="never" nodeType="tmRoot"/>
+      </p:par>
+    </p:tnLst>
+  </p:timing>
+</p:sld>
+</file>
+
+<file path=ppt/slides/slide17.xml><?xml version="1.0" encoding="utf-8"?>
+<p:sld xmlns:a="http://schemas.openxmlformats.org/drawingml/2006/main" xmlns:r="http://schemas.openxmlformats.org/officeDocument/2006/relationships" xmlns:p="http://schemas.openxmlformats.org/presentationml/2006/main">
+  <p:cSld>
+    <p:spTree>
+      <p:nvGrpSpPr>
+        <p:cNvPr id="1" name=""/>
+        <p:cNvGrpSpPr/>
+        <p:nvPr/>
+      </p:nvGrpSpPr>
+      <p:grpSpPr>
+        <a:xfrm>
+          <a:off x="0" y="0"/>
+          <a:ext cx="0" cy="0"/>
+          <a:chOff x="0" y="0"/>
+          <a:chExt cx="0" cy="0"/>
+        </a:xfrm>
+      </p:grpSpPr>
+      <p:sp>
+        <p:nvSpPr>
+          <p:cNvPr id="2" name="Title 1"/>
+          <p:cNvSpPr>
+            <a:spLocks noGrp="1"/>
+          </p:cNvSpPr>
+          <p:nvPr>
+            <p:ph type="title"/>
+          </p:nvPr>
+        </p:nvSpPr>
+        <p:spPr/>
+        <p:txBody>
+          <a:bodyPr/>
+          <a:lstStyle/>
+          <a:p>
+            <a:r>
+              <a:rPr lang="en-US" dirty="0" smtClean="0"/>
+              <a:t>Conclusions &amp; Future work</a:t>
+            </a:r>
+            <a:endParaRPr lang="en-US" dirty="0"/>
+          </a:p>
+        </p:txBody>
+      </p:sp>
+      <p:sp>
+        <p:nvSpPr>
+          <p:cNvPr id="3" name="Content Placeholder 2"/>
+          <p:cNvSpPr>
+            <a:spLocks noGrp="1"/>
+          </p:cNvSpPr>
+          <p:nvPr>
+            <p:ph idx="1"/>
+          </p:nvPr>
+        </p:nvSpPr>
+        <p:spPr/>
+        <p:txBody>
+          <a:bodyPr>
+            <a:normAutofit fontScale="85000" lnSpcReduction="20000"/>
+          </a:bodyPr>
+          <a:lstStyle/>
+          <a:p>
+            <a:r>
+              <a:rPr lang="en-US" dirty="0"/>
+              <a:t>Security</a:t>
+            </a:r>
+          </a:p>
+          <a:p>
+            <a:pPr marL="0" indent="0">
+              <a:buNone/>
+            </a:pPr>
+            <a:endParaRPr lang="en-US" dirty="0" smtClean="0"/>
+          </a:p>
+          <a:p>
+            <a:r>
+              <a:rPr lang="en-US" dirty="0" smtClean="0"/>
+              <a:t>Life Science Applications – compute and data intensive present broad range of challenges at scale</a:t>
+            </a:r>
+          </a:p>
+          <a:p>
+            <a:pPr lvl="1"/>
+            <a:r>
+              <a:rPr lang="en-US" dirty="0" smtClean="0"/>
+              <a:t>Using BFAST </a:t>
+            </a:r>
+            <a:r>
+              <a:rPr lang="en-US" dirty="0"/>
+              <a:t>o</a:t>
+            </a:r>
+            <a:r>
+              <a:rPr lang="en-US" dirty="0" smtClean="0"/>
+              <a:t>n  production DCI</a:t>
+            </a:r>
+          </a:p>
+          <a:p>
+            <a:pPr lvl="1"/>
+            <a:r>
+              <a:rPr lang="en-US" dirty="0" smtClean="0"/>
+              <a:t>What are the CI challenges of NGS Analytics?</a:t>
+            </a:r>
+          </a:p>
+          <a:p>
+            <a:pPr lvl="2"/>
+            <a:r>
+              <a:rPr lang="en-US" dirty="0" smtClean="0"/>
+              <a:t>Exploring HTC, HPC-grids and Clouds</a:t>
+            </a:r>
+          </a:p>
+          <a:p>
+            <a:r>
+              <a:rPr lang="en-US" dirty="0" smtClean="0"/>
+              <a:t>DARE-based Gateway</a:t>
+            </a:r>
+          </a:p>
+          <a:p>
+            <a:pPr lvl="1"/>
+            <a:r>
+              <a:rPr lang="en-US" dirty="0" smtClean="0"/>
+              <a:t>Extensions to abstractions for dynamic execution and data</a:t>
+            </a:r>
+          </a:p>
+          <a:p>
+            <a:pPr lvl="1"/>
+            <a:r>
+              <a:rPr lang="en-US" dirty="0" smtClean="0"/>
+              <a:t>Need for community provided solution on XD and other production DCI</a:t>
+            </a:r>
+          </a:p>
+          <a:p>
+            <a:pPr lvl="1"/>
+            <a:r>
+              <a:rPr lang="en-US" dirty="0" smtClean="0"/>
+              <a:t>Challenges remain in the scalable provisioning</a:t>
+            </a:r>
+          </a:p>
+        </p:txBody>
+      </p:sp>
+    </p:spTree>
+    <p:extLst>
+      <p:ext uri="{BB962C8B-B14F-4D97-AF65-F5344CB8AC3E}">
+        <p14:creationId xmlns:p14="http://schemas.microsoft.com/office/powerpoint/2010/main" val="2013374583"/>
+      </p:ext>
+    </p:extLst>
+  </p:cSld>
+  <p:clrMapOvr>
+    <a:masterClrMapping/>
+  </p:clrMapOvr>
+  <p:timing>
+    <p:tnLst>
+      <p:par>
+        <p:cTn xmlns:p14="http://schemas.microsoft.com/office/powerpoint/2010/main" id="1" dur="indefinite" restart="never" nodeType="tmRoot"/>
+      </p:par>
+    </p:tnLst>
+  </p:timing>
+</p:sld>
+</file>
+
+<file path=ppt/slides/slide2.xml><?xml version="1.0" encoding="utf-8"?>
+<p:sld xmlns:a="http://schemas.openxmlformats.org/drawingml/2006/main" xmlns:r="http://schemas.openxmlformats.org/officeDocument/2006/relationships" xmlns:p="http://schemas.openxmlformats.org/presentationml/2006/main">
+  <p:cSld>
+    <p:spTree>
+      <p:nvGrpSpPr>
+        <p:cNvPr id="1" name=""/>
+        <p:cNvGrpSpPr/>
+        <p:nvPr/>
+      </p:nvGrpSpPr>
+      <p:grpSpPr>
+        <a:xfrm>
+          <a:off x="0" y="0"/>
+          <a:ext cx="0" cy="0"/>
+          <a:chOff x="0" y="0"/>
+          <a:chExt cx="0" cy="0"/>
+        </a:xfrm>
+      </p:grpSpPr>
+      <p:sp>
+        <p:nvSpPr>
+          <p:cNvPr id="2" name="Title 1"/>
+          <p:cNvSpPr>
+            <a:spLocks noGrp="1"/>
+          </p:cNvSpPr>
+          <p:nvPr>
+            <p:ph type="title"/>
+          </p:nvPr>
+        </p:nvSpPr>
+        <p:spPr/>
+        <p:txBody>
+          <a:bodyPr/>
+          <a:lstStyle/>
+          <a:p>
+            <a:r>
+              <a:rPr lang="en-US" dirty="0" smtClean="0"/>
+              <a:t>Contents</a:t>
+            </a:r>
+            <a:endParaRPr lang="en-US" dirty="0"/>
+          </a:p>
+        </p:txBody>
+      </p:sp>
+      <p:sp>
+        <p:nvSpPr>
+          <p:cNvPr id="3" name="Content Placeholder 2"/>
+          <p:cNvSpPr>
+            <a:spLocks noGrp="1"/>
+          </p:cNvSpPr>
+          <p:nvPr>
+            <p:ph idx="1"/>
+          </p:nvPr>
+        </p:nvSpPr>
+        <p:spPr/>
+        <p:txBody>
+          <a:bodyPr/>
+          <a:lstStyle/>
+          <a:p>
+            <a:r>
+              <a:rPr lang="en-US" dirty="0" smtClean="0"/>
+              <a:t>Introduction to DARE</a:t>
+            </a:r>
+          </a:p>
+          <a:p>
+            <a:r>
+              <a:rPr lang="en-US" dirty="0" smtClean="0"/>
+              <a:t>Example using DARE</a:t>
+            </a:r>
+          </a:p>
+          <a:p>
+            <a:r>
+              <a:rPr lang="en-US" dirty="0" smtClean="0"/>
+              <a:t>DARE Based Gateways</a:t>
+            </a:r>
+          </a:p>
+          <a:p>
+            <a:r>
+              <a:rPr lang="en-US" dirty="0" smtClean="0"/>
+              <a:t>DARE-NGS</a:t>
+            </a:r>
+          </a:p>
+          <a:p>
+            <a:r>
+              <a:rPr lang="en-US" dirty="0" smtClean="0"/>
+              <a:t>Demo</a:t>
+            </a:r>
+            <a:endParaRPr lang="en-US" dirty="0"/>
+          </a:p>
+        </p:txBody>
+      </p:sp>
+    </p:spTree>
+    <p:extLst>
+      <p:ext uri="{BB962C8B-B14F-4D97-AF65-F5344CB8AC3E}">
+        <p14:creationId xmlns:p14="http://schemas.microsoft.com/office/powerpoint/2010/main" val="3247901053"/>
+      </p:ext>
+    </p:extLst>
+  </p:cSld>
+  <p:clrMapOvr>
+    <a:masterClrMapping/>
+  </p:clrMapOvr>
+</p:sld>
+</file>
+
+<file path=ppt/slides/slide3.xml><?xml version="1.0" encoding="utf-8"?>
+<p:sld xmlns:a="http://schemas.openxmlformats.org/drawingml/2006/main" xmlns:r="http://schemas.openxmlformats.org/officeDocument/2006/relationships" xmlns:p="http://schemas.openxmlformats.org/presentationml/2006/main">
+  <p:cSld>
+    <p:spTree>
+      <p:nvGrpSpPr>
+        <p:cNvPr id="1" name=""/>
+        <p:cNvGrpSpPr/>
+        <p:nvPr/>
+      </p:nvGrpSpPr>
+      <p:grpSpPr>
+        <a:xfrm>
+          <a:off x="0" y="0"/>
+          <a:ext cx="0" cy="0"/>
+          <a:chOff x="0" y="0"/>
+          <a:chExt cx="0" cy="0"/>
+        </a:xfrm>
+      </p:grpSpPr>
+      <p:sp>
+        <p:nvSpPr>
+          <p:cNvPr id="2" name="Title 1"/>
+          <p:cNvSpPr>
+            <a:spLocks noGrp="1"/>
+          </p:cNvSpPr>
+          <p:nvPr>
+            <p:ph type="title"/>
+          </p:nvPr>
+        </p:nvSpPr>
+        <p:spPr/>
+        <p:txBody>
+          <a:bodyPr/>
+          <a:lstStyle/>
+          <a:p>
+            <a:r>
+              <a:rPr lang="en-US" dirty="0" smtClean="0"/>
+              <a:t>What is DARE?</a:t>
+            </a:r>
+            <a:endParaRPr lang="en-US" dirty="0"/>
+          </a:p>
+        </p:txBody>
+      </p:sp>
+      <p:sp>
+        <p:nvSpPr>
+          <p:cNvPr id="3" name="Content Placeholder 2"/>
+          <p:cNvSpPr>
+            <a:spLocks noGrp="1"/>
+          </p:cNvSpPr>
+          <p:nvPr>
+            <p:ph idx="1"/>
+          </p:nvPr>
+        </p:nvSpPr>
+        <p:spPr/>
+        <p:txBody>
+          <a:bodyPr/>
+          <a:lstStyle/>
+          <a:p>
+            <a:r>
+              <a:rPr lang="en-US" dirty="0" smtClean="0"/>
+              <a:t>Dynamic Application Runtime Environment</a:t>
+            </a:r>
+          </a:p>
+          <a:p>
+            <a:r>
+              <a:rPr lang="en-US" dirty="0" smtClean="0"/>
+              <a:t>A framework to support Distributed Scientific Applications</a:t>
+            </a:r>
+          </a:p>
+          <a:p>
+            <a:r>
+              <a:rPr lang="en-US" dirty="0" smtClean="0"/>
+              <a:t>Why?</a:t>
+            </a:r>
+          </a:p>
+          <a:p>
+            <a:pPr lvl="1"/>
+            <a:r>
+              <a:rPr lang="en-US" dirty="0" smtClean="0"/>
+              <a:t>Coordinate Compute and Data</a:t>
+            </a:r>
+          </a:p>
+          <a:p>
+            <a:pPr lvl="1"/>
+            <a:r>
+              <a:rPr lang="en-US" dirty="0" smtClean="0"/>
+              <a:t>Distributed scalable heterogeneous resources</a:t>
+            </a:r>
+          </a:p>
+          <a:p>
+            <a:pPr lvl="1"/>
+            <a:r>
+              <a:rPr lang="en-US" dirty="0" smtClean="0"/>
+              <a:t>Using the </a:t>
+            </a:r>
+            <a:r>
+              <a:rPr lang="en-US" dirty="0"/>
+              <a:t>e</a:t>
+            </a:r>
+            <a:r>
+              <a:rPr lang="en-US" dirty="0" smtClean="0"/>
+              <a:t>xisting resource information</a:t>
+            </a:r>
+          </a:p>
+          <a:p>
+            <a:pPr lvl="1"/>
+            <a:r>
+              <a:rPr lang="en-US" dirty="0" smtClean="0"/>
+              <a:t>Build dynamic applications / workflows</a:t>
+            </a:r>
+          </a:p>
+          <a:p>
+            <a:pPr lvl="1"/>
+            <a:endParaRPr lang="en-US" dirty="0" smtClean="0"/>
+          </a:p>
+        </p:txBody>
+      </p:sp>
+    </p:spTree>
+    <p:extLst>
+      <p:ext uri="{BB962C8B-B14F-4D97-AF65-F5344CB8AC3E}">
+        <p14:creationId xmlns:p14="http://schemas.microsoft.com/office/powerpoint/2010/main" val="1401030162"/>
+      </p:ext>
+    </p:extLst>
+  </p:cSld>
+  <p:clrMapOvr>
+    <a:masterClrMapping/>
+  </p:clrMapOvr>
+</p:sld>
+</file>
+
+<file path=ppt/slides/slide4.xml><?xml version="1.0" encoding="utf-8"?>
+<p:sld xmlns:a="http://schemas.openxmlformats.org/drawingml/2006/main" xmlns:r="http://schemas.openxmlformats.org/officeDocument/2006/relationships" xmlns:p="http://schemas.openxmlformats.org/presentationml/2006/main">
+  <p:cSld>
+    <p:spTree>
+      <p:nvGrpSpPr>
+        <p:cNvPr id="1" name=""/>
+        <p:cNvGrpSpPr/>
+        <p:nvPr/>
+      </p:nvGrpSpPr>
+      <p:grpSpPr>
+        <a:xfrm>
+          <a:off x="0" y="0"/>
+          <a:ext cx="0" cy="0"/>
+          <a:chOff x="0" y="0"/>
+          <a:chExt cx="0" cy="0"/>
+        </a:xfrm>
+      </p:grpSpPr>
+      <p:sp>
+        <p:nvSpPr>
+          <p:cNvPr id="2" name="Title 1"/>
+          <p:cNvSpPr>
+            <a:spLocks noGrp="1"/>
+          </p:cNvSpPr>
+          <p:nvPr>
+            <p:ph type="title"/>
+          </p:nvPr>
+        </p:nvSpPr>
+        <p:spPr>
+          <a:xfrm>
+            <a:off x="457200" y="0"/>
+            <a:ext cx="8229600" cy="767229"/>
+          </a:xfrm>
+        </p:spPr>
+        <p:txBody>
+          <a:bodyPr/>
+          <a:lstStyle/>
+          <a:p>
+            <a:r>
+              <a:rPr lang="en-US" dirty="0" smtClean="0"/>
+              <a:t>DARE </a:t>
+            </a:r>
+            <a:endParaRPr lang="en-US" dirty="0"/>
+          </a:p>
+        </p:txBody>
+      </p:sp>
+      <p:pic>
+        <p:nvPicPr>
+          <p:cNvPr id="4" name="Picture 3"/>
+          <p:cNvPicPr>
+            <a:picLocks noChangeAspect="1"/>
+          </p:cNvPicPr>
+          <p:nvPr/>
+        </p:nvPicPr>
+        <p:blipFill>
+          <a:blip r:embed="rId2"/>
+          <a:stretch>
+            <a:fillRect/>
+          </a:stretch>
+        </p:blipFill>
+        <p:spPr>
+          <a:xfrm>
+            <a:off x="1282700" y="767229"/>
+            <a:ext cx="6807200" cy="5715226"/>
+          </a:xfrm>
+          <a:prstGeom prst="rect">
+            <a:avLst/>
+          </a:prstGeom>
+        </p:spPr>
+      </p:pic>
+    </p:spTree>
+    <p:extLst>
+      <p:ext uri="{BB962C8B-B14F-4D97-AF65-F5344CB8AC3E}">
+        <p14:creationId xmlns:p14="http://schemas.microsoft.com/office/powerpoint/2010/main" val="2857508455"/>
+      </p:ext>
+    </p:extLst>
+  </p:cSld>
+  <p:clrMapOvr>
+    <a:masterClrMapping/>
+  </p:clrMapOvr>
+</p:sld>
+</file>
+
+<file path=ppt/slides/slide5.xml><?xml version="1.0" encoding="utf-8"?>
+<p:sld xmlns:a="http://schemas.openxmlformats.org/drawingml/2006/main" xmlns:r="http://schemas.openxmlformats.org/officeDocument/2006/relationships" xmlns:p="http://schemas.openxmlformats.org/presentationml/2006/main">
+  <p:cSld>
+    <p:spTree>
+      <p:nvGrpSpPr>
+        <p:cNvPr id="1" name=""/>
+        <p:cNvGrpSpPr/>
+        <p:nvPr/>
+      </p:nvGrpSpPr>
+      <p:grpSpPr>
+        <a:xfrm>
+          <a:off x="0" y="0"/>
+          <a:ext cx="0" cy="0"/>
+          <a:chOff x="0" y="0"/>
+          <a:chExt cx="0" cy="0"/>
+        </a:xfrm>
+      </p:grpSpPr>
+      <p:sp>
+        <p:nvSpPr>
+          <p:cNvPr id="2" name="Title 1"/>
+          <p:cNvSpPr>
+            <a:spLocks noGrp="1"/>
+          </p:cNvSpPr>
+          <p:nvPr>
+            <p:ph type="title"/>
+          </p:nvPr>
+        </p:nvSpPr>
+        <p:spPr/>
+        <p:txBody>
+          <a:bodyPr/>
+          <a:lstStyle/>
+          <a:p>
+            <a:r>
+              <a:rPr lang="en-US" dirty="0" smtClean="0"/>
+              <a:t>What is in DARE ?</a:t>
+            </a:r>
+            <a:endParaRPr lang="en-US" dirty="0"/>
+          </a:p>
+        </p:txBody>
+      </p:sp>
+      <p:sp>
+        <p:nvSpPr>
+          <p:cNvPr id="3" name="Content Placeholder 2"/>
+          <p:cNvSpPr>
+            <a:spLocks noGrp="1"/>
+          </p:cNvSpPr>
+          <p:nvPr>
+            <p:ph idx="1"/>
+          </p:nvPr>
+        </p:nvSpPr>
+        <p:spPr/>
+        <p:txBody>
+          <a:bodyPr/>
+          <a:lstStyle/>
+          <a:p>
+            <a:r>
+              <a:rPr lang="en-US" dirty="0" smtClean="0"/>
+              <a:t>Components of DARE</a:t>
+            </a:r>
+          </a:p>
+          <a:p>
+            <a:pPr lvl="1"/>
+            <a:r>
+              <a:rPr lang="en-US" dirty="0" smtClean="0"/>
+              <a:t>Compute Engine</a:t>
+            </a:r>
+          </a:p>
+          <a:p>
+            <a:pPr lvl="1"/>
+            <a:r>
+              <a:rPr lang="en-US" dirty="0" smtClean="0"/>
+              <a:t>Data Movement Engine</a:t>
+            </a:r>
+          </a:p>
+          <a:p>
+            <a:pPr lvl="1"/>
+            <a:r>
+              <a:rPr lang="en-US" dirty="0" smtClean="0"/>
+              <a:t>Configuration File parser/Writer/Validator (Data Dictionary)</a:t>
+            </a:r>
+          </a:p>
+          <a:p>
+            <a:pPr lvl="1"/>
+            <a:r>
+              <a:rPr lang="en-US" dirty="0"/>
+              <a:t>Update Status </a:t>
+            </a:r>
+            <a:r>
+              <a:rPr lang="en-US" dirty="0" smtClean="0"/>
+              <a:t>to Database(Web DB)</a:t>
+            </a:r>
+          </a:p>
+          <a:p>
+            <a:pPr lvl="1"/>
+            <a:r>
+              <a:rPr lang="en-US" dirty="0" smtClean="0"/>
+              <a:t>Manager</a:t>
+            </a:r>
+            <a:endParaRPr lang="en-US" dirty="0"/>
+          </a:p>
+          <a:p>
+            <a:pPr marL="457200" lvl="1" indent="0">
+              <a:buNone/>
+            </a:pPr>
+            <a:endParaRPr lang="en-US" dirty="0"/>
+          </a:p>
+        </p:txBody>
+      </p:sp>
+    </p:spTree>
+    <p:extLst>
+      <p:ext uri="{BB962C8B-B14F-4D97-AF65-F5344CB8AC3E}">
+        <p14:creationId xmlns:p14="http://schemas.microsoft.com/office/powerpoint/2010/main" val="3553787091"/>
+      </p:ext>
+    </p:extLst>
+  </p:cSld>
+  <p:clrMapOvr>
+    <a:masterClrMapping/>
+  </p:clrMapOvr>
+</p:sld>
+</file>
+
+<file path=ppt/slides/slide6.xml><?xml version="1.0" encoding="utf-8"?>
+<p:sld xmlns:a="http://schemas.openxmlformats.org/drawingml/2006/main" xmlns:r="http://schemas.openxmlformats.org/officeDocument/2006/relationships" xmlns:p="http://schemas.openxmlformats.org/presentationml/2006/main">
+  <p:cSld>
+    <p:spTree>
+      <p:nvGrpSpPr>
+        <p:cNvPr id="1" name=""/>
+        <p:cNvGrpSpPr/>
+        <p:nvPr/>
+      </p:nvGrpSpPr>
+      <p:grpSpPr>
+        <a:xfrm>
+          <a:off x="0" y="0"/>
+          <a:ext cx="0" cy="0"/>
+          <a:chOff x="0" y="0"/>
+          <a:chExt cx="0" cy="0"/>
+        </a:xfrm>
+      </p:grpSpPr>
+      <p:pic>
+        <p:nvPicPr>
+          <p:cNvPr id="6" name="Picture 5"/>
+          <p:cNvPicPr>
+            <a:picLocks noChangeAspect="1"/>
+          </p:cNvPicPr>
+          <p:nvPr/>
+        </p:nvPicPr>
+        <p:blipFill>
+          <a:blip r:embed="rId2"/>
+          <a:stretch>
+            <a:fillRect/>
+          </a:stretch>
+        </p:blipFill>
+        <p:spPr>
+          <a:xfrm>
+            <a:off x="1143000" y="1053778"/>
+            <a:ext cx="6858000" cy="5448622"/>
+          </a:xfrm>
+          <a:prstGeom prst="rect">
+            <a:avLst/>
+          </a:prstGeom>
+        </p:spPr>
+      </p:pic>
+      <p:sp>
+        <p:nvSpPr>
+          <p:cNvPr id="8" name="Title 1"/>
+          <p:cNvSpPr>
+            <a:spLocks noGrp="1"/>
+          </p:cNvSpPr>
+          <p:nvPr>
+            <p:ph type="title"/>
+          </p:nvPr>
+        </p:nvSpPr>
+        <p:spPr>
+          <a:xfrm>
+            <a:off x="457199" y="274638"/>
+            <a:ext cx="8567271" cy="779140"/>
+          </a:xfrm>
+        </p:spPr>
+        <p:txBody>
+          <a:bodyPr/>
+          <a:lstStyle/>
+          <a:p>
+            <a:r>
+              <a:rPr lang="en-US" dirty="0" smtClean="0"/>
+              <a:t>DARE Architecture</a:t>
+            </a:r>
+            <a:endParaRPr lang="en-US" dirty="0"/>
+          </a:p>
+        </p:txBody>
+      </p:sp>
+    </p:spTree>
+    <p:extLst>
+      <p:ext uri="{BB962C8B-B14F-4D97-AF65-F5344CB8AC3E}">
+        <p14:creationId xmlns:p14="http://schemas.microsoft.com/office/powerpoint/2010/main" val="2837673819"/>
+      </p:ext>
+    </p:extLst>
+  </p:cSld>
+  <p:clrMapOvr>
+    <a:masterClrMapping/>
+  </p:clrMapOvr>
+</p:sld>
+</file>
+
+<file path=ppt/slides/slide7.xml><?xml version="1.0" encoding="utf-8"?>
+<p:sld xmlns:a="http://schemas.openxmlformats.org/drawingml/2006/main" xmlns:r="http://schemas.openxmlformats.org/officeDocument/2006/relationships" xmlns:p="http://schemas.openxmlformats.org/presentationml/2006/main">
+  <p:cSld>
+    <p:spTree>
+      <p:nvGrpSpPr>
+        <p:cNvPr id="1" name=""/>
+        <p:cNvGrpSpPr/>
+        <p:nvPr/>
+      </p:nvGrpSpPr>
+      <p:grpSpPr>
+        <a:xfrm>
+          <a:off x="0" y="0"/>
+          <a:ext cx="0" cy="0"/>
+          <a:chOff x="0" y="0"/>
+          <a:chExt cx="0" cy="0"/>
+        </a:xfrm>
+      </p:grpSpPr>
+      <p:pic>
+        <p:nvPicPr>
+          <p:cNvPr id="4" name="Picture 3"/>
+          <p:cNvPicPr>
+            <a:picLocks noChangeAspect="1"/>
+          </p:cNvPicPr>
+          <p:nvPr/>
+        </p:nvPicPr>
+        <p:blipFill>
+          <a:blip r:embed="rId2"/>
+          <a:stretch>
+            <a:fillRect/>
+          </a:stretch>
+        </p:blipFill>
+        <p:spPr>
+          <a:xfrm>
+            <a:off x="299424" y="1235595"/>
+            <a:ext cx="8725047" cy="4481718"/>
+          </a:xfrm>
+          <a:prstGeom prst="rect">
+            <a:avLst/>
+          </a:prstGeom>
+        </p:spPr>
+      </p:pic>
+      <p:sp>
+        <p:nvSpPr>
+          <p:cNvPr id="3" name="Title 1"/>
+          <p:cNvSpPr>
+            <a:spLocks noGrp="1"/>
+          </p:cNvSpPr>
+          <p:nvPr>
+            <p:ph type="title"/>
+          </p:nvPr>
+        </p:nvSpPr>
+        <p:spPr>
+          <a:xfrm>
+            <a:off x="457199" y="274638"/>
+            <a:ext cx="8567271" cy="779140"/>
+          </a:xfrm>
+        </p:spPr>
+        <p:txBody>
+          <a:bodyPr/>
+          <a:lstStyle/>
+          <a:p>
+            <a:r>
+              <a:rPr lang="en-US" dirty="0" smtClean="0"/>
+              <a:t>DARE UML</a:t>
+            </a:r>
+            <a:endParaRPr lang="en-US" dirty="0"/>
+          </a:p>
+        </p:txBody>
+      </p:sp>
+    </p:spTree>
+    <p:extLst>
+      <p:ext uri="{BB962C8B-B14F-4D97-AF65-F5344CB8AC3E}">
+        <p14:creationId xmlns:p14="http://schemas.microsoft.com/office/powerpoint/2010/main" val="618364089"/>
+      </p:ext>
+    </p:extLst>
+  </p:cSld>
+  <p:clrMapOvr>
+    <a:masterClrMapping/>
+  </p:clrMapOvr>
+</p:sld>
+</file>
+
+<file path=ppt/slides/slide8.xml><?xml version="1.0" encoding="utf-8"?>
+<p:sld xmlns:a="http://schemas.openxmlformats.org/drawingml/2006/main" xmlns:r="http://schemas.openxmlformats.org/officeDocument/2006/relationships" xmlns:p="http://schemas.openxmlformats.org/presentationml/2006/main">
+  <p:cSld>
+    <p:spTree>
+      <p:nvGrpSpPr>
+        <p:cNvPr id="1" name=""/>
+        <p:cNvGrpSpPr/>
+        <p:nvPr/>
+      </p:nvGrpSpPr>
+      <p:grpSpPr>
+        <a:xfrm>
+          <a:off x="0" y="0"/>
+          <a:ext cx="0" cy="0"/>
+          <a:chOff x="0" y="0"/>
+          <a:chExt cx="0" cy="0"/>
+        </a:xfrm>
+      </p:grpSpPr>
+      <p:sp>
+        <p:nvSpPr>
+          <p:cNvPr id="2" name="Title 1"/>
+          <p:cNvSpPr>
+            <a:spLocks noGrp="1"/>
+          </p:cNvSpPr>
+          <p:nvPr>
+            <p:ph type="title"/>
+          </p:nvPr>
+        </p:nvSpPr>
+        <p:spPr/>
+        <p:txBody>
+          <a:bodyPr>
+            <a:normAutofit/>
+          </a:bodyPr>
+          <a:lstStyle/>
+          <a:p>
+            <a:r>
+              <a:rPr lang="en-US" dirty="0"/>
+              <a:t>DARE Information </a:t>
+            </a:r>
+            <a:r>
+              <a:rPr lang="en-US" dirty="0" smtClean="0"/>
+              <a:t>Management</a:t>
+            </a:r>
+            <a:endParaRPr lang="en-US" dirty="0"/>
+          </a:p>
+        </p:txBody>
+      </p:sp>
+      <p:sp>
+        <p:nvSpPr>
+          <p:cNvPr id="3" name="Content Placeholder 2"/>
+          <p:cNvSpPr>
+            <a:spLocks noGrp="1"/>
+          </p:cNvSpPr>
+          <p:nvPr>
+            <p:ph idx="1"/>
+          </p:nvPr>
+        </p:nvSpPr>
+        <p:spPr/>
+        <p:txBody>
+          <a:bodyPr/>
+          <a:lstStyle/>
+          <a:p>
+            <a:pPr lvl="1"/>
+            <a:r>
+              <a:rPr lang="en-US" dirty="0" smtClean="0"/>
+              <a:t>Resource Info</a:t>
+            </a:r>
+          </a:p>
+          <a:p>
+            <a:pPr lvl="2"/>
+            <a:r>
+              <a:rPr lang="en-US" dirty="0">
+                <a:hlinkClick r:id="rId2"/>
+              </a:rPr>
+              <a:t>https://svn.cct.lsu.edu/repos/saga-web/DARE-web/DARE/examples/chipseq/</a:t>
+            </a:r>
+            <a:r>
+              <a:rPr lang="en-US" dirty="0" smtClean="0">
+                <a:hlinkClick r:id="rId2"/>
+              </a:rPr>
+              <a:t>resource.cfg</a:t>
+            </a:r>
+            <a:endParaRPr lang="en-US" dirty="0" smtClean="0"/>
+          </a:p>
+          <a:p>
+            <a:pPr lvl="1"/>
+            <a:r>
+              <a:rPr lang="en-US" dirty="0" smtClean="0"/>
+              <a:t>Software tool Info</a:t>
+            </a:r>
+          </a:p>
+          <a:p>
+            <a:pPr lvl="2"/>
+            <a:r>
+              <a:rPr lang="en-US" dirty="0">
+                <a:hlinkClick r:id="rId3"/>
+              </a:rPr>
+              <a:t>https://svn.cct.lsu.edu/repos/saga-web/DARE-web/DARE/examples/bfast/</a:t>
+            </a:r>
+            <a:r>
+              <a:rPr lang="en-US" dirty="0" smtClean="0">
+                <a:hlinkClick r:id="rId3"/>
+              </a:rPr>
+              <a:t>bfast_1_resource.cfg</a:t>
+            </a:r>
+            <a:endParaRPr lang="en-US" dirty="0" smtClean="0"/>
+          </a:p>
+          <a:p>
+            <a:pPr lvl="1"/>
+            <a:r>
+              <a:rPr lang="en-US" dirty="0" smtClean="0"/>
+              <a:t>Service info</a:t>
+            </a:r>
+            <a:endParaRPr lang="en-US" dirty="0"/>
+          </a:p>
+        </p:txBody>
+      </p:sp>
+    </p:spTree>
+    <p:extLst>
+      <p:ext uri="{BB962C8B-B14F-4D97-AF65-F5344CB8AC3E}">
+        <p14:creationId xmlns:p14="http://schemas.microsoft.com/office/powerpoint/2010/main" val="2804255646"/>
+      </p:ext>
+    </p:extLst>
+  </p:cSld>
+  <p:clrMapOvr>
+    <a:masterClrMapping/>
+  </p:clrMapOvr>
+</p:sld>
+</file>
+
 <file path=ppt/slides/slide9.xml><?xml version="1.0" encoding="utf-8"?>
 <p:sld xmlns:a="http://schemas.openxmlformats.org/drawingml/2006/main" xmlns:r="http://schemas.openxmlformats.org/officeDocument/2006/relationships" xmlns:p="http://schemas.openxmlformats.org/presentationml/2006/main">
   <p:cSld>
@@ -5068,29 +5816,20 @@
         </p:nvSpPr>
         <p:spPr/>
         <p:txBody>
-          <a:bodyPr>
-            <a:normAutofit/>
-          </a:bodyPr>
-          <a:lstStyle/>
-          <a:p>
-            <a:r>
-              <a:rPr lang="en-US" sz="2400" dirty="0" smtClean="0"/>
-              <a:t>NGS Analytics as a Service: </a:t>
-            </a:r>
-            <a:br>
-              <a:rPr lang="en-US" sz="2400" dirty="0" smtClean="0"/>
-            </a:br>
-            <a:r>
-              <a:rPr lang="en-US" sz="2400" dirty="0" smtClean="0"/>
-              <a:t>DARE-based Gateway on XD</a:t>
-            </a:r>
-            <a:endParaRPr lang="en-US" sz="2400" dirty="0"/>
-          </a:p>
-        </p:txBody>
-      </p:sp>
-      <p:sp>
-        <p:nvSpPr>
-          <p:cNvPr id="12" name="Content Placeholder 11"/>
+          <a:bodyPr/>
+          <a:lstStyle/>
+          <a:p>
+            <a:r>
+              <a:rPr lang="en-US" dirty="0" smtClean="0"/>
+              <a:t>DARE Repository</a:t>
+            </a:r>
+            <a:endParaRPr lang="en-US" dirty="0"/>
+          </a:p>
+        </p:txBody>
+      </p:sp>
+      <p:sp>
+        <p:nvSpPr>
+          <p:cNvPr id="3" name="Content Placeholder 2"/>
           <p:cNvSpPr>
             <a:spLocks noGrp="1"/>
           </p:cNvSpPr>
@@ -5098,111 +5837,56 @@
             <p:ph idx="1"/>
           </p:nvPr>
         </p:nvSpPr>
-        <p:spPr>
-          <a:xfrm>
-            <a:off x="300748" y="1263180"/>
-            <a:ext cx="8081252" cy="5277320"/>
-          </a:xfrm>
-        </p:spPr>
-        <p:txBody>
-          <a:bodyPr>
-            <a:normAutofit/>
-          </a:bodyPr>
-          <a:lstStyle/>
-          <a:p>
-            <a:r>
-              <a:rPr lang="en-US" dirty="0" smtClean="0"/>
-              <a:t>Some NGS specific challenges</a:t>
+        <p:spPr/>
+        <p:txBody>
+          <a:bodyPr/>
+          <a:lstStyle/>
+          <a:p>
+            <a:r>
+              <a:rPr lang="en-US" dirty="0" smtClean="0"/>
+              <a:t>Just DARE</a:t>
             </a:r>
           </a:p>
           <a:p>
             <a:pPr lvl="1"/>
             <a:r>
-              <a:rPr lang="en-US" dirty="0" smtClean="0"/>
-              <a:t>Efficient Algorithm/tool/code selection</a:t>
-            </a:r>
-          </a:p>
-          <a:p>
-            <a:pPr lvl="2"/>
-            <a:r>
-              <a:rPr lang="en-US" dirty="0" smtClean="0"/>
-              <a:t>Hosting pre-installed  VM</a:t>
+              <a:rPr lang="en-US" dirty="0">
+                <a:hlinkClick r:id="rId2"/>
+              </a:rPr>
+              <a:t>https://svn.cct.lsu.edu/repos/saga-web/DARE-web/</a:t>
+            </a:r>
+            <a:r>
+              <a:rPr lang="en-US" dirty="0" smtClean="0">
+                <a:hlinkClick r:id="rId2"/>
+              </a:rPr>
+              <a:t>DARE</a:t>
+            </a:r>
+            <a:endParaRPr lang="en-US" dirty="0"/>
+          </a:p>
+          <a:p>
+            <a:r>
+              <a:rPr lang="en-US" dirty="0" smtClean="0"/>
+              <a:t>DARE-NGS</a:t>
             </a:r>
           </a:p>
           <a:p>
             <a:pPr lvl="1"/>
             <a:r>
-              <a:rPr lang="en-US" dirty="0" smtClean="0"/>
-              <a:t>Efficient task scheduling and placement</a:t>
-            </a:r>
-          </a:p>
-          <a:p>
-            <a:pPr lvl="1"/>
-            <a:r>
-              <a:rPr lang="en-US" dirty="0" smtClean="0"/>
-              <a:t>Efficient Distributed data management</a:t>
-            </a:r>
-          </a:p>
-          <a:p>
-            <a:pPr lvl="1"/>
-            <a:r>
-              <a:rPr lang="en-US" dirty="0" smtClean="0"/>
-              <a:t>Efficient Data transfer/scheduling</a:t>
-            </a:r>
-          </a:p>
-          <a:p>
-            <a:pPr lvl="2"/>
-            <a:r>
-              <a:rPr lang="en-US" dirty="0" smtClean="0"/>
-              <a:t>Transfer of Ref. genome index files:</a:t>
-            </a:r>
-          </a:p>
-          <a:p>
-            <a:pPr lvl="3"/>
-            <a:r>
-              <a:rPr lang="en-US" dirty="0" smtClean="0"/>
-              <a:t> </a:t>
-            </a:r>
-            <a:r>
-              <a:rPr lang="en-US" dirty="0" err="1" smtClean="0"/>
-              <a:t>O(hours</a:t>
-            </a:r>
-            <a:r>
-              <a:rPr lang="en-US" dirty="0" smtClean="0"/>
-              <a:t>) 130 GB, </a:t>
-            </a:r>
-          </a:p>
-          <a:p>
-            <a:pPr lvl="2"/>
-            <a:r>
-              <a:rPr lang="en-US" dirty="0" smtClean="0"/>
-              <a:t>Transfer of Short read files: </a:t>
-            </a:r>
-          </a:p>
-          <a:p>
-            <a:pPr lvl="3"/>
-            <a:r>
-              <a:rPr lang="en-US" dirty="0" smtClean="0"/>
-              <a:t> </a:t>
-            </a:r>
-            <a:r>
-              <a:rPr lang="en-US" dirty="0" err="1" smtClean="0"/>
-              <a:t>O(mins</a:t>
-            </a:r>
-            <a:r>
-              <a:rPr lang="en-US" dirty="0" smtClean="0"/>
-              <a:t>) [L to QB] 9 GB</a:t>
-            </a:r>
-          </a:p>
-          <a:p>
-            <a:pPr lvl="1"/>
-            <a:r>
-              <a:rPr lang="en-US" dirty="0" smtClean="0"/>
-              <a:t>Determine optimal point -- tradeoff </a:t>
-            </a:r>
-          </a:p>
-          <a:p>
-            <a:pPr>
+              <a:rPr lang="en-US" dirty="0">
+                <a:hlinkClick r:id="rId3"/>
+              </a:rPr>
+              <a:t>https://svn.cct.lsu.edu/repos/saga-web/DARE-web/DARE-NGS</a:t>
+            </a:r>
+            <a:r>
+              <a:rPr lang="en-US" dirty="0" smtClean="0">
+                <a:hlinkClick r:id="rId3"/>
+              </a:rPr>
+              <a:t>/</a:t>
+            </a:r>
+            <a:endParaRPr lang="en-US" dirty="0" smtClean="0"/>
+          </a:p>
+          <a:p>
+            <a:pPr marL="457200" lvl="1" indent="0">
               <a:buNone/>
             </a:pPr>
             <a:endParaRPr lang="en-US" dirty="0"/>
@@ -5212,20 +5896,13 @@
     </p:spTree>
     <p:extLst>
       <p:ext uri="{BB962C8B-B14F-4D97-AF65-F5344CB8AC3E}">
-        <p14:creationId xmlns:p14="http://schemas.microsoft.com/office/powerpoint/2010/main" val="3812328938"/>
+        <p14:creationId xmlns:p14="http://schemas.microsoft.com/office/powerpoint/2010/main" val="2523048758"/>
       </p:ext>
     </p:extLst>
   </p:cSld>
   <p:clrMapOvr>
     <a:masterClrMapping/>
   </p:clrMapOvr>
-  <p:timing>
-    <p:tnLst>
-      <p:par>
-        <p:cTn xmlns:p14="http://schemas.microsoft.com/office/powerpoint/2010/main" id="1" dur="indefinite" restart="never" nodeType="tmRoot"/>
-      </p:par>
-    </p:tnLst>
-  </p:timing>
 </p:sld>
 </file>
 

--- a/papers/data-intensive-bio/Presentation/dare_saga.pptx
+++ b/papers/data-intensive-bio/Presentation/dare_saga.pptx
@@ -1,6 +1,6 @@
 
 <file path=ppt/presentation.xml><?xml version="1.0" encoding="utf-8"?>
-<p:presentation xmlns:a="http://schemas.openxmlformats.org/drawingml/2006/main" xmlns:r="http://schemas.openxmlformats.org/officeDocument/2006/relationships" xmlns:p="http://schemas.openxmlformats.org/presentationml/2006/main" saveSubsetFonts="1" autoCompressPictures="0">
+<p:presentation xmlns:a="http://schemas.openxmlformats.org/drawingml/2006/main" xmlns:r="http://schemas.openxmlformats.org/officeDocument/2006/relationships" xmlns:mc="http://schemas.openxmlformats.org/markup-compatibility/2006" xmlns:mv="urn:schemas-microsoft-com:mac:vml" xmlns:p="http://schemas.openxmlformats.org/presentationml/2006/main" mc:Ignorable="mv" mc:PreserveAttributes="mv:*" saveSubsetFonts="1" autoCompressPictures="0">
   <p:sldMasterIdLst>
     <p:sldMasterId id="2147483648" r:id="rId1"/>
   </p:sldMasterIdLst>
@@ -127,7 +127,7 @@
 </file>
 
 <file path=ppt/notesMasters/notesMaster1.xml><?xml version="1.0" encoding="utf-8"?>
-<p:notesMaster xmlns:a="http://schemas.openxmlformats.org/drawingml/2006/main" xmlns:r="http://schemas.openxmlformats.org/officeDocument/2006/relationships" xmlns:p="http://schemas.openxmlformats.org/presentationml/2006/main">
+<p:notesMaster xmlns:a="http://schemas.openxmlformats.org/drawingml/2006/main" xmlns:r="http://schemas.openxmlformats.org/officeDocument/2006/relationships" xmlns:mc="http://schemas.openxmlformats.org/markup-compatibility/2006" xmlns:mv="urn:schemas-microsoft-com:mac:vml" xmlns:p="http://schemas.openxmlformats.org/presentationml/2006/main" mc:Ignorable="mv" mc:PreserveAttributes="mv:*">
   <p:cSld>
     <p:bg>
       <p:bgRef idx="1001">
@@ -208,7 +208,8 @@
           <a:p>
             <a:fld id="{E644205A-AF26-EC4E-8562-143F5F805227}" type="datetimeFigureOut">
               <a:rPr lang="en-US" smtClean="0"/>
-              <a:t>10/20/11</a:t>
+              <a:pPr/>
+              <a:t>10/21/11</a:t>
             </a:fld>
             <a:endParaRPr lang="en-US"/>
           </a:p>
@@ -367,6 +368,7 @@
           <a:p>
             <a:fld id="{75663CFF-A1CC-D141-89CD-005E2D322F5B}" type="slidenum">
               <a:rPr lang="en-US" smtClean="0"/>
+              <a:pPr/>
               <a:t>‹#›</a:t>
             </a:fld>
             <a:endParaRPr lang="en-US"/>
@@ -376,7 +378,7 @@
     </p:spTree>
     <p:extLst>
       <p:ext uri="{BB962C8B-B14F-4D97-AF65-F5344CB8AC3E}">
-        <p14:creationId xmlns:p14="http://schemas.microsoft.com/office/powerpoint/2010/main" val="1866643871"/>
+        <p14:creationId xmlns:p14="http://schemas.microsoft.com/office/powerpoint/2010/main" xmlns:p="http://schemas.openxmlformats.org/presentationml/2006/main" xmlns:r="http://schemas.openxmlformats.org/officeDocument/2006/relationships" xmlns:a="http://schemas.openxmlformats.org/drawingml/2006/main" xmlns="" val="1866643871"/>
       </p:ext>
     </p:extLst>
   </p:cSld>
@@ -477,7 +479,7 @@
 </file>
 
 <file path=ppt/notesSlides/notesSlide1.xml><?xml version="1.0" encoding="utf-8"?>
-<p:notes xmlns:a="http://schemas.openxmlformats.org/drawingml/2006/main" xmlns:r="http://schemas.openxmlformats.org/officeDocument/2006/relationships" xmlns:p="http://schemas.openxmlformats.org/presentationml/2006/main">
+<p:notes xmlns:a="http://schemas.openxmlformats.org/drawingml/2006/main" xmlns:r="http://schemas.openxmlformats.org/officeDocument/2006/relationships" xmlns:mc="http://schemas.openxmlformats.org/markup-compatibility/2006" xmlns:mv="urn:schemas-microsoft-com:mac:vml" xmlns:p="http://schemas.openxmlformats.org/presentationml/2006/main" mc:Ignorable="mv" mc:PreserveAttributes="mv:*">
   <p:cSld>
     <p:spTree>
       <p:nvGrpSpPr>
@@ -575,7 +577,7 @@
 </file>
 
 <file path=ppt/slideLayouts/slideLayout1.xml><?xml version="1.0" encoding="utf-8"?>
-<p:sldLayout xmlns:a="http://schemas.openxmlformats.org/drawingml/2006/main" xmlns:r="http://schemas.openxmlformats.org/officeDocument/2006/relationships" xmlns:p="http://schemas.openxmlformats.org/presentationml/2006/main" type="title" preserve="1">
+<p:sldLayout xmlns:a="http://schemas.openxmlformats.org/drawingml/2006/main" xmlns:r="http://schemas.openxmlformats.org/officeDocument/2006/relationships" xmlns:mc="http://schemas.openxmlformats.org/markup-compatibility/2006" xmlns:mv="urn:schemas-microsoft-com:mac:vml" xmlns:p="http://schemas.openxmlformats.org/presentationml/2006/main" mc:Ignorable="mv" mc:PreserveAttributes="mv:*" type="title" preserve="1">
   <p:cSld name="Title Slide">
     <p:spTree>
       <p:nvGrpSpPr>
@@ -755,7 +757,8 @@
           <a:p>
             <a:fld id="{88CD3CAE-85D5-EF41-8154-1DEE4C4DD4B2}" type="datetimeFigureOut">
               <a:rPr lang="en-US" smtClean="0"/>
-              <a:t>10/20/11</a:t>
+              <a:pPr/>
+              <a:t>10/21/11</a:t>
             </a:fld>
             <a:endParaRPr lang="en-US"/>
           </a:p>
@@ -797,6 +800,7 @@
           <a:p>
             <a:fld id="{7F21B88C-7562-F447-9EBC-A68217EDCA89}" type="slidenum">
               <a:rPr lang="en-US" smtClean="0"/>
+              <a:pPr/>
               <a:t>‹#›</a:t>
             </a:fld>
             <a:endParaRPr lang="en-US"/>
@@ -806,7 +810,7 @@
     </p:spTree>
     <p:extLst>
       <p:ext uri="{BB962C8B-B14F-4D97-AF65-F5344CB8AC3E}">
-        <p14:creationId xmlns:p14="http://schemas.microsoft.com/office/powerpoint/2010/main" val="3602394151"/>
+        <p14:creationId xmlns:p14="http://schemas.microsoft.com/office/powerpoint/2010/main" xmlns:p="http://schemas.openxmlformats.org/presentationml/2006/main" xmlns:r="http://schemas.openxmlformats.org/officeDocument/2006/relationships" xmlns:a="http://schemas.openxmlformats.org/drawingml/2006/main" xmlns="" val="3602394151"/>
       </p:ext>
     </p:extLst>
   </p:cSld>
@@ -817,7 +821,7 @@
 </file>
 
 <file path=ppt/slideLayouts/slideLayout10.xml><?xml version="1.0" encoding="utf-8"?>
-<p:sldLayout xmlns:a="http://schemas.openxmlformats.org/drawingml/2006/main" xmlns:r="http://schemas.openxmlformats.org/officeDocument/2006/relationships" xmlns:p="http://schemas.openxmlformats.org/presentationml/2006/main" type="vertTx" preserve="1">
+<p:sldLayout xmlns:a="http://schemas.openxmlformats.org/drawingml/2006/main" xmlns:r="http://schemas.openxmlformats.org/officeDocument/2006/relationships" xmlns:mc="http://schemas.openxmlformats.org/markup-compatibility/2006" xmlns:mv="urn:schemas-microsoft-com:mac:vml" xmlns:p="http://schemas.openxmlformats.org/presentationml/2006/main" mc:Ignorable="mv" mc:PreserveAttributes="mv:*" type="vertTx" preserve="1">
   <p:cSld name="Title and Vertical Text">
     <p:spTree>
       <p:nvGrpSpPr>
@@ -925,7 +929,8 @@
           <a:p>
             <a:fld id="{88CD3CAE-85D5-EF41-8154-1DEE4C4DD4B2}" type="datetimeFigureOut">
               <a:rPr lang="en-US" smtClean="0"/>
-              <a:t>10/20/11</a:t>
+              <a:pPr/>
+              <a:t>10/21/11</a:t>
             </a:fld>
             <a:endParaRPr lang="en-US"/>
           </a:p>
@@ -967,6 +972,7 @@
           <a:p>
             <a:fld id="{7F21B88C-7562-F447-9EBC-A68217EDCA89}" type="slidenum">
               <a:rPr lang="en-US" smtClean="0"/>
+              <a:pPr/>
               <a:t>‹#›</a:t>
             </a:fld>
             <a:endParaRPr lang="en-US"/>
@@ -976,7 +982,7 @@
     </p:spTree>
     <p:extLst>
       <p:ext uri="{BB962C8B-B14F-4D97-AF65-F5344CB8AC3E}">
-        <p14:creationId xmlns:p14="http://schemas.microsoft.com/office/powerpoint/2010/main" val="1969133594"/>
+        <p14:creationId xmlns:p14="http://schemas.microsoft.com/office/powerpoint/2010/main" xmlns:p="http://schemas.openxmlformats.org/presentationml/2006/main" xmlns:r="http://schemas.openxmlformats.org/officeDocument/2006/relationships" xmlns:a="http://schemas.openxmlformats.org/drawingml/2006/main" xmlns="" val="1969133594"/>
       </p:ext>
     </p:extLst>
   </p:cSld>
@@ -987,7 +993,7 @@
 </file>
 
 <file path=ppt/slideLayouts/slideLayout11.xml><?xml version="1.0" encoding="utf-8"?>
-<p:sldLayout xmlns:a="http://schemas.openxmlformats.org/drawingml/2006/main" xmlns:r="http://schemas.openxmlformats.org/officeDocument/2006/relationships" xmlns:p="http://schemas.openxmlformats.org/presentationml/2006/main" type="vertTitleAndTx" preserve="1">
+<p:sldLayout xmlns:a="http://schemas.openxmlformats.org/drawingml/2006/main" xmlns:r="http://schemas.openxmlformats.org/officeDocument/2006/relationships" xmlns:mc="http://schemas.openxmlformats.org/markup-compatibility/2006" xmlns:mv="urn:schemas-microsoft-com:mac:vml" xmlns:p="http://schemas.openxmlformats.org/presentationml/2006/main" mc:Ignorable="mv" mc:PreserveAttributes="mv:*" type="vertTitleAndTx" preserve="1">
   <p:cSld name="Vertical Title and Text">
     <p:spTree>
       <p:nvGrpSpPr>
@@ -1105,7 +1111,8 @@
           <a:p>
             <a:fld id="{88CD3CAE-85D5-EF41-8154-1DEE4C4DD4B2}" type="datetimeFigureOut">
               <a:rPr lang="en-US" smtClean="0"/>
-              <a:t>10/20/11</a:t>
+              <a:pPr/>
+              <a:t>10/21/11</a:t>
             </a:fld>
             <a:endParaRPr lang="en-US"/>
           </a:p>
@@ -1147,6 +1154,7 @@
           <a:p>
             <a:fld id="{7F21B88C-7562-F447-9EBC-A68217EDCA89}" type="slidenum">
               <a:rPr lang="en-US" smtClean="0"/>
+              <a:pPr/>
               <a:t>‹#›</a:t>
             </a:fld>
             <a:endParaRPr lang="en-US"/>
@@ -1156,7 +1164,7 @@
     </p:spTree>
     <p:extLst>
       <p:ext uri="{BB962C8B-B14F-4D97-AF65-F5344CB8AC3E}">
-        <p14:creationId xmlns:p14="http://schemas.microsoft.com/office/powerpoint/2010/main" val="1702197869"/>
+        <p14:creationId xmlns:p14="http://schemas.microsoft.com/office/powerpoint/2010/main" xmlns:p="http://schemas.openxmlformats.org/presentationml/2006/main" xmlns:r="http://schemas.openxmlformats.org/officeDocument/2006/relationships" xmlns:a="http://schemas.openxmlformats.org/drawingml/2006/main" xmlns="" val="1702197869"/>
       </p:ext>
     </p:extLst>
   </p:cSld>
@@ -1167,7 +1175,7 @@
 </file>
 
 <file path=ppt/slideLayouts/slideLayout2.xml><?xml version="1.0" encoding="utf-8"?>
-<p:sldLayout xmlns:a="http://schemas.openxmlformats.org/drawingml/2006/main" xmlns:r="http://schemas.openxmlformats.org/officeDocument/2006/relationships" xmlns:p="http://schemas.openxmlformats.org/presentationml/2006/main" type="obj" preserve="1">
+<p:sldLayout xmlns:a="http://schemas.openxmlformats.org/drawingml/2006/main" xmlns:r="http://schemas.openxmlformats.org/officeDocument/2006/relationships" xmlns:mc="http://schemas.openxmlformats.org/markup-compatibility/2006" xmlns:mv="urn:schemas-microsoft-com:mac:vml" xmlns:p="http://schemas.openxmlformats.org/presentationml/2006/main" mc:Ignorable="mv" mc:PreserveAttributes="mv:*" type="obj" preserve="1">
   <p:cSld name="Title and Content">
     <p:spTree>
       <p:nvGrpSpPr>
@@ -1275,7 +1283,8 @@
           <a:p>
             <a:fld id="{88CD3CAE-85D5-EF41-8154-1DEE4C4DD4B2}" type="datetimeFigureOut">
               <a:rPr lang="en-US" smtClean="0"/>
-              <a:t>10/20/11</a:t>
+              <a:pPr/>
+              <a:t>10/21/11</a:t>
             </a:fld>
             <a:endParaRPr lang="en-US"/>
           </a:p>
@@ -1317,6 +1326,7 @@
           <a:p>
             <a:fld id="{7F21B88C-7562-F447-9EBC-A68217EDCA89}" type="slidenum">
               <a:rPr lang="en-US" smtClean="0"/>
+              <a:pPr/>
               <a:t>‹#›</a:t>
             </a:fld>
             <a:endParaRPr lang="en-US"/>
@@ -1326,7 +1336,7 @@
     </p:spTree>
     <p:extLst>
       <p:ext uri="{BB962C8B-B14F-4D97-AF65-F5344CB8AC3E}">
-        <p14:creationId xmlns:p14="http://schemas.microsoft.com/office/powerpoint/2010/main" val="3854880824"/>
+        <p14:creationId xmlns:p14="http://schemas.microsoft.com/office/powerpoint/2010/main" xmlns:p="http://schemas.openxmlformats.org/presentationml/2006/main" xmlns:r="http://schemas.openxmlformats.org/officeDocument/2006/relationships" xmlns:a="http://schemas.openxmlformats.org/drawingml/2006/main" xmlns="" val="3854880824"/>
       </p:ext>
     </p:extLst>
   </p:cSld>
@@ -1337,7 +1347,7 @@
 </file>
 
 <file path=ppt/slideLayouts/slideLayout3.xml><?xml version="1.0" encoding="utf-8"?>
-<p:sldLayout xmlns:a="http://schemas.openxmlformats.org/drawingml/2006/main" xmlns:r="http://schemas.openxmlformats.org/officeDocument/2006/relationships" xmlns:p="http://schemas.openxmlformats.org/presentationml/2006/main" type="secHead" preserve="1">
+<p:sldLayout xmlns:a="http://schemas.openxmlformats.org/drawingml/2006/main" xmlns:r="http://schemas.openxmlformats.org/officeDocument/2006/relationships" xmlns:mc="http://schemas.openxmlformats.org/markup-compatibility/2006" xmlns:mv="urn:schemas-microsoft-com:mac:vml" xmlns:p="http://schemas.openxmlformats.org/presentationml/2006/main" mc:Ignorable="mv" mc:PreserveAttributes="mv:*" type="secHead" preserve="1">
   <p:cSld name="Section Header">
     <p:spTree>
       <p:nvGrpSpPr>
@@ -1521,7 +1531,8 @@
           <a:p>
             <a:fld id="{88CD3CAE-85D5-EF41-8154-1DEE4C4DD4B2}" type="datetimeFigureOut">
               <a:rPr lang="en-US" smtClean="0"/>
-              <a:t>10/20/11</a:t>
+              <a:pPr/>
+              <a:t>10/21/11</a:t>
             </a:fld>
             <a:endParaRPr lang="en-US"/>
           </a:p>
@@ -1563,6 +1574,7 @@
           <a:p>
             <a:fld id="{7F21B88C-7562-F447-9EBC-A68217EDCA89}" type="slidenum">
               <a:rPr lang="en-US" smtClean="0"/>
+              <a:pPr/>
               <a:t>‹#›</a:t>
             </a:fld>
             <a:endParaRPr lang="en-US"/>
@@ -1572,7 +1584,7 @@
     </p:spTree>
     <p:extLst>
       <p:ext uri="{BB962C8B-B14F-4D97-AF65-F5344CB8AC3E}">
-        <p14:creationId xmlns:p14="http://schemas.microsoft.com/office/powerpoint/2010/main" val="3837496579"/>
+        <p14:creationId xmlns:p14="http://schemas.microsoft.com/office/powerpoint/2010/main" xmlns:p="http://schemas.openxmlformats.org/presentationml/2006/main" xmlns:r="http://schemas.openxmlformats.org/officeDocument/2006/relationships" xmlns:a="http://schemas.openxmlformats.org/drawingml/2006/main" xmlns="" val="3837496579"/>
       </p:ext>
     </p:extLst>
   </p:cSld>
@@ -1583,7 +1595,7 @@
 </file>
 
 <file path=ppt/slideLayouts/slideLayout4.xml><?xml version="1.0" encoding="utf-8"?>
-<p:sldLayout xmlns:a="http://schemas.openxmlformats.org/drawingml/2006/main" xmlns:r="http://schemas.openxmlformats.org/officeDocument/2006/relationships" xmlns:p="http://schemas.openxmlformats.org/presentationml/2006/main" type="twoObj" preserve="1">
+<p:sldLayout xmlns:a="http://schemas.openxmlformats.org/drawingml/2006/main" xmlns:r="http://schemas.openxmlformats.org/officeDocument/2006/relationships" xmlns:mc="http://schemas.openxmlformats.org/markup-compatibility/2006" xmlns:mv="urn:schemas-microsoft-com:mac:vml" xmlns:p="http://schemas.openxmlformats.org/presentationml/2006/main" mc:Ignorable="mv" mc:PreserveAttributes="mv:*" type="twoObj" preserve="1">
   <p:cSld name="Two Content">
     <p:spTree>
       <p:nvGrpSpPr>
@@ -1809,7 +1821,8 @@
           <a:p>
             <a:fld id="{88CD3CAE-85D5-EF41-8154-1DEE4C4DD4B2}" type="datetimeFigureOut">
               <a:rPr lang="en-US" smtClean="0"/>
-              <a:t>10/20/11</a:t>
+              <a:pPr/>
+              <a:t>10/21/11</a:t>
             </a:fld>
             <a:endParaRPr lang="en-US"/>
           </a:p>
@@ -1851,6 +1864,7 @@
           <a:p>
             <a:fld id="{7F21B88C-7562-F447-9EBC-A68217EDCA89}" type="slidenum">
               <a:rPr lang="en-US" smtClean="0"/>
+              <a:pPr/>
               <a:t>‹#›</a:t>
             </a:fld>
             <a:endParaRPr lang="en-US"/>
@@ -1860,7 +1874,7 @@
     </p:spTree>
     <p:extLst>
       <p:ext uri="{BB962C8B-B14F-4D97-AF65-F5344CB8AC3E}">
-        <p14:creationId xmlns:p14="http://schemas.microsoft.com/office/powerpoint/2010/main" val="1001282971"/>
+        <p14:creationId xmlns:p14="http://schemas.microsoft.com/office/powerpoint/2010/main" xmlns:p="http://schemas.openxmlformats.org/presentationml/2006/main" xmlns:r="http://schemas.openxmlformats.org/officeDocument/2006/relationships" xmlns:a="http://schemas.openxmlformats.org/drawingml/2006/main" xmlns="" val="1001282971"/>
       </p:ext>
     </p:extLst>
   </p:cSld>
@@ -1871,7 +1885,7 @@
 </file>
 
 <file path=ppt/slideLayouts/slideLayout5.xml><?xml version="1.0" encoding="utf-8"?>
-<p:sldLayout xmlns:a="http://schemas.openxmlformats.org/drawingml/2006/main" xmlns:r="http://schemas.openxmlformats.org/officeDocument/2006/relationships" xmlns:p="http://schemas.openxmlformats.org/presentationml/2006/main" type="twoTxTwoObj" preserve="1">
+<p:sldLayout xmlns:a="http://schemas.openxmlformats.org/drawingml/2006/main" xmlns:r="http://schemas.openxmlformats.org/officeDocument/2006/relationships" xmlns:mc="http://schemas.openxmlformats.org/markup-compatibility/2006" xmlns:mv="urn:schemas-microsoft-com:mac:vml" xmlns:p="http://schemas.openxmlformats.org/presentationml/2006/main" mc:Ignorable="mv" mc:PreserveAttributes="mv:*" type="twoTxTwoObj" preserve="1">
   <p:cSld name="Comparison">
     <p:spTree>
       <p:nvGrpSpPr>
@@ -2231,7 +2245,8 @@
           <a:p>
             <a:fld id="{88CD3CAE-85D5-EF41-8154-1DEE4C4DD4B2}" type="datetimeFigureOut">
               <a:rPr lang="en-US" smtClean="0"/>
-              <a:t>10/20/11</a:t>
+              <a:pPr/>
+              <a:t>10/21/11</a:t>
             </a:fld>
             <a:endParaRPr lang="en-US"/>
           </a:p>
@@ -2273,6 +2288,7 @@
           <a:p>
             <a:fld id="{7F21B88C-7562-F447-9EBC-A68217EDCA89}" type="slidenum">
               <a:rPr lang="en-US" smtClean="0"/>
+              <a:pPr/>
               <a:t>‹#›</a:t>
             </a:fld>
             <a:endParaRPr lang="en-US"/>
@@ -2282,7 +2298,7 @@
     </p:spTree>
     <p:extLst>
       <p:ext uri="{BB962C8B-B14F-4D97-AF65-F5344CB8AC3E}">
-        <p14:creationId xmlns:p14="http://schemas.microsoft.com/office/powerpoint/2010/main" val="391590141"/>
+        <p14:creationId xmlns:p14="http://schemas.microsoft.com/office/powerpoint/2010/main" xmlns:p="http://schemas.openxmlformats.org/presentationml/2006/main" xmlns:r="http://schemas.openxmlformats.org/officeDocument/2006/relationships" xmlns:a="http://schemas.openxmlformats.org/drawingml/2006/main" xmlns="" val="391590141"/>
       </p:ext>
     </p:extLst>
   </p:cSld>
@@ -2293,7 +2309,7 @@
 </file>
 
 <file path=ppt/slideLayouts/slideLayout6.xml><?xml version="1.0" encoding="utf-8"?>
-<p:sldLayout xmlns:a="http://schemas.openxmlformats.org/drawingml/2006/main" xmlns:r="http://schemas.openxmlformats.org/officeDocument/2006/relationships" xmlns:p="http://schemas.openxmlformats.org/presentationml/2006/main" type="titleOnly" preserve="1">
+<p:sldLayout xmlns:a="http://schemas.openxmlformats.org/drawingml/2006/main" xmlns:r="http://schemas.openxmlformats.org/officeDocument/2006/relationships" xmlns:mc="http://schemas.openxmlformats.org/markup-compatibility/2006" xmlns:mv="urn:schemas-microsoft-com:mac:vml" xmlns:p="http://schemas.openxmlformats.org/presentationml/2006/main" mc:Ignorable="mv" mc:PreserveAttributes="mv:*" type="titleOnly" preserve="1">
   <p:cSld name="Title Only">
     <p:spTree>
       <p:nvGrpSpPr>
@@ -2349,7 +2365,8 @@
           <a:p>
             <a:fld id="{88CD3CAE-85D5-EF41-8154-1DEE4C4DD4B2}" type="datetimeFigureOut">
               <a:rPr lang="en-US" smtClean="0"/>
-              <a:t>10/20/11</a:t>
+              <a:pPr/>
+              <a:t>10/21/11</a:t>
             </a:fld>
             <a:endParaRPr lang="en-US"/>
           </a:p>
@@ -2391,6 +2408,7 @@
           <a:p>
             <a:fld id="{7F21B88C-7562-F447-9EBC-A68217EDCA89}" type="slidenum">
               <a:rPr lang="en-US" smtClean="0"/>
+              <a:pPr/>
               <a:t>‹#›</a:t>
             </a:fld>
             <a:endParaRPr lang="en-US"/>
@@ -2400,7 +2418,7 @@
     </p:spTree>
     <p:extLst>
       <p:ext uri="{BB962C8B-B14F-4D97-AF65-F5344CB8AC3E}">
-        <p14:creationId xmlns:p14="http://schemas.microsoft.com/office/powerpoint/2010/main" val="136616550"/>
+        <p14:creationId xmlns:p14="http://schemas.microsoft.com/office/powerpoint/2010/main" xmlns:p="http://schemas.openxmlformats.org/presentationml/2006/main" xmlns:r="http://schemas.openxmlformats.org/officeDocument/2006/relationships" xmlns:a="http://schemas.openxmlformats.org/drawingml/2006/main" xmlns="" val="136616550"/>
       </p:ext>
     </p:extLst>
   </p:cSld>
@@ -2411,7 +2429,7 @@
 </file>
 
 <file path=ppt/slideLayouts/slideLayout7.xml><?xml version="1.0" encoding="utf-8"?>
-<p:sldLayout xmlns:a="http://schemas.openxmlformats.org/drawingml/2006/main" xmlns:r="http://schemas.openxmlformats.org/officeDocument/2006/relationships" xmlns:p="http://schemas.openxmlformats.org/presentationml/2006/main" type="blank" preserve="1">
+<p:sldLayout xmlns:a="http://schemas.openxmlformats.org/drawingml/2006/main" xmlns:r="http://schemas.openxmlformats.org/officeDocument/2006/relationships" xmlns:mc="http://schemas.openxmlformats.org/markup-compatibility/2006" xmlns:mv="urn:schemas-microsoft-com:mac:vml" xmlns:p="http://schemas.openxmlformats.org/presentationml/2006/main" mc:Ignorable="mv" mc:PreserveAttributes="mv:*" type="blank" preserve="1">
   <p:cSld name="Blank">
     <p:spTree>
       <p:nvGrpSpPr>
@@ -2444,7 +2462,8 @@
           <a:p>
             <a:fld id="{88CD3CAE-85D5-EF41-8154-1DEE4C4DD4B2}" type="datetimeFigureOut">
               <a:rPr lang="en-US" smtClean="0"/>
-              <a:t>10/20/11</a:t>
+              <a:pPr/>
+              <a:t>10/21/11</a:t>
             </a:fld>
             <a:endParaRPr lang="en-US"/>
           </a:p>
@@ -2486,6 +2505,7 @@
           <a:p>
             <a:fld id="{7F21B88C-7562-F447-9EBC-A68217EDCA89}" type="slidenum">
               <a:rPr lang="en-US" smtClean="0"/>
+              <a:pPr/>
               <a:t>‹#›</a:t>
             </a:fld>
             <a:endParaRPr lang="en-US"/>
@@ -2495,7 +2515,7 @@
     </p:spTree>
     <p:extLst>
       <p:ext uri="{BB962C8B-B14F-4D97-AF65-F5344CB8AC3E}">
-        <p14:creationId xmlns:p14="http://schemas.microsoft.com/office/powerpoint/2010/main" val="639605661"/>
+        <p14:creationId xmlns:p14="http://schemas.microsoft.com/office/powerpoint/2010/main" xmlns:p="http://schemas.openxmlformats.org/presentationml/2006/main" xmlns:r="http://schemas.openxmlformats.org/officeDocument/2006/relationships" xmlns:a="http://schemas.openxmlformats.org/drawingml/2006/main" xmlns="" val="639605661"/>
       </p:ext>
     </p:extLst>
   </p:cSld>
@@ -2506,7 +2526,7 @@
 </file>
 
 <file path=ppt/slideLayouts/slideLayout8.xml><?xml version="1.0" encoding="utf-8"?>
-<p:sldLayout xmlns:a="http://schemas.openxmlformats.org/drawingml/2006/main" xmlns:r="http://schemas.openxmlformats.org/officeDocument/2006/relationships" xmlns:p="http://schemas.openxmlformats.org/presentationml/2006/main" type="objTx" preserve="1">
+<p:sldLayout xmlns:a="http://schemas.openxmlformats.org/drawingml/2006/main" xmlns:r="http://schemas.openxmlformats.org/officeDocument/2006/relationships" xmlns:mc="http://schemas.openxmlformats.org/markup-compatibility/2006" xmlns:mv="urn:schemas-microsoft-com:mac:vml" xmlns:p="http://schemas.openxmlformats.org/presentationml/2006/main" mc:Ignorable="mv" mc:PreserveAttributes="mv:*" type="objTx" preserve="1">
   <p:cSld name="Content with Caption">
     <p:spTree>
       <p:nvGrpSpPr>
@@ -2721,7 +2741,8 @@
           <a:p>
             <a:fld id="{88CD3CAE-85D5-EF41-8154-1DEE4C4DD4B2}" type="datetimeFigureOut">
               <a:rPr lang="en-US" smtClean="0"/>
-              <a:t>10/20/11</a:t>
+              <a:pPr/>
+              <a:t>10/21/11</a:t>
             </a:fld>
             <a:endParaRPr lang="en-US"/>
           </a:p>
@@ -2763,6 +2784,7 @@
           <a:p>
             <a:fld id="{7F21B88C-7562-F447-9EBC-A68217EDCA89}" type="slidenum">
               <a:rPr lang="en-US" smtClean="0"/>
+              <a:pPr/>
               <a:t>‹#›</a:t>
             </a:fld>
             <a:endParaRPr lang="en-US"/>
@@ -2772,7 +2794,7 @@
     </p:spTree>
     <p:extLst>
       <p:ext uri="{BB962C8B-B14F-4D97-AF65-F5344CB8AC3E}">
-        <p14:creationId xmlns:p14="http://schemas.microsoft.com/office/powerpoint/2010/main" val="4210395140"/>
+        <p14:creationId xmlns:p14="http://schemas.microsoft.com/office/powerpoint/2010/main" xmlns:p="http://schemas.openxmlformats.org/presentationml/2006/main" xmlns:r="http://schemas.openxmlformats.org/officeDocument/2006/relationships" xmlns:a="http://schemas.openxmlformats.org/drawingml/2006/main" xmlns="" val="4210395140"/>
       </p:ext>
     </p:extLst>
   </p:cSld>
@@ -2783,7 +2805,7 @@
 </file>
 
 <file path=ppt/slideLayouts/slideLayout9.xml><?xml version="1.0" encoding="utf-8"?>
-<p:sldLayout xmlns:a="http://schemas.openxmlformats.org/drawingml/2006/main" xmlns:r="http://schemas.openxmlformats.org/officeDocument/2006/relationships" xmlns:p="http://schemas.openxmlformats.org/presentationml/2006/main" type="picTx" preserve="1">
+<p:sldLayout xmlns:a="http://schemas.openxmlformats.org/drawingml/2006/main" xmlns:r="http://schemas.openxmlformats.org/officeDocument/2006/relationships" xmlns:mc="http://schemas.openxmlformats.org/markup-compatibility/2006" xmlns:mv="urn:schemas-microsoft-com:mac:vml" xmlns:p="http://schemas.openxmlformats.org/presentationml/2006/main" mc:Ignorable="mv" mc:PreserveAttributes="mv:*" type="picTx" preserve="1">
   <p:cSld name="Picture with Caption">
     <p:spTree>
       <p:nvGrpSpPr>
@@ -2974,7 +2996,8 @@
           <a:p>
             <a:fld id="{88CD3CAE-85D5-EF41-8154-1DEE4C4DD4B2}" type="datetimeFigureOut">
               <a:rPr lang="en-US" smtClean="0"/>
-              <a:t>10/20/11</a:t>
+              <a:pPr/>
+              <a:t>10/21/11</a:t>
             </a:fld>
             <a:endParaRPr lang="en-US"/>
           </a:p>
@@ -3016,6 +3039,7 @@
           <a:p>
             <a:fld id="{7F21B88C-7562-F447-9EBC-A68217EDCA89}" type="slidenum">
               <a:rPr lang="en-US" smtClean="0"/>
+              <a:pPr/>
               <a:t>‹#›</a:t>
             </a:fld>
             <a:endParaRPr lang="en-US"/>
@@ -3025,7 +3049,7 @@
     </p:spTree>
     <p:extLst>
       <p:ext uri="{BB962C8B-B14F-4D97-AF65-F5344CB8AC3E}">
-        <p14:creationId xmlns:p14="http://schemas.microsoft.com/office/powerpoint/2010/main" val="3425645412"/>
+        <p14:creationId xmlns:p14="http://schemas.microsoft.com/office/powerpoint/2010/main" xmlns:p="http://schemas.openxmlformats.org/presentationml/2006/main" xmlns:r="http://schemas.openxmlformats.org/officeDocument/2006/relationships" xmlns:a="http://schemas.openxmlformats.org/drawingml/2006/main" xmlns="" val="3425645412"/>
       </p:ext>
     </p:extLst>
   </p:cSld>
@@ -3036,7 +3060,7 @@
 </file>
 
 <file path=ppt/slideMasters/slideMaster1.xml><?xml version="1.0" encoding="utf-8"?>
-<p:sldMaster xmlns:a="http://schemas.openxmlformats.org/drawingml/2006/main" xmlns:r="http://schemas.openxmlformats.org/officeDocument/2006/relationships" xmlns:p="http://schemas.openxmlformats.org/presentationml/2006/main">
+<p:sldMaster xmlns:a="http://schemas.openxmlformats.org/drawingml/2006/main" xmlns:r="http://schemas.openxmlformats.org/officeDocument/2006/relationships" xmlns:mc="http://schemas.openxmlformats.org/markup-compatibility/2006" xmlns:mv="urn:schemas-microsoft-com:mac:vml" xmlns:p="http://schemas.openxmlformats.org/presentationml/2006/main" mc:Ignorable="mv" mc:PreserveAttributes="mv:*">
   <p:cSld>
     <p:bg>
       <p:bgRef idx="1001">
@@ -3187,7 +3211,8 @@
           <a:p>
             <a:fld id="{88CD3CAE-85D5-EF41-8154-1DEE4C4DD4B2}" type="datetimeFigureOut">
               <a:rPr lang="en-US" smtClean="0"/>
-              <a:t>10/20/11</a:t>
+              <a:pPr/>
+              <a:t>10/21/11</a:t>
             </a:fld>
             <a:endParaRPr lang="en-US"/>
           </a:p>
@@ -3265,6 +3290,7 @@
           <a:p>
             <a:fld id="{7F21B88C-7562-F447-9EBC-A68217EDCA89}" type="slidenum">
               <a:rPr lang="en-US" smtClean="0"/>
+              <a:pPr/>
               <a:t>‹#›</a:t>
             </a:fld>
             <a:endParaRPr lang="en-US"/>
@@ -3274,7 +3300,7 @@
     </p:spTree>
     <p:extLst>
       <p:ext uri="{BB962C8B-B14F-4D97-AF65-F5344CB8AC3E}">
-        <p14:creationId xmlns:p14="http://schemas.microsoft.com/office/powerpoint/2010/main" val="2796269493"/>
+        <p14:creationId xmlns:p14="http://schemas.microsoft.com/office/powerpoint/2010/main" xmlns:p="http://schemas.openxmlformats.org/presentationml/2006/main" xmlns:r="http://schemas.openxmlformats.org/officeDocument/2006/relationships" xmlns:a="http://schemas.openxmlformats.org/drawingml/2006/main" xmlns="" val="2796269493"/>
       </p:ext>
     </p:extLst>
   </p:cSld>
@@ -3546,7 +3572,7 @@
 </file>
 
 <file path=ppt/slides/slide1.xml><?xml version="1.0" encoding="utf-8"?>
-<p:sld xmlns:a="http://schemas.openxmlformats.org/drawingml/2006/main" xmlns:r="http://schemas.openxmlformats.org/officeDocument/2006/relationships" xmlns:p="http://schemas.openxmlformats.org/presentationml/2006/main">
+<p:sld xmlns:a="http://schemas.openxmlformats.org/drawingml/2006/main" xmlns:r="http://schemas.openxmlformats.org/officeDocument/2006/relationships" xmlns:mc="http://schemas.openxmlformats.org/markup-compatibility/2006" xmlns:mv="urn:schemas-microsoft-com:mac:vml" xmlns:p="http://schemas.openxmlformats.org/presentationml/2006/main" mc:Ignorable="mv" mc:PreserveAttributes="mv:*">
   <p:cSld>
     <p:spTree>
       <p:nvGrpSpPr>
@@ -3652,7 +3678,7 @@
     </p:spTree>
     <p:extLst>
       <p:ext uri="{BB962C8B-B14F-4D97-AF65-F5344CB8AC3E}">
-        <p14:creationId xmlns:p14="http://schemas.microsoft.com/office/powerpoint/2010/main" val="2914734931"/>
+        <p14:creationId xmlns:p14="http://schemas.microsoft.com/office/powerpoint/2010/main" xmlns:p="http://schemas.openxmlformats.org/presentationml/2006/main" xmlns:r="http://schemas.openxmlformats.org/officeDocument/2006/relationships" xmlns:a="http://schemas.openxmlformats.org/drawingml/2006/main" xmlns="" val="2914734931"/>
       </p:ext>
     </p:extLst>
   </p:cSld>
@@ -3663,7 +3689,7 @@
 </file>
 
 <file path=ppt/slides/slide10.xml><?xml version="1.0" encoding="utf-8"?>
-<p:sld xmlns:a="http://schemas.openxmlformats.org/drawingml/2006/main" xmlns:r="http://schemas.openxmlformats.org/officeDocument/2006/relationships" xmlns:p="http://schemas.openxmlformats.org/presentationml/2006/main">
+<p:sld xmlns:a="http://schemas.openxmlformats.org/drawingml/2006/main" xmlns:r="http://schemas.openxmlformats.org/officeDocument/2006/relationships" xmlns:mc="http://schemas.openxmlformats.org/markup-compatibility/2006" xmlns:mv="urn:schemas-microsoft-com:mac:vml" xmlns:p="http://schemas.openxmlformats.org/presentationml/2006/main" mc:Ignorable="mv" mc:PreserveAttributes="mv:*">
   <p:cSld>
     <p:spTree>
       <p:nvGrpSpPr>
@@ -3893,11 +3919,19 @@
           <a:p>
             <a:r>
               <a:rPr lang="en-US" dirty="0" err="1" smtClean="0"/>
-              <a:t>ChIP-Seq</a:t>
-            </a:r>
-            <a:r>
-              <a:rPr lang="en-US" dirty="0" smtClean="0"/>
-              <a:t>(Type II Service)</a:t>
+              <a:t>ChIP-</a:t>
+            </a:r>
+            <a:r>
+              <a:rPr lang="en-US" dirty="0" err="1" smtClean="0"/>
+              <a:t>Seq</a:t>
+            </a:r>
+            <a:r>
+              <a:rPr lang="en-US" dirty="0" smtClean="0"/>
+              <a:t> (</a:t>
+            </a:r>
+            <a:r>
+              <a:rPr lang="en-US" dirty="0" smtClean="0"/>
+              <a:t>Type II Service)</a:t>
             </a:r>
             <a:endParaRPr lang="en-US" dirty="0"/>
           </a:p>
@@ -3930,7 +3964,7 @@
     </p:spTree>
     <p:extLst>
       <p:ext uri="{BB962C8B-B14F-4D97-AF65-F5344CB8AC3E}">
-        <p14:creationId xmlns:p14="http://schemas.microsoft.com/office/powerpoint/2010/main" val="2331190039"/>
+        <p14:creationId xmlns:p14="http://schemas.microsoft.com/office/powerpoint/2010/main" xmlns:p="http://schemas.openxmlformats.org/presentationml/2006/main" xmlns:r="http://schemas.openxmlformats.org/officeDocument/2006/relationships" xmlns:a="http://schemas.openxmlformats.org/drawingml/2006/main" xmlns="" val="2331190039"/>
       </p:ext>
     </p:extLst>
   </p:cSld>
@@ -3940,7 +3974,7 @@
   <p:timing>
     <p:tnLst>
       <p:par>
-        <p:cTn xmlns:p14="http://schemas.microsoft.com/office/powerpoint/2010/main" id="1" dur="indefinite" restart="never" nodeType="tmRoot"/>
+        <p:cTn id="1" dur="indefinite" restart="never" nodeType="tmRoot"/>
       </p:par>
     </p:tnLst>
   </p:timing>
@@ -3948,7 +3982,7 @@
 </file>
 
 <file path=ppt/slides/slide11.xml><?xml version="1.0" encoding="utf-8"?>
-<p:sld xmlns:a="http://schemas.openxmlformats.org/drawingml/2006/main" xmlns:r="http://schemas.openxmlformats.org/officeDocument/2006/relationships" xmlns:p="http://schemas.openxmlformats.org/presentationml/2006/main">
+<p:sld xmlns:a="http://schemas.openxmlformats.org/drawingml/2006/main" xmlns:r="http://schemas.openxmlformats.org/officeDocument/2006/relationships" xmlns:mc="http://schemas.openxmlformats.org/markup-compatibility/2006" xmlns:mv="urn:schemas-microsoft-com:mac:vml" xmlns:p="http://schemas.openxmlformats.org/presentationml/2006/main" mc:Ignorable="mv" mc:PreserveAttributes="mv:*">
   <p:cSld>
     <p:spTree>
       <p:nvGrpSpPr>
@@ -4070,7 +4104,7 @@
     </p:spTree>
     <p:extLst>
       <p:ext uri="{BB962C8B-B14F-4D97-AF65-F5344CB8AC3E}">
-        <p14:creationId xmlns:p14="http://schemas.microsoft.com/office/powerpoint/2010/main" val="3317663855"/>
+        <p14:creationId xmlns:p14="http://schemas.microsoft.com/office/powerpoint/2010/main" xmlns:p="http://schemas.openxmlformats.org/presentationml/2006/main" xmlns:r="http://schemas.openxmlformats.org/officeDocument/2006/relationships" xmlns:a="http://schemas.openxmlformats.org/drawingml/2006/main" xmlns="" val="3317663855"/>
       </p:ext>
     </p:extLst>
   </p:cSld>
@@ -4081,7 +4115,7 @@
 </file>
 
 <file path=ppt/slides/slide12.xml><?xml version="1.0" encoding="utf-8"?>
-<p:sld xmlns:a="http://schemas.openxmlformats.org/drawingml/2006/main" xmlns:r="http://schemas.openxmlformats.org/officeDocument/2006/relationships" xmlns:p="http://schemas.openxmlformats.org/presentationml/2006/main">
+<p:sld xmlns:a="http://schemas.openxmlformats.org/drawingml/2006/main" xmlns:r="http://schemas.openxmlformats.org/officeDocument/2006/relationships" xmlns:mc="http://schemas.openxmlformats.org/markup-compatibility/2006" xmlns:mv="urn:schemas-microsoft-com:mac:vml" xmlns:p="http://schemas.openxmlformats.org/presentationml/2006/main" mc:Ignorable="mv" mc:PreserveAttributes="mv:*">
   <p:cSld>
     <p:spTree>
       <p:nvGrpSpPr>
@@ -4246,7 +4280,7 @@
     </p:spTree>
     <p:extLst>
       <p:ext uri="{BB962C8B-B14F-4D97-AF65-F5344CB8AC3E}">
-        <p14:creationId xmlns:p14="http://schemas.microsoft.com/office/powerpoint/2010/main" val="4003407106"/>
+        <p14:creationId xmlns:p14="http://schemas.microsoft.com/office/powerpoint/2010/main" xmlns:p="http://schemas.openxmlformats.org/presentationml/2006/main" xmlns:r="http://schemas.openxmlformats.org/officeDocument/2006/relationships" xmlns:a="http://schemas.openxmlformats.org/drawingml/2006/main" xmlns="" val="4003407106"/>
       </p:ext>
     </p:extLst>
   </p:cSld>
@@ -4257,7 +4291,7 @@
 </file>
 
 <file path=ppt/slides/slide13.xml><?xml version="1.0" encoding="utf-8"?>
-<p:sld xmlns:a="http://schemas.openxmlformats.org/drawingml/2006/main" xmlns:r="http://schemas.openxmlformats.org/officeDocument/2006/relationships" xmlns:p="http://schemas.openxmlformats.org/presentationml/2006/main">
+<p:sld xmlns:a="http://schemas.openxmlformats.org/drawingml/2006/main" xmlns:r="http://schemas.openxmlformats.org/officeDocument/2006/relationships" xmlns:mc="http://schemas.openxmlformats.org/markup-compatibility/2006" xmlns:mv="urn:schemas-microsoft-com:mac:vml" xmlns:p="http://schemas.openxmlformats.org/presentationml/2006/main" mc:Ignorable="mv" mc:PreserveAttributes="mv:*">
   <p:cSld>
     <p:spTree>
       <p:nvGrpSpPr>
@@ -4473,7 +4507,7 @@
     </p:spTree>
     <p:extLst>
       <p:ext uri="{BB962C8B-B14F-4D97-AF65-F5344CB8AC3E}">
-        <p14:creationId xmlns:p14="http://schemas.microsoft.com/office/powerpoint/2010/main" val="1031686876"/>
+        <p14:creationId xmlns:p14="http://schemas.microsoft.com/office/powerpoint/2010/main" xmlns:p="http://schemas.openxmlformats.org/presentationml/2006/main" xmlns:r="http://schemas.openxmlformats.org/officeDocument/2006/relationships" xmlns:a="http://schemas.openxmlformats.org/drawingml/2006/main" xmlns="" val="1031686876"/>
       </p:ext>
     </p:extLst>
   </p:cSld>
@@ -4484,7 +4518,7 @@
 </file>
 
 <file path=ppt/slides/slide14.xml><?xml version="1.0" encoding="utf-8"?>
-<p:sld xmlns:a="http://schemas.openxmlformats.org/drawingml/2006/main" xmlns:r="http://schemas.openxmlformats.org/officeDocument/2006/relationships" xmlns:p="http://schemas.openxmlformats.org/presentationml/2006/main">
+<p:sld xmlns:a="http://schemas.openxmlformats.org/drawingml/2006/main" xmlns:r="http://schemas.openxmlformats.org/officeDocument/2006/relationships" xmlns:mc="http://schemas.openxmlformats.org/markup-compatibility/2006" xmlns:mv="urn:schemas-microsoft-com:mac:vml" xmlns:p="http://schemas.openxmlformats.org/presentationml/2006/main" mc:Ignorable="mv" mc:PreserveAttributes="mv:*">
   <p:cSld>
     <p:spTree>
       <p:nvGrpSpPr>
@@ -4545,7 +4579,6 @@
               <a:rPr lang="en-US" dirty="0" smtClean="0"/>
               <a:t>Components</a:t>
             </a:r>
-            <a:endParaRPr lang="en-US" dirty="0" smtClean="0"/>
           </a:p>
           <a:p>
             <a:pPr lvl="1"/>
@@ -4581,7 +4614,7 @@
     </p:spTree>
     <p:extLst>
       <p:ext uri="{BB962C8B-B14F-4D97-AF65-F5344CB8AC3E}">
-        <p14:creationId xmlns:p14="http://schemas.microsoft.com/office/powerpoint/2010/main" val="1484428708"/>
+        <p14:creationId xmlns:p14="http://schemas.microsoft.com/office/powerpoint/2010/main" xmlns:p="http://schemas.openxmlformats.org/presentationml/2006/main" xmlns:r="http://schemas.openxmlformats.org/officeDocument/2006/relationships" xmlns:a="http://schemas.openxmlformats.org/drawingml/2006/main" xmlns="" val="1484428708"/>
       </p:ext>
     </p:extLst>
   </p:cSld>
@@ -4592,7 +4625,7 @@
 </file>
 
 <file path=ppt/slides/slide15.xml><?xml version="1.0" encoding="utf-8"?>
-<p:sld xmlns:a="http://schemas.openxmlformats.org/drawingml/2006/main" xmlns:r="http://schemas.openxmlformats.org/officeDocument/2006/relationships" xmlns:p="http://schemas.openxmlformats.org/presentationml/2006/main">
+<p:sld xmlns:a="http://schemas.openxmlformats.org/drawingml/2006/main" xmlns:r="http://schemas.openxmlformats.org/officeDocument/2006/relationships" xmlns:mc="http://schemas.openxmlformats.org/markup-compatibility/2006" xmlns:mv="urn:schemas-microsoft-com:mac:vml" xmlns:p="http://schemas.openxmlformats.org/presentationml/2006/main" mc:Ignorable="mv" mc:PreserveAttributes="mv:*">
   <p:cSld>
     <p:spTree>
       <p:nvGrpSpPr>
@@ -4735,7 +4768,7 @@
     </p:spTree>
     <p:extLst>
       <p:ext uri="{BB962C8B-B14F-4D97-AF65-F5344CB8AC3E}">
-        <p14:creationId xmlns:p14="http://schemas.microsoft.com/office/powerpoint/2010/main" val="3927389938"/>
+        <p14:creationId xmlns:p14="http://schemas.microsoft.com/office/powerpoint/2010/main" xmlns:p="http://schemas.openxmlformats.org/presentationml/2006/main" xmlns:r="http://schemas.openxmlformats.org/officeDocument/2006/relationships" xmlns:a="http://schemas.openxmlformats.org/drawingml/2006/main" xmlns="" val="3927389938"/>
       </p:ext>
     </p:extLst>
   </p:cSld>
@@ -4745,7 +4778,7 @@
   <p:timing>
     <p:tnLst>
       <p:par>
-        <p:cTn xmlns:p14="http://schemas.microsoft.com/office/powerpoint/2010/main" id="1" dur="indefinite" restart="never" nodeType="tmRoot"/>
+        <p:cTn id="1" dur="indefinite" restart="never" nodeType="tmRoot"/>
       </p:par>
     </p:tnLst>
   </p:timing>
@@ -4753,7 +4786,7 @@
 </file>
 
 <file path=ppt/slides/slide16.xml><?xml version="1.0" encoding="utf-8"?>
-<p:sld xmlns:a="http://schemas.openxmlformats.org/drawingml/2006/main" xmlns:r="http://schemas.openxmlformats.org/officeDocument/2006/relationships" xmlns:p="http://schemas.openxmlformats.org/presentationml/2006/main">
+<p:sld xmlns:a="http://schemas.openxmlformats.org/drawingml/2006/main" xmlns:r="http://schemas.openxmlformats.org/officeDocument/2006/relationships" xmlns:mc="http://schemas.openxmlformats.org/markup-compatibility/2006" xmlns:mv="urn:schemas-microsoft-com:mac:vml" xmlns:p="http://schemas.openxmlformats.org/presentationml/2006/main" mc:Ignorable="mv" mc:PreserveAttributes="mv:*">
   <p:cSld>
     <p:spTree>
       <p:nvGrpSpPr>
@@ -4895,7 +4928,7 @@
     </p:spTree>
     <p:extLst>
       <p:ext uri="{BB962C8B-B14F-4D97-AF65-F5344CB8AC3E}">
-        <p14:creationId xmlns:p14="http://schemas.microsoft.com/office/powerpoint/2010/main" val="3812328938"/>
+        <p14:creationId xmlns:p14="http://schemas.microsoft.com/office/powerpoint/2010/main" xmlns:p="http://schemas.openxmlformats.org/presentationml/2006/main" xmlns:r="http://schemas.openxmlformats.org/officeDocument/2006/relationships" xmlns:a="http://schemas.openxmlformats.org/drawingml/2006/main" xmlns="" val="3812328938"/>
       </p:ext>
     </p:extLst>
   </p:cSld>
@@ -4905,7 +4938,7 @@
   <p:timing>
     <p:tnLst>
       <p:par>
-        <p:cTn xmlns:p14="http://schemas.microsoft.com/office/powerpoint/2010/main" id="1" dur="indefinite" restart="never" nodeType="tmRoot"/>
+        <p:cTn id="1" dur="indefinite" restart="never" nodeType="tmRoot"/>
       </p:par>
     </p:tnLst>
   </p:timing>
@@ -4913,7 +4946,7 @@
 </file>
 
 <file path=ppt/slides/slide17.xml><?xml version="1.0" encoding="utf-8"?>
-<p:sld xmlns:a="http://schemas.openxmlformats.org/drawingml/2006/main" xmlns:r="http://schemas.openxmlformats.org/officeDocument/2006/relationships" xmlns:p="http://schemas.openxmlformats.org/presentationml/2006/main">
+<p:sld xmlns:a="http://schemas.openxmlformats.org/drawingml/2006/main" xmlns:r="http://schemas.openxmlformats.org/officeDocument/2006/relationships" xmlns:mc="http://schemas.openxmlformats.org/markup-compatibility/2006" xmlns:mv="urn:schemas-microsoft-com:mac:vml" xmlns:p="http://schemas.openxmlformats.org/presentationml/2006/main" mc:Ignorable="mv" mc:PreserveAttributes="mv:*">
   <p:cSld>
     <p:spTree>
       <p:nvGrpSpPr>
@@ -5047,7 +5080,7 @@
     </p:spTree>
     <p:extLst>
       <p:ext uri="{BB962C8B-B14F-4D97-AF65-F5344CB8AC3E}">
-        <p14:creationId xmlns:p14="http://schemas.microsoft.com/office/powerpoint/2010/main" val="2013374583"/>
+        <p14:creationId xmlns:p14="http://schemas.microsoft.com/office/powerpoint/2010/main" xmlns:p="http://schemas.openxmlformats.org/presentationml/2006/main" xmlns:r="http://schemas.openxmlformats.org/officeDocument/2006/relationships" xmlns:a="http://schemas.openxmlformats.org/drawingml/2006/main" xmlns="" val="2013374583"/>
       </p:ext>
     </p:extLst>
   </p:cSld>
@@ -5057,7 +5090,7 @@
   <p:timing>
     <p:tnLst>
       <p:par>
-        <p:cTn xmlns:p14="http://schemas.microsoft.com/office/powerpoint/2010/main" id="1" dur="indefinite" restart="never" nodeType="tmRoot"/>
+        <p:cTn id="1" dur="indefinite" restart="never" nodeType="tmRoot"/>
       </p:par>
     </p:tnLst>
   </p:timing>
@@ -5065,7 +5098,7 @@
 </file>
 
 <file path=ppt/slides/slide2.xml><?xml version="1.0" encoding="utf-8"?>
-<p:sld xmlns:a="http://schemas.openxmlformats.org/drawingml/2006/main" xmlns:r="http://schemas.openxmlformats.org/officeDocument/2006/relationships" xmlns:p="http://schemas.openxmlformats.org/presentationml/2006/main">
+<p:sld xmlns:a="http://schemas.openxmlformats.org/drawingml/2006/main" xmlns:r="http://schemas.openxmlformats.org/officeDocument/2006/relationships" xmlns:mc="http://schemas.openxmlformats.org/markup-compatibility/2006" xmlns:mv="urn:schemas-microsoft-com:mac:vml" xmlns:p="http://schemas.openxmlformats.org/presentationml/2006/main" mc:Ignorable="mv" mc:PreserveAttributes="mv:*">
   <p:cSld>
     <p:spTree>
       <p:nvGrpSpPr>
@@ -5154,7 +5187,7 @@
     </p:spTree>
     <p:extLst>
       <p:ext uri="{BB962C8B-B14F-4D97-AF65-F5344CB8AC3E}">
-        <p14:creationId xmlns:p14="http://schemas.microsoft.com/office/powerpoint/2010/main" val="3247901053"/>
+        <p14:creationId xmlns:p14="http://schemas.microsoft.com/office/powerpoint/2010/main" xmlns:p="http://schemas.openxmlformats.org/presentationml/2006/main" xmlns:r="http://schemas.openxmlformats.org/officeDocument/2006/relationships" xmlns:a="http://schemas.openxmlformats.org/drawingml/2006/main" xmlns="" val="3247901053"/>
       </p:ext>
     </p:extLst>
   </p:cSld>
@@ -5165,7 +5198,7 @@
 </file>
 
 <file path=ppt/slides/slide3.xml><?xml version="1.0" encoding="utf-8"?>
-<p:sld xmlns:a="http://schemas.openxmlformats.org/drawingml/2006/main" xmlns:r="http://schemas.openxmlformats.org/officeDocument/2006/relationships" xmlns:p="http://schemas.openxmlformats.org/presentationml/2006/main">
+<p:sld xmlns:a="http://schemas.openxmlformats.org/drawingml/2006/main" xmlns:r="http://schemas.openxmlformats.org/officeDocument/2006/relationships" xmlns:mc="http://schemas.openxmlformats.org/markup-compatibility/2006" xmlns:mv="urn:schemas-microsoft-com:mac:vml" xmlns:p="http://schemas.openxmlformats.org/presentationml/2006/main" mc:Ignorable="mv" mc:PreserveAttributes="mv:*">
   <p:cSld>
     <p:spTree>
       <p:nvGrpSpPr>
@@ -5281,7 +5314,7 @@
     </p:spTree>
     <p:extLst>
       <p:ext uri="{BB962C8B-B14F-4D97-AF65-F5344CB8AC3E}">
-        <p14:creationId xmlns:p14="http://schemas.microsoft.com/office/powerpoint/2010/main" val="1401030162"/>
+        <p14:creationId xmlns:p14="http://schemas.microsoft.com/office/powerpoint/2010/main" xmlns:p="http://schemas.openxmlformats.org/presentationml/2006/main" xmlns:r="http://schemas.openxmlformats.org/officeDocument/2006/relationships" xmlns:a="http://schemas.openxmlformats.org/drawingml/2006/main" xmlns="" val="1401030162"/>
       </p:ext>
     </p:extLst>
   </p:cSld>
@@ -5292,7 +5325,7 @@
 </file>
 
 <file path=ppt/slides/slide4.xml><?xml version="1.0" encoding="utf-8"?>
-<p:sld xmlns:a="http://schemas.openxmlformats.org/drawingml/2006/main" xmlns:r="http://schemas.openxmlformats.org/officeDocument/2006/relationships" xmlns:p="http://schemas.openxmlformats.org/presentationml/2006/main">
+<p:sld xmlns:a="http://schemas.openxmlformats.org/drawingml/2006/main" xmlns:r="http://schemas.openxmlformats.org/officeDocument/2006/relationships" xmlns:mc="http://schemas.openxmlformats.org/markup-compatibility/2006" xmlns:mv="urn:schemas-microsoft-com:mac:vml" xmlns:p="http://schemas.openxmlformats.org/presentationml/2006/main" mc:Ignorable="mv" mc:PreserveAttributes="mv:*">
   <p:cSld>
     <p:spTree>
       <p:nvGrpSpPr>
@@ -5363,7 +5396,7 @@
     </p:spTree>
     <p:extLst>
       <p:ext uri="{BB962C8B-B14F-4D97-AF65-F5344CB8AC3E}">
-        <p14:creationId xmlns:p14="http://schemas.microsoft.com/office/powerpoint/2010/main" val="2857508455"/>
+        <p14:creationId xmlns:p14="http://schemas.microsoft.com/office/powerpoint/2010/main" xmlns:p="http://schemas.openxmlformats.org/presentationml/2006/main" xmlns:r="http://schemas.openxmlformats.org/officeDocument/2006/relationships" xmlns:a="http://schemas.openxmlformats.org/drawingml/2006/main" xmlns="" val="2857508455"/>
       </p:ext>
     </p:extLst>
   </p:cSld>
@@ -5374,7 +5407,7 @@
 </file>
 
 <file path=ppt/slides/slide5.xml><?xml version="1.0" encoding="utf-8"?>
-<p:sld xmlns:a="http://schemas.openxmlformats.org/drawingml/2006/main" xmlns:r="http://schemas.openxmlformats.org/officeDocument/2006/relationships" xmlns:p="http://schemas.openxmlformats.org/presentationml/2006/main">
+<p:sld xmlns:a="http://schemas.openxmlformats.org/drawingml/2006/main" xmlns:r="http://schemas.openxmlformats.org/officeDocument/2006/relationships" xmlns:mc="http://schemas.openxmlformats.org/markup-compatibility/2006" xmlns:mv="urn:schemas-microsoft-com:mac:vml" xmlns:p="http://schemas.openxmlformats.org/presentationml/2006/main" mc:Ignorable="mv" mc:PreserveAttributes="mv:*">
   <p:cSld>
     <p:spTree>
       <p:nvGrpSpPr>
@@ -5484,7 +5517,7 @@
     </p:spTree>
     <p:extLst>
       <p:ext uri="{BB962C8B-B14F-4D97-AF65-F5344CB8AC3E}">
-        <p14:creationId xmlns:p14="http://schemas.microsoft.com/office/powerpoint/2010/main" val="3553787091"/>
+        <p14:creationId xmlns:p14="http://schemas.microsoft.com/office/powerpoint/2010/main" xmlns:p="http://schemas.openxmlformats.org/presentationml/2006/main" xmlns:r="http://schemas.openxmlformats.org/officeDocument/2006/relationships" xmlns:a="http://schemas.openxmlformats.org/drawingml/2006/main" xmlns="" val="3553787091"/>
       </p:ext>
     </p:extLst>
   </p:cSld>
@@ -5495,7 +5528,7 @@
 </file>
 
 <file path=ppt/slides/slide6.xml><?xml version="1.0" encoding="utf-8"?>
-<p:sld xmlns:a="http://schemas.openxmlformats.org/drawingml/2006/main" xmlns:r="http://schemas.openxmlformats.org/officeDocument/2006/relationships" xmlns:p="http://schemas.openxmlformats.org/presentationml/2006/main">
+<p:sld xmlns:a="http://schemas.openxmlformats.org/drawingml/2006/main" xmlns:r="http://schemas.openxmlformats.org/officeDocument/2006/relationships" xmlns:mc="http://schemas.openxmlformats.org/markup-compatibility/2006" xmlns:mv="urn:schemas-microsoft-com:mac:vml" xmlns:p="http://schemas.openxmlformats.org/presentationml/2006/main" mc:Ignorable="mv" mc:PreserveAttributes="mv:*">
   <p:cSld>
     <p:spTree>
       <p:nvGrpSpPr>
@@ -5566,7 +5599,7 @@
     </p:spTree>
     <p:extLst>
       <p:ext uri="{BB962C8B-B14F-4D97-AF65-F5344CB8AC3E}">
-        <p14:creationId xmlns:p14="http://schemas.microsoft.com/office/powerpoint/2010/main" val="2837673819"/>
+        <p14:creationId xmlns:p14="http://schemas.microsoft.com/office/powerpoint/2010/main" xmlns:p="http://schemas.openxmlformats.org/presentationml/2006/main" xmlns:r="http://schemas.openxmlformats.org/officeDocument/2006/relationships" xmlns:a="http://schemas.openxmlformats.org/drawingml/2006/main" xmlns="" val="2837673819"/>
       </p:ext>
     </p:extLst>
   </p:cSld>
@@ -5577,7 +5610,7 @@
 </file>
 
 <file path=ppt/slides/slide7.xml><?xml version="1.0" encoding="utf-8"?>
-<p:sld xmlns:a="http://schemas.openxmlformats.org/drawingml/2006/main" xmlns:r="http://schemas.openxmlformats.org/officeDocument/2006/relationships" xmlns:p="http://schemas.openxmlformats.org/presentationml/2006/main">
+<p:sld xmlns:a="http://schemas.openxmlformats.org/drawingml/2006/main" xmlns:r="http://schemas.openxmlformats.org/officeDocument/2006/relationships" xmlns:mc="http://schemas.openxmlformats.org/markup-compatibility/2006" xmlns:mv="urn:schemas-microsoft-com:mac:vml" xmlns:p="http://schemas.openxmlformats.org/presentationml/2006/main" mc:Ignorable="mv" mc:PreserveAttributes="mv:*">
   <p:cSld>
     <p:spTree>
       <p:nvGrpSpPr>
@@ -5648,7 +5681,7 @@
     </p:spTree>
     <p:extLst>
       <p:ext uri="{BB962C8B-B14F-4D97-AF65-F5344CB8AC3E}">
-        <p14:creationId xmlns:p14="http://schemas.microsoft.com/office/powerpoint/2010/main" val="618364089"/>
+        <p14:creationId xmlns:p14="http://schemas.microsoft.com/office/powerpoint/2010/main" xmlns:p="http://schemas.openxmlformats.org/presentationml/2006/main" xmlns:r="http://schemas.openxmlformats.org/officeDocument/2006/relationships" xmlns:a="http://schemas.openxmlformats.org/drawingml/2006/main" xmlns="" val="618364089"/>
       </p:ext>
     </p:extLst>
   </p:cSld>
@@ -5659,7 +5692,7 @@
 </file>
 
 <file path=ppt/slides/slide8.xml><?xml version="1.0" encoding="utf-8"?>
-<p:sld xmlns:a="http://schemas.openxmlformats.org/drawingml/2006/main" xmlns:r="http://schemas.openxmlformats.org/officeDocument/2006/relationships" xmlns:p="http://schemas.openxmlformats.org/presentationml/2006/main">
+<p:sld xmlns:a="http://schemas.openxmlformats.org/drawingml/2006/main" xmlns:r="http://schemas.openxmlformats.org/officeDocument/2006/relationships" xmlns:mc="http://schemas.openxmlformats.org/markup-compatibility/2006" xmlns:mv="urn:schemas-microsoft-com:mac:vml" xmlns:p="http://schemas.openxmlformats.org/presentationml/2006/main" mc:Ignorable="mv" mc:PreserveAttributes="mv:*">
   <p:cSld>
     <p:spTree>
       <p:nvGrpSpPr>
@@ -5777,7 +5810,7 @@
     </p:spTree>
     <p:extLst>
       <p:ext uri="{BB962C8B-B14F-4D97-AF65-F5344CB8AC3E}">
-        <p14:creationId xmlns:p14="http://schemas.microsoft.com/office/powerpoint/2010/main" val="2804255646"/>
+        <p14:creationId xmlns:p14="http://schemas.microsoft.com/office/powerpoint/2010/main" xmlns:p="http://schemas.openxmlformats.org/presentationml/2006/main" xmlns:r="http://schemas.openxmlformats.org/officeDocument/2006/relationships" xmlns:a="http://schemas.openxmlformats.org/drawingml/2006/main" xmlns="" val="2804255646"/>
       </p:ext>
     </p:extLst>
   </p:cSld>
@@ -5788,7 +5821,7 @@
 </file>
 
 <file path=ppt/slides/slide9.xml><?xml version="1.0" encoding="utf-8"?>
-<p:sld xmlns:a="http://schemas.openxmlformats.org/drawingml/2006/main" xmlns:r="http://schemas.openxmlformats.org/officeDocument/2006/relationships" xmlns:p="http://schemas.openxmlformats.org/presentationml/2006/main">
+<p:sld xmlns:a="http://schemas.openxmlformats.org/drawingml/2006/main" xmlns:r="http://schemas.openxmlformats.org/officeDocument/2006/relationships" xmlns:mc="http://schemas.openxmlformats.org/markup-compatibility/2006" xmlns:mv="urn:schemas-microsoft-com:mac:vml" xmlns:p="http://schemas.openxmlformats.org/presentationml/2006/main" mc:Ignorable="mv" mc:PreserveAttributes="mv:*">
   <p:cSld>
     <p:spTree>
       <p:nvGrpSpPr>
@@ -5896,7 +5929,7 @@
     </p:spTree>
     <p:extLst>
       <p:ext uri="{BB962C8B-B14F-4D97-AF65-F5344CB8AC3E}">
-        <p14:creationId xmlns:p14="http://schemas.microsoft.com/office/powerpoint/2010/main" val="2523048758"/>
+        <p14:creationId xmlns:p14="http://schemas.microsoft.com/office/powerpoint/2010/main" xmlns:p="http://schemas.openxmlformats.org/presentationml/2006/main" xmlns:r="http://schemas.openxmlformats.org/officeDocument/2006/relationships" xmlns:a="http://schemas.openxmlformats.org/drawingml/2006/main" xmlns="" val="2523048758"/>
       </p:ext>
     </p:extLst>
   </p:cSld>
